--- a/Presentazione LAB3.pptx
+++ b/Presentazione LAB3.pptx
@@ -5,7 +5,7 @@
     <p:sldMasterId id="2147483648" r:id="rId1"/>
   </p:sldMasterIdLst>
   <p:notesMasterIdLst>
-    <p:notesMasterId r:id="rId18"/>
+    <p:notesMasterId r:id="rId19"/>
   </p:notesMasterIdLst>
   <p:sldIdLst>
     <p:sldId id="256" r:id="rId2"/>
@@ -24,6 +24,7 @@
     <p:sldId id="269" r:id="rId15"/>
     <p:sldId id="270" r:id="rId16"/>
     <p:sldId id="271" r:id="rId17"/>
+    <p:sldId id="272" r:id="rId18"/>
   </p:sldIdLst>
   <p:sldSz cx="12192000" cy="6858000"/>
   <p:notesSz cx="6858000" cy="9144000"/>
@@ -212,7 +213,7 @@
           <a:p>
             <a:fld id="{B9738FAE-5E17-E94C-91A2-F91657C5C946}" type="datetimeFigureOut">
               <a:rPr lang="it-IT" smtClean="0"/>
-              <a:t>06/06/20</a:t>
+              <a:t>08/06/20</a:t>
             </a:fld>
             <a:endParaRPr lang="it-IT"/>
           </a:p>
@@ -710,7 +711,7 @@
           <a:p>
             <a:fld id="{B02DE177-5E7A-4847-83AB-7872EFFA77AC}" type="datetimeFigureOut">
               <a:rPr lang="it-IT" smtClean="0"/>
-              <a:t>06/06/20</a:t>
+              <a:t>08/06/20</a:t>
             </a:fld>
             <a:endParaRPr lang="it-IT"/>
           </a:p>
@@ -908,7 +909,7 @@
           <a:p>
             <a:fld id="{B02DE177-5E7A-4847-83AB-7872EFFA77AC}" type="datetimeFigureOut">
               <a:rPr lang="it-IT" smtClean="0"/>
-              <a:t>06/06/20</a:t>
+              <a:t>08/06/20</a:t>
             </a:fld>
             <a:endParaRPr lang="it-IT"/>
           </a:p>
@@ -1116,7 +1117,7 @@
           <a:p>
             <a:fld id="{B02DE177-5E7A-4847-83AB-7872EFFA77AC}" type="datetimeFigureOut">
               <a:rPr lang="it-IT" smtClean="0"/>
-              <a:t>06/06/20</a:t>
+              <a:t>08/06/20</a:t>
             </a:fld>
             <a:endParaRPr lang="it-IT"/>
           </a:p>
@@ -1314,7 +1315,7 @@
           <a:p>
             <a:fld id="{B02DE177-5E7A-4847-83AB-7872EFFA77AC}" type="datetimeFigureOut">
               <a:rPr lang="it-IT" smtClean="0"/>
-              <a:t>06/06/20</a:t>
+              <a:t>08/06/20</a:t>
             </a:fld>
             <a:endParaRPr lang="it-IT"/>
           </a:p>
@@ -1589,7 +1590,7 @@
           <a:p>
             <a:fld id="{B02DE177-5E7A-4847-83AB-7872EFFA77AC}" type="datetimeFigureOut">
               <a:rPr lang="it-IT" smtClean="0"/>
-              <a:t>06/06/20</a:t>
+              <a:t>08/06/20</a:t>
             </a:fld>
             <a:endParaRPr lang="it-IT"/>
           </a:p>
@@ -1854,7 +1855,7 @@
           <a:p>
             <a:fld id="{B02DE177-5E7A-4847-83AB-7872EFFA77AC}" type="datetimeFigureOut">
               <a:rPr lang="it-IT" smtClean="0"/>
-              <a:t>06/06/20</a:t>
+              <a:t>08/06/20</a:t>
             </a:fld>
             <a:endParaRPr lang="it-IT"/>
           </a:p>
@@ -2266,7 +2267,7 @@
           <a:p>
             <a:fld id="{B02DE177-5E7A-4847-83AB-7872EFFA77AC}" type="datetimeFigureOut">
               <a:rPr lang="it-IT" smtClean="0"/>
-              <a:t>06/06/20</a:t>
+              <a:t>08/06/20</a:t>
             </a:fld>
             <a:endParaRPr lang="it-IT"/>
           </a:p>
@@ -2407,7 +2408,7 @@
           <a:p>
             <a:fld id="{B02DE177-5E7A-4847-83AB-7872EFFA77AC}" type="datetimeFigureOut">
               <a:rPr lang="it-IT" smtClean="0"/>
-              <a:t>06/06/20</a:t>
+              <a:t>08/06/20</a:t>
             </a:fld>
             <a:endParaRPr lang="it-IT"/>
           </a:p>
@@ -2520,7 +2521,7 @@
           <a:p>
             <a:fld id="{B02DE177-5E7A-4847-83AB-7872EFFA77AC}" type="datetimeFigureOut">
               <a:rPr lang="it-IT" smtClean="0"/>
-              <a:t>06/06/20</a:t>
+              <a:t>08/06/20</a:t>
             </a:fld>
             <a:endParaRPr lang="it-IT"/>
           </a:p>
@@ -2831,7 +2832,7 @@
           <a:p>
             <a:fld id="{B02DE177-5E7A-4847-83AB-7872EFFA77AC}" type="datetimeFigureOut">
               <a:rPr lang="it-IT" smtClean="0"/>
-              <a:t>06/06/20</a:t>
+              <a:t>08/06/20</a:t>
             </a:fld>
             <a:endParaRPr lang="it-IT"/>
           </a:p>
@@ -3119,7 +3120,7 @@
           <a:p>
             <a:fld id="{B02DE177-5E7A-4847-83AB-7872EFFA77AC}" type="datetimeFigureOut">
               <a:rPr lang="it-IT" smtClean="0"/>
-              <a:t>06/06/20</a:t>
+              <a:t>08/06/20</a:t>
             </a:fld>
             <a:endParaRPr lang="it-IT"/>
           </a:p>
@@ -3360,7 +3361,7 @@
           <a:p>
             <a:fld id="{B02DE177-5E7A-4847-83AB-7872EFFA77AC}" type="datetimeFigureOut">
               <a:rPr lang="it-IT" smtClean="0"/>
-              <a:t>06/06/20</a:t>
+              <a:t>08/06/20</a:t>
             </a:fld>
             <a:endParaRPr lang="it-IT"/>
           </a:p>
@@ -4012,6 +4013,9 @@
   <p:clrMapOvr>
     <a:masterClrMapping/>
   </p:clrMapOvr>
+  <p:transition spd="med">
+    <p:pull/>
+  </p:transition>
 </p:sld>
 </file>
 
@@ -4104,8 +4108,8 @@
           </a:prstGeom>
         </p:spPr>
       </p:pic>
-      <mc:AlternateContent xmlns:mc="http://schemas.openxmlformats.org/markup-compatibility/2006">
-        <mc:Choice xmlns:a14="http://schemas.microsoft.com/office/drawing/2010/main" Requires="a14">
+      <mc:AlternateContent xmlns:mc="http://schemas.openxmlformats.org/markup-compatibility/2006" xmlns:a14="http://schemas.microsoft.com/office/drawing/2010/main">
+        <mc:Choice Requires="a14">
           <p:sp>
             <p:nvSpPr>
               <p:cNvPr id="5" name="Rettangolo 4">
@@ -4396,7 +4400,7 @@
             </p:txBody>
           </p:sp>
         </mc:Choice>
-        <mc:Fallback>
+        <mc:Fallback xmlns="">
           <p:sp>
             <p:nvSpPr>
               <p:cNvPr id="5" name="Rettangolo 4">
@@ -4451,6 +4455,9 @@
   <p:clrMapOvr>
     <a:masterClrMapping/>
   </p:clrMapOvr>
+  <p:transition spd="med">
+    <p:pull/>
+  </p:transition>
 </p:sld>
 </file>
 
@@ -4669,6 +4676,9 @@
   <p:clrMapOvr>
     <a:masterClrMapping/>
   </p:clrMapOvr>
+  <p:transition spd="med">
+    <p:pull/>
+  </p:transition>
 </p:sld>
 </file>
 
@@ -4773,6 +4783,9 @@
   <p:clrMapOvr>
     <a:masterClrMapping/>
   </p:clrMapOvr>
+  <p:transition spd="med">
+    <p:pull/>
+  </p:transition>
 </p:sld>
 </file>
 
@@ -4891,8 +4904,8 @@
           </a:p>
         </p:txBody>
       </p:sp>
-      <mc:AlternateContent xmlns:mc="http://schemas.openxmlformats.org/markup-compatibility/2006">
-        <mc:Choice xmlns:a14="http://schemas.microsoft.com/office/drawing/2010/main" Requires="a14">
+      <mc:AlternateContent xmlns:mc="http://schemas.openxmlformats.org/markup-compatibility/2006" xmlns:a14="http://schemas.microsoft.com/office/drawing/2010/main">
+        <mc:Choice Requires="a14">
           <p:sp>
             <p:nvSpPr>
               <p:cNvPr id="4" name="CasellaDiTesto 3">
@@ -5004,7 +5017,7 @@
             </p:txBody>
           </p:sp>
         </mc:Choice>
-        <mc:Fallback>
+        <mc:Fallback xmlns="">
           <p:sp>
             <p:nvSpPr>
               <p:cNvPr id="4" name="CasellaDiTesto 3">
@@ -5059,6 +5072,9 @@
   <p:clrMapOvr>
     <a:masterClrMapping/>
   </p:clrMapOvr>
+  <p:transition spd="med">
+    <p:pull/>
+  </p:transition>
 </p:sld>
 </file>
 
@@ -5114,8 +5130,8 @@
           </a:p>
         </p:txBody>
       </p:sp>
-      <mc:AlternateContent xmlns:mc="http://schemas.openxmlformats.org/markup-compatibility/2006">
-        <mc:Choice xmlns:a14="http://schemas.microsoft.com/office/drawing/2010/main" Requires="a14">
+      <mc:AlternateContent xmlns:mc="http://schemas.openxmlformats.org/markup-compatibility/2006" xmlns:a14="http://schemas.microsoft.com/office/drawing/2010/main">
+        <mc:Choice Requires="a14">
           <p:sp>
             <p:nvSpPr>
               <p:cNvPr id="3" name="Segnaposto contenuto 2">
@@ -6000,7 +6016,7 @@
             </p:txBody>
           </p:sp>
         </mc:Choice>
-        <mc:Fallback>
+        <mc:Fallback xmlns="">
           <p:sp>
             <p:nvSpPr>
               <p:cNvPr id="3" name="Segnaposto contenuto 2">
@@ -6050,6 +6066,9 @@
   <p:clrMapOvr>
     <a:masterClrMapping/>
   </p:clrMapOvr>
+  <p:transition spd="med">
+    <p:pull/>
+  </p:transition>
 </p:sld>
 </file>
 
@@ -6176,8 +6195,8 @@
           </a:xfrm>
         </p:spPr>
       </p:pic>
-      <mc:AlternateContent xmlns:mc="http://schemas.openxmlformats.org/markup-compatibility/2006">
-        <mc:Choice xmlns:a14="http://schemas.microsoft.com/office/drawing/2010/main" Requires="a14">
+      <mc:AlternateContent xmlns:mc="http://schemas.openxmlformats.org/markup-compatibility/2006" xmlns:a14="http://schemas.microsoft.com/office/drawing/2010/main">
+        <mc:Choice Requires="a14">
           <p:sp>
             <p:nvSpPr>
               <p:cNvPr id="6" name="CasellaDiTesto 5">
@@ -6418,7 +6437,7 @@
             </p:txBody>
           </p:sp>
         </mc:Choice>
-        <mc:Fallback>
+        <mc:Fallback xmlns="">
           <p:sp>
             <p:nvSpPr>
               <p:cNvPr id="6" name="CasellaDiTesto 5">
@@ -6473,6 +6492,98 @@
   <p:clrMapOvr>
     <a:masterClrMapping/>
   </p:clrMapOvr>
+  <p:transition spd="med">
+    <p:pull/>
+  </p:transition>
+</p:sld>
+</file>
+
+<file path=ppt/slides/slide17.xml><?xml version="1.0" encoding="utf-8"?>
+<p:sld xmlns:a="http://schemas.openxmlformats.org/drawingml/2006/main" xmlns:r="http://schemas.openxmlformats.org/officeDocument/2006/relationships" xmlns:p="http://schemas.openxmlformats.org/presentationml/2006/main">
+  <p:cSld>
+    <p:spTree>
+      <p:nvGrpSpPr>
+        <p:cNvPr id="1" name=""/>
+        <p:cNvGrpSpPr/>
+        <p:nvPr/>
+      </p:nvGrpSpPr>
+      <p:grpSpPr>
+        <a:xfrm>
+          <a:off x="0" y="0"/>
+          <a:ext cx="0" cy="0"/>
+          <a:chOff x="0" y="0"/>
+          <a:chExt cx="0" cy="0"/>
+        </a:xfrm>
+      </p:grpSpPr>
+      <p:sp>
+        <p:nvSpPr>
+          <p:cNvPr id="2" name="Titolo 1">
+            <a:extLst>
+              <a:ext uri="{FF2B5EF4-FFF2-40B4-BE49-F238E27FC236}">
+                <a16:creationId xmlns:a16="http://schemas.microsoft.com/office/drawing/2014/main" id="{9FA4846E-AE00-F04E-9D8D-48316A77EA72}"/>
+              </a:ext>
+            </a:extLst>
+          </p:cNvPr>
+          <p:cNvSpPr>
+            <a:spLocks noGrp="1"/>
+          </p:cNvSpPr>
+          <p:nvPr>
+            <p:ph type="title"/>
+          </p:nvPr>
+        </p:nvSpPr>
+        <p:spPr>
+          <a:xfrm>
+            <a:off x="838200" y="2766218"/>
+            <a:ext cx="10515600" cy="1325563"/>
+          </a:xfrm>
+        </p:spPr>
+        <p:txBody>
+          <a:bodyPr/>
+          <a:lstStyle/>
+          <a:p>
+            <a:pPr algn="ctr"/>
+            <a:r>
+              <a:rPr lang="it-IT" dirty="0">
+                <a:solidFill>
+                  <a:srgbClr val="E94117"/>
+                </a:solidFill>
+                <a:latin typeface="Hiragino Kaku Gothic StdN W8" panose="020B0800000000000000" pitchFamily="34" charset="-128"/>
+                <a:ea typeface="Hiragino Kaku Gothic StdN W8" panose="020B0800000000000000" pitchFamily="34" charset="-128"/>
+              </a:rPr>
+              <a:t>FINE</a:t>
+            </a:r>
+            <a:br>
+              <a:rPr lang="it-IT" dirty="0">
+                <a:solidFill>
+                  <a:srgbClr val="E94117"/>
+                </a:solidFill>
+                <a:latin typeface="Hiragino Kaku Gothic StdN W8" panose="020B0800000000000000" pitchFamily="34" charset="-128"/>
+                <a:ea typeface="Hiragino Kaku Gothic StdN W8" panose="020B0800000000000000" pitchFamily="34" charset="-128"/>
+              </a:rPr>
+            </a:br>
+            <a:r>
+              <a:rPr lang="it-IT" dirty="0">
+                <a:solidFill>
+                  <a:srgbClr val="E94117"/>
+                </a:solidFill>
+                <a:latin typeface="Hiragino Kaku Gothic StdN W8" panose="020B0800000000000000" pitchFamily="34" charset="-128"/>
+                <a:ea typeface="Hiragino Kaku Gothic StdN W8" panose="020B0800000000000000" pitchFamily="34" charset="-128"/>
+              </a:rPr>
+              <a:t>GRAZIE PER L’ATTENZIONE</a:t>
+            </a:r>
+          </a:p>
+        </p:txBody>
+      </p:sp>
+    </p:spTree>
+    <p:extLst>
+      <p:ext uri="{BB962C8B-B14F-4D97-AF65-F5344CB8AC3E}">
+        <p14:creationId xmlns:p14="http://schemas.microsoft.com/office/powerpoint/2010/main" val="1054525070"/>
+      </p:ext>
+    </p:extLst>
+  </p:cSld>
+  <p:clrMapOvr>
+    <a:masterClrMapping/>
+  </p:clrMapOvr>
 </p:sld>
 </file>
 
@@ -6663,6 +6774,9 @@
   <p:clrMapOvr>
     <a:masterClrMapping/>
   </p:clrMapOvr>
+  <p:transition spd="med">
+    <p:pull/>
+  </p:transition>
 </p:sld>
 </file>
 
@@ -7317,6 +7431,9 @@
   <p:clrMapOvr>
     <a:masterClrMapping/>
   </p:clrMapOvr>
+  <p:transition spd="med">
+    <p:pull/>
+  </p:transition>
 </p:sld>
 </file>
 
@@ -9166,6 +9283,1055 @@
   <p:clrMapOvr>
     <a:masterClrMapping/>
   </p:clrMapOvr>
+  <p:transition spd="med">
+    <p:pull/>
+  </p:transition>
+  <p:timing>
+    <p:tnLst>
+      <p:par>
+        <p:cTn id="1" dur="indefinite" restart="never" nodeType="tmRoot">
+          <p:childTnLst>
+            <p:seq concurrent="1" nextAc="seek">
+              <p:cTn id="2" dur="indefinite" nodeType="mainSeq">
+                <p:childTnLst>
+                  <p:par>
+                    <p:cTn id="3" fill="hold">
+                      <p:stCondLst>
+                        <p:cond delay="indefinite"/>
+                      </p:stCondLst>
+                      <p:childTnLst>
+                        <p:par>
+                          <p:cTn id="4" fill="hold">
+                            <p:stCondLst>
+                              <p:cond delay="0"/>
+                            </p:stCondLst>
+                            <p:childTnLst>
+                              <p:par>
+                                <p:cTn id="5" presetID="23" presetClass="entr" presetSubtype="16" fill="hold" grpId="0" nodeType="clickEffect">
+                                  <p:stCondLst>
+                                    <p:cond delay="0"/>
+                                  </p:stCondLst>
+                                  <p:childTnLst>
+                                    <p:set>
+                                      <p:cBhvr>
+                                        <p:cTn id="6" dur="1" fill="hold">
+                                          <p:stCondLst>
+                                            <p:cond delay="0"/>
+                                          </p:stCondLst>
+                                        </p:cTn>
+                                        <p:tgtEl>
+                                          <p:spTgt spid="10"/>
+                                        </p:tgtEl>
+                                        <p:attrNameLst>
+                                          <p:attrName>style.visibility</p:attrName>
+                                        </p:attrNameLst>
+                                      </p:cBhvr>
+                                      <p:to>
+                                        <p:strVal val="visible"/>
+                                      </p:to>
+                                    </p:set>
+                                    <p:anim calcmode="lin" valueType="num">
+                                      <p:cBhvr>
+                                        <p:cTn id="7" dur="500" fill="hold"/>
+                                        <p:tgtEl>
+                                          <p:spTgt spid="10"/>
+                                        </p:tgtEl>
+                                        <p:attrNameLst>
+                                          <p:attrName>ppt_w</p:attrName>
+                                        </p:attrNameLst>
+                                      </p:cBhvr>
+                                      <p:tavLst>
+                                        <p:tav tm="0">
+                                          <p:val>
+                                            <p:fltVal val="0"/>
+                                          </p:val>
+                                        </p:tav>
+                                        <p:tav tm="100000">
+                                          <p:val>
+                                            <p:strVal val="#ppt_w"/>
+                                          </p:val>
+                                        </p:tav>
+                                      </p:tavLst>
+                                    </p:anim>
+                                    <p:anim calcmode="lin" valueType="num">
+                                      <p:cBhvr>
+                                        <p:cTn id="8" dur="500" fill="hold"/>
+                                        <p:tgtEl>
+                                          <p:spTgt spid="10"/>
+                                        </p:tgtEl>
+                                        <p:attrNameLst>
+                                          <p:attrName>ppt_h</p:attrName>
+                                        </p:attrNameLst>
+                                      </p:cBhvr>
+                                      <p:tavLst>
+                                        <p:tav tm="0">
+                                          <p:val>
+                                            <p:fltVal val="0"/>
+                                          </p:val>
+                                        </p:tav>
+                                        <p:tav tm="100000">
+                                          <p:val>
+                                            <p:strVal val="#ppt_h"/>
+                                          </p:val>
+                                        </p:tav>
+                                      </p:tavLst>
+                                    </p:anim>
+                                  </p:childTnLst>
+                                </p:cTn>
+                              </p:par>
+                              <p:par>
+                                <p:cTn id="9" presetID="23" presetClass="entr" presetSubtype="16" fill="hold" grpId="0" nodeType="withEffect">
+                                  <p:stCondLst>
+                                    <p:cond delay="0"/>
+                                  </p:stCondLst>
+                                  <p:childTnLst>
+                                    <p:set>
+                                      <p:cBhvr>
+                                        <p:cTn id="10" dur="1" fill="hold">
+                                          <p:stCondLst>
+                                            <p:cond delay="0"/>
+                                          </p:stCondLst>
+                                        </p:cTn>
+                                        <p:tgtEl>
+                                          <p:spTgt spid="4"/>
+                                        </p:tgtEl>
+                                        <p:attrNameLst>
+                                          <p:attrName>style.visibility</p:attrName>
+                                        </p:attrNameLst>
+                                      </p:cBhvr>
+                                      <p:to>
+                                        <p:strVal val="visible"/>
+                                      </p:to>
+                                    </p:set>
+                                    <p:anim calcmode="lin" valueType="num">
+                                      <p:cBhvr>
+                                        <p:cTn id="11" dur="500" fill="hold"/>
+                                        <p:tgtEl>
+                                          <p:spTgt spid="4"/>
+                                        </p:tgtEl>
+                                        <p:attrNameLst>
+                                          <p:attrName>ppt_w</p:attrName>
+                                        </p:attrNameLst>
+                                      </p:cBhvr>
+                                      <p:tavLst>
+                                        <p:tav tm="0">
+                                          <p:val>
+                                            <p:fltVal val="0"/>
+                                          </p:val>
+                                        </p:tav>
+                                        <p:tav tm="100000">
+                                          <p:val>
+                                            <p:strVal val="#ppt_w"/>
+                                          </p:val>
+                                        </p:tav>
+                                      </p:tavLst>
+                                    </p:anim>
+                                    <p:anim calcmode="lin" valueType="num">
+                                      <p:cBhvr>
+                                        <p:cTn id="12" dur="500" fill="hold"/>
+                                        <p:tgtEl>
+                                          <p:spTgt spid="4"/>
+                                        </p:tgtEl>
+                                        <p:attrNameLst>
+                                          <p:attrName>ppt_h</p:attrName>
+                                        </p:attrNameLst>
+                                      </p:cBhvr>
+                                      <p:tavLst>
+                                        <p:tav tm="0">
+                                          <p:val>
+                                            <p:fltVal val="0"/>
+                                          </p:val>
+                                        </p:tav>
+                                        <p:tav tm="100000">
+                                          <p:val>
+                                            <p:strVal val="#ppt_h"/>
+                                          </p:val>
+                                        </p:tav>
+                                      </p:tavLst>
+                                    </p:anim>
+                                  </p:childTnLst>
+                                </p:cTn>
+                              </p:par>
+                              <p:par>
+                                <p:cTn id="13" presetID="23" presetClass="entr" presetSubtype="16" fill="hold" grpId="0" nodeType="withEffect">
+                                  <p:stCondLst>
+                                    <p:cond delay="0"/>
+                                  </p:stCondLst>
+                                  <p:childTnLst>
+                                    <p:set>
+                                      <p:cBhvr>
+                                        <p:cTn id="14" dur="1" fill="hold">
+                                          <p:stCondLst>
+                                            <p:cond delay="0"/>
+                                          </p:stCondLst>
+                                        </p:cTn>
+                                        <p:tgtEl>
+                                          <p:spTgt spid="7"/>
+                                        </p:tgtEl>
+                                        <p:attrNameLst>
+                                          <p:attrName>style.visibility</p:attrName>
+                                        </p:attrNameLst>
+                                      </p:cBhvr>
+                                      <p:to>
+                                        <p:strVal val="visible"/>
+                                      </p:to>
+                                    </p:set>
+                                    <p:anim calcmode="lin" valueType="num">
+                                      <p:cBhvr>
+                                        <p:cTn id="15" dur="500" fill="hold"/>
+                                        <p:tgtEl>
+                                          <p:spTgt spid="7"/>
+                                        </p:tgtEl>
+                                        <p:attrNameLst>
+                                          <p:attrName>ppt_w</p:attrName>
+                                        </p:attrNameLst>
+                                      </p:cBhvr>
+                                      <p:tavLst>
+                                        <p:tav tm="0">
+                                          <p:val>
+                                            <p:fltVal val="0"/>
+                                          </p:val>
+                                        </p:tav>
+                                        <p:tav tm="100000">
+                                          <p:val>
+                                            <p:strVal val="#ppt_w"/>
+                                          </p:val>
+                                        </p:tav>
+                                      </p:tavLst>
+                                    </p:anim>
+                                    <p:anim calcmode="lin" valueType="num">
+                                      <p:cBhvr>
+                                        <p:cTn id="16" dur="500" fill="hold"/>
+                                        <p:tgtEl>
+                                          <p:spTgt spid="7"/>
+                                        </p:tgtEl>
+                                        <p:attrNameLst>
+                                          <p:attrName>ppt_h</p:attrName>
+                                        </p:attrNameLst>
+                                      </p:cBhvr>
+                                      <p:tavLst>
+                                        <p:tav tm="0">
+                                          <p:val>
+                                            <p:fltVal val="0"/>
+                                          </p:val>
+                                        </p:tav>
+                                        <p:tav tm="100000">
+                                          <p:val>
+                                            <p:strVal val="#ppt_h"/>
+                                          </p:val>
+                                        </p:tav>
+                                      </p:tavLst>
+                                    </p:anim>
+                                  </p:childTnLst>
+                                </p:cTn>
+                              </p:par>
+                            </p:childTnLst>
+                          </p:cTn>
+                        </p:par>
+                      </p:childTnLst>
+                    </p:cTn>
+                  </p:par>
+                  <p:par>
+                    <p:cTn id="17" fill="hold">
+                      <p:stCondLst>
+                        <p:cond delay="indefinite"/>
+                      </p:stCondLst>
+                      <p:childTnLst>
+                        <p:par>
+                          <p:cTn id="18" fill="hold">
+                            <p:stCondLst>
+                              <p:cond delay="0"/>
+                            </p:stCondLst>
+                            <p:childTnLst>
+                              <p:par>
+                                <p:cTn id="19" presetID="23" presetClass="entr" presetSubtype="16" fill="hold" grpId="0" nodeType="clickEffect">
+                                  <p:stCondLst>
+                                    <p:cond delay="0"/>
+                                  </p:stCondLst>
+                                  <p:childTnLst>
+                                    <p:set>
+                                      <p:cBhvr>
+                                        <p:cTn id="20" dur="1" fill="hold">
+                                          <p:stCondLst>
+                                            <p:cond delay="0"/>
+                                          </p:stCondLst>
+                                        </p:cTn>
+                                        <p:tgtEl>
+                                          <p:spTgt spid="11"/>
+                                        </p:tgtEl>
+                                        <p:attrNameLst>
+                                          <p:attrName>style.visibility</p:attrName>
+                                        </p:attrNameLst>
+                                      </p:cBhvr>
+                                      <p:to>
+                                        <p:strVal val="visible"/>
+                                      </p:to>
+                                    </p:set>
+                                    <p:anim calcmode="lin" valueType="num">
+                                      <p:cBhvr>
+                                        <p:cTn id="21" dur="500" fill="hold"/>
+                                        <p:tgtEl>
+                                          <p:spTgt spid="11"/>
+                                        </p:tgtEl>
+                                        <p:attrNameLst>
+                                          <p:attrName>ppt_w</p:attrName>
+                                        </p:attrNameLst>
+                                      </p:cBhvr>
+                                      <p:tavLst>
+                                        <p:tav tm="0">
+                                          <p:val>
+                                            <p:fltVal val="0"/>
+                                          </p:val>
+                                        </p:tav>
+                                        <p:tav tm="100000">
+                                          <p:val>
+                                            <p:strVal val="#ppt_w"/>
+                                          </p:val>
+                                        </p:tav>
+                                      </p:tavLst>
+                                    </p:anim>
+                                    <p:anim calcmode="lin" valueType="num">
+                                      <p:cBhvr>
+                                        <p:cTn id="22" dur="500" fill="hold"/>
+                                        <p:tgtEl>
+                                          <p:spTgt spid="11"/>
+                                        </p:tgtEl>
+                                        <p:attrNameLst>
+                                          <p:attrName>ppt_h</p:attrName>
+                                        </p:attrNameLst>
+                                      </p:cBhvr>
+                                      <p:tavLst>
+                                        <p:tav tm="0">
+                                          <p:val>
+                                            <p:fltVal val="0"/>
+                                          </p:val>
+                                        </p:tav>
+                                        <p:tav tm="100000">
+                                          <p:val>
+                                            <p:strVal val="#ppt_h"/>
+                                          </p:val>
+                                        </p:tav>
+                                      </p:tavLst>
+                                    </p:anim>
+                                  </p:childTnLst>
+                                </p:cTn>
+                              </p:par>
+                              <p:par>
+                                <p:cTn id="23" presetID="23" presetClass="entr" presetSubtype="16" fill="hold" grpId="0" nodeType="withEffect">
+                                  <p:stCondLst>
+                                    <p:cond delay="0"/>
+                                  </p:stCondLst>
+                                  <p:childTnLst>
+                                    <p:set>
+                                      <p:cBhvr>
+                                        <p:cTn id="24" dur="1" fill="hold">
+                                          <p:stCondLst>
+                                            <p:cond delay="0"/>
+                                          </p:stCondLst>
+                                        </p:cTn>
+                                        <p:tgtEl>
+                                          <p:spTgt spid="5"/>
+                                        </p:tgtEl>
+                                        <p:attrNameLst>
+                                          <p:attrName>style.visibility</p:attrName>
+                                        </p:attrNameLst>
+                                      </p:cBhvr>
+                                      <p:to>
+                                        <p:strVal val="visible"/>
+                                      </p:to>
+                                    </p:set>
+                                    <p:anim calcmode="lin" valueType="num">
+                                      <p:cBhvr>
+                                        <p:cTn id="25" dur="500" fill="hold"/>
+                                        <p:tgtEl>
+                                          <p:spTgt spid="5"/>
+                                        </p:tgtEl>
+                                        <p:attrNameLst>
+                                          <p:attrName>ppt_w</p:attrName>
+                                        </p:attrNameLst>
+                                      </p:cBhvr>
+                                      <p:tavLst>
+                                        <p:tav tm="0">
+                                          <p:val>
+                                            <p:fltVal val="0"/>
+                                          </p:val>
+                                        </p:tav>
+                                        <p:tav tm="100000">
+                                          <p:val>
+                                            <p:strVal val="#ppt_w"/>
+                                          </p:val>
+                                        </p:tav>
+                                      </p:tavLst>
+                                    </p:anim>
+                                    <p:anim calcmode="lin" valueType="num">
+                                      <p:cBhvr>
+                                        <p:cTn id="26" dur="500" fill="hold"/>
+                                        <p:tgtEl>
+                                          <p:spTgt spid="5"/>
+                                        </p:tgtEl>
+                                        <p:attrNameLst>
+                                          <p:attrName>ppt_h</p:attrName>
+                                        </p:attrNameLst>
+                                      </p:cBhvr>
+                                      <p:tavLst>
+                                        <p:tav tm="0">
+                                          <p:val>
+                                            <p:fltVal val="0"/>
+                                          </p:val>
+                                        </p:tav>
+                                        <p:tav tm="100000">
+                                          <p:val>
+                                            <p:strVal val="#ppt_h"/>
+                                          </p:val>
+                                        </p:tav>
+                                      </p:tavLst>
+                                    </p:anim>
+                                  </p:childTnLst>
+                                </p:cTn>
+                              </p:par>
+                              <p:par>
+                                <p:cTn id="27" presetID="23" presetClass="entr" presetSubtype="16" fill="hold" grpId="0" nodeType="withEffect">
+                                  <p:stCondLst>
+                                    <p:cond delay="0"/>
+                                  </p:stCondLst>
+                                  <p:childTnLst>
+                                    <p:set>
+                                      <p:cBhvr>
+                                        <p:cTn id="28" dur="1" fill="hold">
+                                          <p:stCondLst>
+                                            <p:cond delay="0"/>
+                                          </p:stCondLst>
+                                        </p:cTn>
+                                        <p:tgtEl>
+                                          <p:spTgt spid="21"/>
+                                        </p:tgtEl>
+                                        <p:attrNameLst>
+                                          <p:attrName>style.visibility</p:attrName>
+                                        </p:attrNameLst>
+                                      </p:cBhvr>
+                                      <p:to>
+                                        <p:strVal val="visible"/>
+                                      </p:to>
+                                    </p:set>
+                                    <p:anim calcmode="lin" valueType="num">
+                                      <p:cBhvr>
+                                        <p:cTn id="29" dur="500" fill="hold"/>
+                                        <p:tgtEl>
+                                          <p:spTgt spid="21"/>
+                                        </p:tgtEl>
+                                        <p:attrNameLst>
+                                          <p:attrName>ppt_w</p:attrName>
+                                        </p:attrNameLst>
+                                      </p:cBhvr>
+                                      <p:tavLst>
+                                        <p:tav tm="0">
+                                          <p:val>
+                                            <p:fltVal val="0"/>
+                                          </p:val>
+                                        </p:tav>
+                                        <p:tav tm="100000">
+                                          <p:val>
+                                            <p:strVal val="#ppt_w"/>
+                                          </p:val>
+                                        </p:tav>
+                                      </p:tavLst>
+                                    </p:anim>
+                                    <p:anim calcmode="lin" valueType="num">
+                                      <p:cBhvr>
+                                        <p:cTn id="30" dur="500" fill="hold"/>
+                                        <p:tgtEl>
+                                          <p:spTgt spid="21"/>
+                                        </p:tgtEl>
+                                        <p:attrNameLst>
+                                          <p:attrName>ppt_h</p:attrName>
+                                        </p:attrNameLst>
+                                      </p:cBhvr>
+                                      <p:tavLst>
+                                        <p:tav tm="0">
+                                          <p:val>
+                                            <p:fltVal val="0"/>
+                                          </p:val>
+                                        </p:tav>
+                                        <p:tav tm="100000">
+                                          <p:val>
+                                            <p:strVal val="#ppt_h"/>
+                                          </p:val>
+                                        </p:tav>
+                                      </p:tavLst>
+                                    </p:anim>
+                                  </p:childTnLst>
+                                </p:cTn>
+                              </p:par>
+                              <p:par>
+                                <p:cTn id="31" presetID="23" presetClass="entr" presetSubtype="16" fill="hold" nodeType="withEffect">
+                                  <p:stCondLst>
+                                    <p:cond delay="0"/>
+                                  </p:stCondLst>
+                                  <p:childTnLst>
+                                    <p:set>
+                                      <p:cBhvr>
+                                        <p:cTn id="32" dur="1" fill="hold">
+                                          <p:stCondLst>
+                                            <p:cond delay="0"/>
+                                          </p:stCondLst>
+                                        </p:cTn>
+                                        <p:tgtEl>
+                                          <p:spTgt spid="14"/>
+                                        </p:tgtEl>
+                                        <p:attrNameLst>
+                                          <p:attrName>style.visibility</p:attrName>
+                                        </p:attrNameLst>
+                                      </p:cBhvr>
+                                      <p:to>
+                                        <p:strVal val="visible"/>
+                                      </p:to>
+                                    </p:set>
+                                    <p:anim calcmode="lin" valueType="num">
+                                      <p:cBhvr>
+                                        <p:cTn id="33" dur="500" fill="hold"/>
+                                        <p:tgtEl>
+                                          <p:spTgt spid="14"/>
+                                        </p:tgtEl>
+                                        <p:attrNameLst>
+                                          <p:attrName>ppt_w</p:attrName>
+                                        </p:attrNameLst>
+                                      </p:cBhvr>
+                                      <p:tavLst>
+                                        <p:tav tm="0">
+                                          <p:val>
+                                            <p:fltVal val="0"/>
+                                          </p:val>
+                                        </p:tav>
+                                        <p:tav tm="100000">
+                                          <p:val>
+                                            <p:strVal val="#ppt_w"/>
+                                          </p:val>
+                                        </p:tav>
+                                      </p:tavLst>
+                                    </p:anim>
+                                    <p:anim calcmode="lin" valueType="num">
+                                      <p:cBhvr>
+                                        <p:cTn id="34" dur="500" fill="hold"/>
+                                        <p:tgtEl>
+                                          <p:spTgt spid="14"/>
+                                        </p:tgtEl>
+                                        <p:attrNameLst>
+                                          <p:attrName>ppt_h</p:attrName>
+                                        </p:attrNameLst>
+                                      </p:cBhvr>
+                                      <p:tavLst>
+                                        <p:tav tm="0">
+                                          <p:val>
+                                            <p:fltVal val="0"/>
+                                          </p:val>
+                                        </p:tav>
+                                        <p:tav tm="100000">
+                                          <p:val>
+                                            <p:strVal val="#ppt_h"/>
+                                          </p:val>
+                                        </p:tav>
+                                      </p:tavLst>
+                                    </p:anim>
+                                  </p:childTnLst>
+                                </p:cTn>
+                              </p:par>
+                              <p:par>
+                                <p:cTn id="35" presetID="23" presetClass="entr" presetSubtype="16" fill="hold" grpId="0" nodeType="withEffect">
+                                  <p:stCondLst>
+                                    <p:cond delay="0"/>
+                                  </p:stCondLst>
+                                  <p:childTnLst>
+                                    <p:set>
+                                      <p:cBhvr>
+                                        <p:cTn id="36" dur="1" fill="hold">
+                                          <p:stCondLst>
+                                            <p:cond delay="0"/>
+                                          </p:stCondLst>
+                                        </p:cTn>
+                                        <p:tgtEl>
+                                          <p:spTgt spid="8"/>
+                                        </p:tgtEl>
+                                        <p:attrNameLst>
+                                          <p:attrName>style.visibility</p:attrName>
+                                        </p:attrNameLst>
+                                      </p:cBhvr>
+                                      <p:to>
+                                        <p:strVal val="visible"/>
+                                      </p:to>
+                                    </p:set>
+                                    <p:anim calcmode="lin" valueType="num">
+                                      <p:cBhvr>
+                                        <p:cTn id="37" dur="500" fill="hold"/>
+                                        <p:tgtEl>
+                                          <p:spTgt spid="8"/>
+                                        </p:tgtEl>
+                                        <p:attrNameLst>
+                                          <p:attrName>ppt_w</p:attrName>
+                                        </p:attrNameLst>
+                                      </p:cBhvr>
+                                      <p:tavLst>
+                                        <p:tav tm="0">
+                                          <p:val>
+                                            <p:fltVal val="0"/>
+                                          </p:val>
+                                        </p:tav>
+                                        <p:tav tm="100000">
+                                          <p:val>
+                                            <p:strVal val="#ppt_w"/>
+                                          </p:val>
+                                        </p:tav>
+                                      </p:tavLst>
+                                    </p:anim>
+                                    <p:anim calcmode="lin" valueType="num">
+                                      <p:cBhvr>
+                                        <p:cTn id="38" dur="500" fill="hold"/>
+                                        <p:tgtEl>
+                                          <p:spTgt spid="8"/>
+                                        </p:tgtEl>
+                                        <p:attrNameLst>
+                                          <p:attrName>ppt_h</p:attrName>
+                                        </p:attrNameLst>
+                                      </p:cBhvr>
+                                      <p:tavLst>
+                                        <p:tav tm="0">
+                                          <p:val>
+                                            <p:fltVal val="0"/>
+                                          </p:val>
+                                        </p:tav>
+                                        <p:tav tm="100000">
+                                          <p:val>
+                                            <p:strVal val="#ppt_h"/>
+                                          </p:val>
+                                        </p:tav>
+                                      </p:tavLst>
+                                    </p:anim>
+                                  </p:childTnLst>
+                                </p:cTn>
+                              </p:par>
+                            </p:childTnLst>
+                          </p:cTn>
+                        </p:par>
+                      </p:childTnLst>
+                    </p:cTn>
+                  </p:par>
+                  <p:par>
+                    <p:cTn id="39" fill="hold">
+                      <p:stCondLst>
+                        <p:cond delay="indefinite"/>
+                      </p:stCondLst>
+                      <p:childTnLst>
+                        <p:par>
+                          <p:cTn id="40" fill="hold">
+                            <p:stCondLst>
+                              <p:cond delay="0"/>
+                            </p:stCondLst>
+                            <p:childTnLst>
+                              <p:par>
+                                <p:cTn id="41" presetID="23" presetClass="entr" presetSubtype="16" fill="hold" grpId="0" nodeType="clickEffect">
+                                  <p:stCondLst>
+                                    <p:cond delay="0"/>
+                                  </p:stCondLst>
+                                  <p:childTnLst>
+                                    <p:set>
+                                      <p:cBhvr>
+                                        <p:cTn id="42" dur="1" fill="hold">
+                                          <p:stCondLst>
+                                            <p:cond delay="0"/>
+                                          </p:stCondLst>
+                                        </p:cTn>
+                                        <p:tgtEl>
+                                          <p:spTgt spid="12"/>
+                                        </p:tgtEl>
+                                        <p:attrNameLst>
+                                          <p:attrName>style.visibility</p:attrName>
+                                        </p:attrNameLst>
+                                      </p:cBhvr>
+                                      <p:to>
+                                        <p:strVal val="visible"/>
+                                      </p:to>
+                                    </p:set>
+                                    <p:anim calcmode="lin" valueType="num">
+                                      <p:cBhvr>
+                                        <p:cTn id="43" dur="500" fill="hold"/>
+                                        <p:tgtEl>
+                                          <p:spTgt spid="12"/>
+                                        </p:tgtEl>
+                                        <p:attrNameLst>
+                                          <p:attrName>ppt_w</p:attrName>
+                                        </p:attrNameLst>
+                                      </p:cBhvr>
+                                      <p:tavLst>
+                                        <p:tav tm="0">
+                                          <p:val>
+                                            <p:fltVal val="0"/>
+                                          </p:val>
+                                        </p:tav>
+                                        <p:tav tm="100000">
+                                          <p:val>
+                                            <p:strVal val="#ppt_w"/>
+                                          </p:val>
+                                        </p:tav>
+                                      </p:tavLst>
+                                    </p:anim>
+                                    <p:anim calcmode="lin" valueType="num">
+                                      <p:cBhvr>
+                                        <p:cTn id="44" dur="500" fill="hold"/>
+                                        <p:tgtEl>
+                                          <p:spTgt spid="12"/>
+                                        </p:tgtEl>
+                                        <p:attrNameLst>
+                                          <p:attrName>ppt_h</p:attrName>
+                                        </p:attrNameLst>
+                                      </p:cBhvr>
+                                      <p:tavLst>
+                                        <p:tav tm="0">
+                                          <p:val>
+                                            <p:fltVal val="0"/>
+                                          </p:val>
+                                        </p:tav>
+                                        <p:tav tm="100000">
+                                          <p:val>
+                                            <p:strVal val="#ppt_h"/>
+                                          </p:val>
+                                        </p:tav>
+                                      </p:tavLst>
+                                    </p:anim>
+                                  </p:childTnLst>
+                                </p:cTn>
+                              </p:par>
+                              <p:par>
+                                <p:cTn id="45" presetID="23" presetClass="entr" presetSubtype="16" fill="hold" grpId="0" nodeType="withEffect">
+                                  <p:stCondLst>
+                                    <p:cond delay="0"/>
+                                  </p:stCondLst>
+                                  <p:childTnLst>
+                                    <p:set>
+                                      <p:cBhvr>
+                                        <p:cTn id="46" dur="1" fill="hold">
+                                          <p:stCondLst>
+                                            <p:cond delay="0"/>
+                                          </p:stCondLst>
+                                        </p:cTn>
+                                        <p:tgtEl>
+                                          <p:spTgt spid="6"/>
+                                        </p:tgtEl>
+                                        <p:attrNameLst>
+                                          <p:attrName>style.visibility</p:attrName>
+                                        </p:attrNameLst>
+                                      </p:cBhvr>
+                                      <p:to>
+                                        <p:strVal val="visible"/>
+                                      </p:to>
+                                    </p:set>
+                                    <p:anim calcmode="lin" valueType="num">
+                                      <p:cBhvr>
+                                        <p:cTn id="47" dur="500" fill="hold"/>
+                                        <p:tgtEl>
+                                          <p:spTgt spid="6"/>
+                                        </p:tgtEl>
+                                        <p:attrNameLst>
+                                          <p:attrName>ppt_w</p:attrName>
+                                        </p:attrNameLst>
+                                      </p:cBhvr>
+                                      <p:tavLst>
+                                        <p:tav tm="0">
+                                          <p:val>
+                                            <p:fltVal val="0"/>
+                                          </p:val>
+                                        </p:tav>
+                                        <p:tav tm="100000">
+                                          <p:val>
+                                            <p:strVal val="#ppt_w"/>
+                                          </p:val>
+                                        </p:tav>
+                                      </p:tavLst>
+                                    </p:anim>
+                                    <p:anim calcmode="lin" valueType="num">
+                                      <p:cBhvr>
+                                        <p:cTn id="48" dur="500" fill="hold"/>
+                                        <p:tgtEl>
+                                          <p:spTgt spid="6"/>
+                                        </p:tgtEl>
+                                        <p:attrNameLst>
+                                          <p:attrName>ppt_h</p:attrName>
+                                        </p:attrNameLst>
+                                      </p:cBhvr>
+                                      <p:tavLst>
+                                        <p:tav tm="0">
+                                          <p:val>
+                                            <p:fltVal val="0"/>
+                                          </p:val>
+                                        </p:tav>
+                                        <p:tav tm="100000">
+                                          <p:val>
+                                            <p:strVal val="#ppt_h"/>
+                                          </p:val>
+                                        </p:tav>
+                                      </p:tavLst>
+                                    </p:anim>
+                                  </p:childTnLst>
+                                </p:cTn>
+                              </p:par>
+                              <p:par>
+                                <p:cTn id="49" presetID="23" presetClass="entr" presetSubtype="16" fill="hold" nodeType="withEffect">
+                                  <p:stCondLst>
+                                    <p:cond delay="0"/>
+                                  </p:stCondLst>
+                                  <p:childTnLst>
+                                    <p:set>
+                                      <p:cBhvr>
+                                        <p:cTn id="50" dur="1" fill="hold">
+                                          <p:stCondLst>
+                                            <p:cond delay="0"/>
+                                          </p:stCondLst>
+                                        </p:cTn>
+                                        <p:tgtEl>
+                                          <p:spTgt spid="16"/>
+                                        </p:tgtEl>
+                                        <p:attrNameLst>
+                                          <p:attrName>style.visibility</p:attrName>
+                                        </p:attrNameLst>
+                                      </p:cBhvr>
+                                      <p:to>
+                                        <p:strVal val="visible"/>
+                                      </p:to>
+                                    </p:set>
+                                    <p:anim calcmode="lin" valueType="num">
+                                      <p:cBhvr>
+                                        <p:cTn id="51" dur="500" fill="hold"/>
+                                        <p:tgtEl>
+                                          <p:spTgt spid="16"/>
+                                        </p:tgtEl>
+                                        <p:attrNameLst>
+                                          <p:attrName>ppt_w</p:attrName>
+                                        </p:attrNameLst>
+                                      </p:cBhvr>
+                                      <p:tavLst>
+                                        <p:tav tm="0">
+                                          <p:val>
+                                            <p:fltVal val="0"/>
+                                          </p:val>
+                                        </p:tav>
+                                        <p:tav tm="100000">
+                                          <p:val>
+                                            <p:strVal val="#ppt_w"/>
+                                          </p:val>
+                                        </p:tav>
+                                      </p:tavLst>
+                                    </p:anim>
+                                    <p:anim calcmode="lin" valueType="num">
+                                      <p:cBhvr>
+                                        <p:cTn id="52" dur="500" fill="hold"/>
+                                        <p:tgtEl>
+                                          <p:spTgt spid="16"/>
+                                        </p:tgtEl>
+                                        <p:attrNameLst>
+                                          <p:attrName>ppt_h</p:attrName>
+                                        </p:attrNameLst>
+                                      </p:cBhvr>
+                                      <p:tavLst>
+                                        <p:tav tm="0">
+                                          <p:val>
+                                            <p:fltVal val="0"/>
+                                          </p:val>
+                                        </p:tav>
+                                        <p:tav tm="100000">
+                                          <p:val>
+                                            <p:strVal val="#ppt_h"/>
+                                          </p:val>
+                                        </p:tav>
+                                      </p:tavLst>
+                                    </p:anim>
+                                  </p:childTnLst>
+                                </p:cTn>
+                              </p:par>
+                              <p:par>
+                                <p:cTn id="53" presetID="23" presetClass="entr" presetSubtype="16" fill="hold" grpId="0" nodeType="withEffect">
+                                  <p:stCondLst>
+                                    <p:cond delay="0"/>
+                                  </p:stCondLst>
+                                  <p:childTnLst>
+                                    <p:set>
+                                      <p:cBhvr>
+                                        <p:cTn id="54" dur="1" fill="hold">
+                                          <p:stCondLst>
+                                            <p:cond delay="0"/>
+                                          </p:stCondLst>
+                                        </p:cTn>
+                                        <p:tgtEl>
+                                          <p:spTgt spid="22"/>
+                                        </p:tgtEl>
+                                        <p:attrNameLst>
+                                          <p:attrName>style.visibility</p:attrName>
+                                        </p:attrNameLst>
+                                      </p:cBhvr>
+                                      <p:to>
+                                        <p:strVal val="visible"/>
+                                      </p:to>
+                                    </p:set>
+                                    <p:anim calcmode="lin" valueType="num">
+                                      <p:cBhvr>
+                                        <p:cTn id="55" dur="500" fill="hold"/>
+                                        <p:tgtEl>
+                                          <p:spTgt spid="22"/>
+                                        </p:tgtEl>
+                                        <p:attrNameLst>
+                                          <p:attrName>ppt_w</p:attrName>
+                                        </p:attrNameLst>
+                                      </p:cBhvr>
+                                      <p:tavLst>
+                                        <p:tav tm="0">
+                                          <p:val>
+                                            <p:fltVal val="0"/>
+                                          </p:val>
+                                        </p:tav>
+                                        <p:tav tm="100000">
+                                          <p:val>
+                                            <p:strVal val="#ppt_w"/>
+                                          </p:val>
+                                        </p:tav>
+                                      </p:tavLst>
+                                    </p:anim>
+                                    <p:anim calcmode="lin" valueType="num">
+                                      <p:cBhvr>
+                                        <p:cTn id="56" dur="500" fill="hold"/>
+                                        <p:tgtEl>
+                                          <p:spTgt spid="22"/>
+                                        </p:tgtEl>
+                                        <p:attrNameLst>
+                                          <p:attrName>ppt_h</p:attrName>
+                                        </p:attrNameLst>
+                                      </p:cBhvr>
+                                      <p:tavLst>
+                                        <p:tav tm="0">
+                                          <p:val>
+                                            <p:fltVal val="0"/>
+                                          </p:val>
+                                        </p:tav>
+                                        <p:tav tm="100000">
+                                          <p:val>
+                                            <p:strVal val="#ppt_h"/>
+                                          </p:val>
+                                        </p:tav>
+                                      </p:tavLst>
+                                    </p:anim>
+                                  </p:childTnLst>
+                                </p:cTn>
+                              </p:par>
+                              <p:par>
+                                <p:cTn id="57" presetID="23" presetClass="entr" presetSubtype="16" fill="hold" grpId="0" nodeType="withEffect">
+                                  <p:stCondLst>
+                                    <p:cond delay="0"/>
+                                  </p:stCondLst>
+                                  <p:childTnLst>
+                                    <p:set>
+                                      <p:cBhvr>
+                                        <p:cTn id="58" dur="1" fill="hold">
+                                          <p:stCondLst>
+                                            <p:cond delay="0"/>
+                                          </p:stCondLst>
+                                        </p:cTn>
+                                        <p:tgtEl>
+                                          <p:spTgt spid="9"/>
+                                        </p:tgtEl>
+                                        <p:attrNameLst>
+                                          <p:attrName>style.visibility</p:attrName>
+                                        </p:attrNameLst>
+                                      </p:cBhvr>
+                                      <p:to>
+                                        <p:strVal val="visible"/>
+                                      </p:to>
+                                    </p:set>
+                                    <p:anim calcmode="lin" valueType="num">
+                                      <p:cBhvr>
+                                        <p:cTn id="59" dur="500" fill="hold"/>
+                                        <p:tgtEl>
+                                          <p:spTgt spid="9"/>
+                                        </p:tgtEl>
+                                        <p:attrNameLst>
+                                          <p:attrName>ppt_w</p:attrName>
+                                        </p:attrNameLst>
+                                      </p:cBhvr>
+                                      <p:tavLst>
+                                        <p:tav tm="0">
+                                          <p:val>
+                                            <p:fltVal val="0"/>
+                                          </p:val>
+                                        </p:tav>
+                                        <p:tav tm="100000">
+                                          <p:val>
+                                            <p:strVal val="#ppt_w"/>
+                                          </p:val>
+                                        </p:tav>
+                                      </p:tavLst>
+                                    </p:anim>
+                                    <p:anim calcmode="lin" valueType="num">
+                                      <p:cBhvr>
+                                        <p:cTn id="60" dur="500" fill="hold"/>
+                                        <p:tgtEl>
+                                          <p:spTgt spid="9"/>
+                                        </p:tgtEl>
+                                        <p:attrNameLst>
+                                          <p:attrName>ppt_h</p:attrName>
+                                        </p:attrNameLst>
+                                      </p:cBhvr>
+                                      <p:tavLst>
+                                        <p:tav tm="0">
+                                          <p:val>
+                                            <p:fltVal val="0"/>
+                                          </p:val>
+                                        </p:tav>
+                                        <p:tav tm="100000">
+                                          <p:val>
+                                            <p:strVal val="#ppt_h"/>
+                                          </p:val>
+                                        </p:tav>
+                                      </p:tavLst>
+                                    </p:anim>
+                                  </p:childTnLst>
+                                </p:cTn>
+                              </p:par>
+                            </p:childTnLst>
+                          </p:cTn>
+                        </p:par>
+                      </p:childTnLst>
+                    </p:cTn>
+                  </p:par>
+                </p:childTnLst>
+              </p:cTn>
+              <p:prevCondLst>
+                <p:cond evt="onPrev" delay="0">
+                  <p:tgtEl>
+                    <p:sldTgt/>
+                  </p:tgtEl>
+                </p:cond>
+              </p:prevCondLst>
+              <p:nextCondLst>
+                <p:cond evt="onNext" delay="0">
+                  <p:tgtEl>
+                    <p:sldTgt/>
+                  </p:tgtEl>
+                </p:cond>
+              </p:nextCondLst>
+            </p:seq>
+          </p:childTnLst>
+        </p:cTn>
+      </p:par>
+    </p:tnLst>
+    <p:bldLst>
+      <p:bldP spid="4" grpId="0" animBg="1"/>
+      <p:bldP spid="5" grpId="0" animBg="1"/>
+      <p:bldP spid="6" grpId="0" animBg="1"/>
+      <p:bldP spid="7" grpId="0" animBg="1"/>
+      <p:bldP spid="8" grpId="0" animBg="1"/>
+      <p:bldP spid="9" grpId="0" animBg="1"/>
+      <p:bldP spid="10" grpId="0"/>
+      <p:bldP spid="11" grpId="0"/>
+      <p:bldP spid="12" grpId="0"/>
+      <p:bldP spid="21" grpId="0"/>
+      <p:bldP spid="22" grpId="0"/>
+    </p:bldLst>
+  </p:timing>
 </p:sld>
 </file>
 
@@ -9956,8 +11122,8 @@
           </a:prstGeom>
         </p:spPr>
       </p:pic>
-      <mc:AlternateContent xmlns:mc="http://schemas.openxmlformats.org/markup-compatibility/2006">
-        <mc:Choice xmlns:a14="http://schemas.microsoft.com/office/drawing/2010/main" Requires="a14">
+      <mc:AlternateContent xmlns:mc="http://schemas.openxmlformats.org/markup-compatibility/2006" xmlns:a14="http://schemas.microsoft.com/office/drawing/2010/main">
+        <mc:Choice Requires="a14">
           <p:sp>
             <p:nvSpPr>
               <p:cNvPr id="20" name="CasellaDiTesto 19">
@@ -10187,7 +11353,7 @@
             </p:txBody>
           </p:sp>
         </mc:Choice>
-        <mc:Fallback>
+        <mc:Fallback xmlns="">
           <p:sp>
             <p:nvSpPr>
               <p:cNvPr id="20" name="CasellaDiTesto 19">
@@ -10390,8 +11556,8 @@
           </a:p>
         </p:txBody>
       </p:sp>
-      <mc:AlternateContent xmlns:mc="http://schemas.openxmlformats.org/markup-compatibility/2006">
-        <mc:Choice xmlns:a14="http://schemas.microsoft.com/office/drawing/2010/main" Requires="a14">
+      <mc:AlternateContent xmlns:mc="http://schemas.openxmlformats.org/markup-compatibility/2006" xmlns:a14="http://schemas.microsoft.com/office/drawing/2010/main">
+        <mc:Choice Requires="a14">
           <p:sp>
             <p:nvSpPr>
               <p:cNvPr id="3" name="CasellaDiTesto 2">
@@ -10420,6 +11586,7 @@
               </a:bodyPr>
               <a:lstStyle/>
               <a:p>
+                <a:pPr/>
                 <a14:m>
                   <m:oMathPara xmlns:m="http://schemas.openxmlformats.org/officeDocument/2006/math">
                     <m:oMathParaPr>
@@ -10540,7 +11707,7 @@
             </p:txBody>
           </p:sp>
         </mc:Choice>
-        <mc:Fallback>
+        <mc:Fallback xmlns="">
           <p:sp>
             <p:nvSpPr>
               <p:cNvPr id="3" name="CasellaDiTesto 2">
@@ -10658,6 +11825,9 @@
   <p:clrMapOvr>
     <a:masterClrMapping/>
   </p:clrMapOvr>
+  <p:transition spd="med">
+    <p:pull/>
+  </p:transition>
 </p:sld>
 </file>
 
@@ -11742,6 +12912,519 @@
   <p:clrMapOvr>
     <a:masterClrMapping/>
   </p:clrMapOvr>
+  <p:transition spd="med">
+    <p:pull/>
+  </p:transition>
+  <p:timing>
+    <p:tnLst>
+      <p:par>
+        <p:cTn id="1" dur="indefinite" restart="never" nodeType="tmRoot">
+          <p:childTnLst>
+            <p:seq concurrent="1" nextAc="seek">
+              <p:cTn id="2" dur="indefinite" nodeType="mainSeq">
+                <p:childTnLst>
+                  <p:par>
+                    <p:cTn id="3" fill="hold">
+                      <p:stCondLst>
+                        <p:cond delay="indefinite"/>
+                      </p:stCondLst>
+                      <p:childTnLst>
+                        <p:par>
+                          <p:cTn id="4" fill="hold">
+                            <p:stCondLst>
+                              <p:cond delay="0"/>
+                            </p:stCondLst>
+                            <p:childTnLst>
+                              <p:par>
+                                <p:cTn id="5" presetID="23" presetClass="entr" presetSubtype="16" fill="hold" grpId="0" nodeType="clickEffect">
+                                  <p:stCondLst>
+                                    <p:cond delay="0"/>
+                                  </p:stCondLst>
+                                  <p:childTnLst>
+                                    <p:set>
+                                      <p:cBhvr>
+                                        <p:cTn id="6" dur="1" fill="hold">
+                                          <p:stCondLst>
+                                            <p:cond delay="0"/>
+                                          </p:stCondLst>
+                                        </p:cTn>
+                                        <p:tgtEl>
+                                          <p:spTgt spid="5"/>
+                                        </p:tgtEl>
+                                        <p:attrNameLst>
+                                          <p:attrName>style.visibility</p:attrName>
+                                        </p:attrNameLst>
+                                      </p:cBhvr>
+                                      <p:to>
+                                        <p:strVal val="visible"/>
+                                      </p:to>
+                                    </p:set>
+                                    <p:anim calcmode="lin" valueType="num">
+                                      <p:cBhvr>
+                                        <p:cTn id="7" dur="500" fill="hold"/>
+                                        <p:tgtEl>
+                                          <p:spTgt spid="5"/>
+                                        </p:tgtEl>
+                                        <p:attrNameLst>
+                                          <p:attrName>ppt_w</p:attrName>
+                                        </p:attrNameLst>
+                                      </p:cBhvr>
+                                      <p:tavLst>
+                                        <p:tav tm="0">
+                                          <p:val>
+                                            <p:fltVal val="0"/>
+                                          </p:val>
+                                        </p:tav>
+                                        <p:tav tm="100000">
+                                          <p:val>
+                                            <p:strVal val="#ppt_w"/>
+                                          </p:val>
+                                        </p:tav>
+                                      </p:tavLst>
+                                    </p:anim>
+                                    <p:anim calcmode="lin" valueType="num">
+                                      <p:cBhvr>
+                                        <p:cTn id="8" dur="500" fill="hold"/>
+                                        <p:tgtEl>
+                                          <p:spTgt spid="5"/>
+                                        </p:tgtEl>
+                                        <p:attrNameLst>
+                                          <p:attrName>ppt_h</p:attrName>
+                                        </p:attrNameLst>
+                                      </p:cBhvr>
+                                      <p:tavLst>
+                                        <p:tav tm="0">
+                                          <p:val>
+                                            <p:fltVal val="0"/>
+                                          </p:val>
+                                        </p:tav>
+                                        <p:tav tm="100000">
+                                          <p:val>
+                                            <p:strVal val="#ppt_h"/>
+                                          </p:val>
+                                        </p:tav>
+                                      </p:tavLst>
+                                    </p:anim>
+                                  </p:childTnLst>
+                                </p:cTn>
+                              </p:par>
+                            </p:childTnLst>
+                          </p:cTn>
+                        </p:par>
+                      </p:childTnLst>
+                    </p:cTn>
+                  </p:par>
+                  <p:par>
+                    <p:cTn id="9" fill="hold">
+                      <p:stCondLst>
+                        <p:cond delay="indefinite"/>
+                      </p:stCondLst>
+                      <p:childTnLst>
+                        <p:par>
+                          <p:cTn id="10" fill="hold">
+                            <p:stCondLst>
+                              <p:cond delay="0"/>
+                            </p:stCondLst>
+                            <p:childTnLst>
+                              <p:par>
+                                <p:cTn id="11" presetID="23" presetClass="entr" presetSubtype="16" fill="hold" grpId="0" nodeType="clickEffect">
+                                  <p:stCondLst>
+                                    <p:cond delay="0"/>
+                                  </p:stCondLst>
+                                  <p:childTnLst>
+                                    <p:set>
+                                      <p:cBhvr>
+                                        <p:cTn id="12" dur="1" fill="hold">
+                                          <p:stCondLst>
+                                            <p:cond delay="0"/>
+                                          </p:stCondLst>
+                                        </p:cTn>
+                                        <p:tgtEl>
+                                          <p:spTgt spid="6"/>
+                                        </p:tgtEl>
+                                        <p:attrNameLst>
+                                          <p:attrName>style.visibility</p:attrName>
+                                        </p:attrNameLst>
+                                      </p:cBhvr>
+                                      <p:to>
+                                        <p:strVal val="visible"/>
+                                      </p:to>
+                                    </p:set>
+                                    <p:anim calcmode="lin" valueType="num">
+                                      <p:cBhvr>
+                                        <p:cTn id="13" dur="500" fill="hold"/>
+                                        <p:tgtEl>
+                                          <p:spTgt spid="6"/>
+                                        </p:tgtEl>
+                                        <p:attrNameLst>
+                                          <p:attrName>ppt_w</p:attrName>
+                                        </p:attrNameLst>
+                                      </p:cBhvr>
+                                      <p:tavLst>
+                                        <p:tav tm="0">
+                                          <p:val>
+                                            <p:fltVal val="0"/>
+                                          </p:val>
+                                        </p:tav>
+                                        <p:tav tm="100000">
+                                          <p:val>
+                                            <p:strVal val="#ppt_w"/>
+                                          </p:val>
+                                        </p:tav>
+                                      </p:tavLst>
+                                    </p:anim>
+                                    <p:anim calcmode="lin" valueType="num">
+                                      <p:cBhvr>
+                                        <p:cTn id="14" dur="500" fill="hold"/>
+                                        <p:tgtEl>
+                                          <p:spTgt spid="6"/>
+                                        </p:tgtEl>
+                                        <p:attrNameLst>
+                                          <p:attrName>ppt_h</p:attrName>
+                                        </p:attrNameLst>
+                                      </p:cBhvr>
+                                      <p:tavLst>
+                                        <p:tav tm="0">
+                                          <p:val>
+                                            <p:fltVal val="0"/>
+                                          </p:val>
+                                        </p:tav>
+                                        <p:tav tm="100000">
+                                          <p:val>
+                                            <p:strVal val="#ppt_h"/>
+                                          </p:val>
+                                        </p:tav>
+                                      </p:tavLst>
+                                    </p:anim>
+                                  </p:childTnLst>
+                                </p:cTn>
+                              </p:par>
+                              <p:par>
+                                <p:cTn id="15" presetID="23" presetClass="entr" presetSubtype="16" fill="hold" nodeType="withEffect">
+                                  <p:stCondLst>
+                                    <p:cond delay="0"/>
+                                  </p:stCondLst>
+                                  <p:childTnLst>
+                                    <p:set>
+                                      <p:cBhvr>
+                                        <p:cTn id="16" dur="1" fill="hold">
+                                          <p:stCondLst>
+                                            <p:cond delay="0"/>
+                                          </p:stCondLst>
+                                        </p:cTn>
+                                        <p:tgtEl>
+                                          <p:spTgt spid="9"/>
+                                        </p:tgtEl>
+                                        <p:attrNameLst>
+                                          <p:attrName>style.visibility</p:attrName>
+                                        </p:attrNameLst>
+                                      </p:cBhvr>
+                                      <p:to>
+                                        <p:strVal val="visible"/>
+                                      </p:to>
+                                    </p:set>
+                                    <p:anim calcmode="lin" valueType="num">
+                                      <p:cBhvr>
+                                        <p:cTn id="17" dur="500" fill="hold"/>
+                                        <p:tgtEl>
+                                          <p:spTgt spid="9"/>
+                                        </p:tgtEl>
+                                        <p:attrNameLst>
+                                          <p:attrName>ppt_w</p:attrName>
+                                        </p:attrNameLst>
+                                      </p:cBhvr>
+                                      <p:tavLst>
+                                        <p:tav tm="0">
+                                          <p:val>
+                                            <p:fltVal val="0"/>
+                                          </p:val>
+                                        </p:tav>
+                                        <p:tav tm="100000">
+                                          <p:val>
+                                            <p:strVal val="#ppt_w"/>
+                                          </p:val>
+                                        </p:tav>
+                                      </p:tavLst>
+                                    </p:anim>
+                                    <p:anim calcmode="lin" valueType="num">
+                                      <p:cBhvr>
+                                        <p:cTn id="18" dur="500" fill="hold"/>
+                                        <p:tgtEl>
+                                          <p:spTgt spid="9"/>
+                                        </p:tgtEl>
+                                        <p:attrNameLst>
+                                          <p:attrName>ppt_h</p:attrName>
+                                        </p:attrNameLst>
+                                      </p:cBhvr>
+                                      <p:tavLst>
+                                        <p:tav tm="0">
+                                          <p:val>
+                                            <p:fltVal val="0"/>
+                                          </p:val>
+                                        </p:tav>
+                                        <p:tav tm="100000">
+                                          <p:val>
+                                            <p:strVal val="#ppt_h"/>
+                                          </p:val>
+                                        </p:tav>
+                                      </p:tavLst>
+                                    </p:anim>
+                                  </p:childTnLst>
+                                </p:cTn>
+                              </p:par>
+                              <p:par>
+                                <p:cTn id="19" presetID="23" presetClass="entr" presetSubtype="16" fill="hold" nodeType="withEffect">
+                                  <p:stCondLst>
+                                    <p:cond delay="0"/>
+                                  </p:stCondLst>
+                                  <p:childTnLst>
+                                    <p:set>
+                                      <p:cBhvr>
+                                        <p:cTn id="20" dur="1" fill="hold">
+                                          <p:stCondLst>
+                                            <p:cond delay="0"/>
+                                          </p:stCondLst>
+                                        </p:cTn>
+                                        <p:tgtEl>
+                                          <p:spTgt spid="10"/>
+                                        </p:tgtEl>
+                                        <p:attrNameLst>
+                                          <p:attrName>style.visibility</p:attrName>
+                                        </p:attrNameLst>
+                                      </p:cBhvr>
+                                      <p:to>
+                                        <p:strVal val="visible"/>
+                                      </p:to>
+                                    </p:set>
+                                    <p:anim calcmode="lin" valueType="num">
+                                      <p:cBhvr>
+                                        <p:cTn id="21" dur="500" fill="hold"/>
+                                        <p:tgtEl>
+                                          <p:spTgt spid="10"/>
+                                        </p:tgtEl>
+                                        <p:attrNameLst>
+                                          <p:attrName>ppt_w</p:attrName>
+                                        </p:attrNameLst>
+                                      </p:cBhvr>
+                                      <p:tavLst>
+                                        <p:tav tm="0">
+                                          <p:val>
+                                            <p:fltVal val="0"/>
+                                          </p:val>
+                                        </p:tav>
+                                        <p:tav tm="100000">
+                                          <p:val>
+                                            <p:strVal val="#ppt_w"/>
+                                          </p:val>
+                                        </p:tav>
+                                      </p:tavLst>
+                                    </p:anim>
+                                    <p:anim calcmode="lin" valueType="num">
+                                      <p:cBhvr>
+                                        <p:cTn id="22" dur="500" fill="hold"/>
+                                        <p:tgtEl>
+                                          <p:spTgt spid="10"/>
+                                        </p:tgtEl>
+                                        <p:attrNameLst>
+                                          <p:attrName>ppt_h</p:attrName>
+                                        </p:attrNameLst>
+                                      </p:cBhvr>
+                                      <p:tavLst>
+                                        <p:tav tm="0">
+                                          <p:val>
+                                            <p:fltVal val="0"/>
+                                          </p:val>
+                                        </p:tav>
+                                        <p:tav tm="100000">
+                                          <p:val>
+                                            <p:strVal val="#ppt_h"/>
+                                          </p:val>
+                                        </p:tav>
+                                      </p:tavLst>
+                                    </p:anim>
+                                  </p:childTnLst>
+                                </p:cTn>
+                              </p:par>
+                              <p:par>
+                                <p:cTn id="23" presetID="23" presetClass="entr" presetSubtype="16" fill="hold" grpId="0" nodeType="withEffect">
+                                  <p:stCondLst>
+                                    <p:cond delay="0"/>
+                                  </p:stCondLst>
+                                  <p:childTnLst>
+                                    <p:set>
+                                      <p:cBhvr>
+                                        <p:cTn id="24" dur="1" fill="hold">
+                                          <p:stCondLst>
+                                            <p:cond delay="0"/>
+                                          </p:stCondLst>
+                                        </p:cTn>
+                                        <p:tgtEl>
+                                          <p:spTgt spid="8"/>
+                                        </p:tgtEl>
+                                        <p:attrNameLst>
+                                          <p:attrName>style.visibility</p:attrName>
+                                        </p:attrNameLst>
+                                      </p:cBhvr>
+                                      <p:to>
+                                        <p:strVal val="visible"/>
+                                      </p:to>
+                                    </p:set>
+                                    <p:anim calcmode="lin" valueType="num">
+                                      <p:cBhvr>
+                                        <p:cTn id="25" dur="500" fill="hold"/>
+                                        <p:tgtEl>
+                                          <p:spTgt spid="8"/>
+                                        </p:tgtEl>
+                                        <p:attrNameLst>
+                                          <p:attrName>ppt_w</p:attrName>
+                                        </p:attrNameLst>
+                                      </p:cBhvr>
+                                      <p:tavLst>
+                                        <p:tav tm="0">
+                                          <p:val>
+                                            <p:fltVal val="0"/>
+                                          </p:val>
+                                        </p:tav>
+                                        <p:tav tm="100000">
+                                          <p:val>
+                                            <p:strVal val="#ppt_w"/>
+                                          </p:val>
+                                        </p:tav>
+                                      </p:tavLst>
+                                    </p:anim>
+                                    <p:anim calcmode="lin" valueType="num">
+                                      <p:cBhvr>
+                                        <p:cTn id="26" dur="500" fill="hold"/>
+                                        <p:tgtEl>
+                                          <p:spTgt spid="8"/>
+                                        </p:tgtEl>
+                                        <p:attrNameLst>
+                                          <p:attrName>ppt_h</p:attrName>
+                                        </p:attrNameLst>
+                                      </p:cBhvr>
+                                      <p:tavLst>
+                                        <p:tav tm="0">
+                                          <p:val>
+                                            <p:fltVal val="0"/>
+                                          </p:val>
+                                        </p:tav>
+                                        <p:tav tm="100000">
+                                          <p:val>
+                                            <p:strVal val="#ppt_h"/>
+                                          </p:val>
+                                        </p:tav>
+                                      </p:tavLst>
+                                    </p:anim>
+                                  </p:childTnLst>
+                                </p:cTn>
+                              </p:par>
+                              <p:par>
+                                <p:cTn id="27" presetID="23" presetClass="entr" presetSubtype="16" fill="hold" grpId="0" nodeType="withEffect">
+                                  <p:stCondLst>
+                                    <p:cond delay="0"/>
+                                  </p:stCondLst>
+                                  <p:childTnLst>
+                                    <p:set>
+                                      <p:cBhvr>
+                                        <p:cTn id="28" dur="1" fill="hold">
+                                          <p:stCondLst>
+                                            <p:cond delay="0"/>
+                                          </p:stCondLst>
+                                        </p:cTn>
+                                        <p:tgtEl>
+                                          <p:spTgt spid="7"/>
+                                        </p:tgtEl>
+                                        <p:attrNameLst>
+                                          <p:attrName>style.visibility</p:attrName>
+                                        </p:attrNameLst>
+                                      </p:cBhvr>
+                                      <p:to>
+                                        <p:strVal val="visible"/>
+                                      </p:to>
+                                    </p:set>
+                                    <p:anim calcmode="lin" valueType="num">
+                                      <p:cBhvr>
+                                        <p:cTn id="29" dur="500" fill="hold"/>
+                                        <p:tgtEl>
+                                          <p:spTgt spid="7"/>
+                                        </p:tgtEl>
+                                        <p:attrNameLst>
+                                          <p:attrName>ppt_w</p:attrName>
+                                        </p:attrNameLst>
+                                      </p:cBhvr>
+                                      <p:tavLst>
+                                        <p:tav tm="0">
+                                          <p:val>
+                                            <p:fltVal val="0"/>
+                                          </p:val>
+                                        </p:tav>
+                                        <p:tav tm="100000">
+                                          <p:val>
+                                            <p:strVal val="#ppt_w"/>
+                                          </p:val>
+                                        </p:tav>
+                                      </p:tavLst>
+                                    </p:anim>
+                                    <p:anim calcmode="lin" valueType="num">
+                                      <p:cBhvr>
+                                        <p:cTn id="30" dur="500" fill="hold"/>
+                                        <p:tgtEl>
+                                          <p:spTgt spid="7"/>
+                                        </p:tgtEl>
+                                        <p:attrNameLst>
+                                          <p:attrName>ppt_h</p:attrName>
+                                        </p:attrNameLst>
+                                      </p:cBhvr>
+                                      <p:tavLst>
+                                        <p:tav tm="0">
+                                          <p:val>
+                                            <p:fltVal val="0"/>
+                                          </p:val>
+                                        </p:tav>
+                                        <p:tav tm="100000">
+                                          <p:val>
+                                            <p:strVal val="#ppt_h"/>
+                                          </p:val>
+                                        </p:tav>
+                                      </p:tavLst>
+                                    </p:anim>
+                                  </p:childTnLst>
+                                </p:cTn>
+                              </p:par>
+                            </p:childTnLst>
+                          </p:cTn>
+                        </p:par>
+                      </p:childTnLst>
+                    </p:cTn>
+                  </p:par>
+                </p:childTnLst>
+              </p:cTn>
+              <p:prevCondLst>
+                <p:cond evt="onPrev" delay="0">
+                  <p:tgtEl>
+                    <p:sldTgt/>
+                  </p:tgtEl>
+                </p:cond>
+              </p:prevCondLst>
+              <p:nextCondLst>
+                <p:cond evt="onNext" delay="0">
+                  <p:tgtEl>
+                    <p:sldTgt/>
+                  </p:tgtEl>
+                </p:cond>
+              </p:nextCondLst>
+            </p:seq>
+          </p:childTnLst>
+        </p:cTn>
+      </p:par>
+    </p:tnLst>
+    <p:bldLst>
+      <p:bldP spid="5" grpId="0"/>
+      <p:bldP spid="6" grpId="0" animBg="1"/>
+      <p:bldP spid="7" grpId="0" animBg="1"/>
+      <p:bldP spid="8" grpId="0" animBg="1"/>
+    </p:bldLst>
+  </p:timing>
 </p:sld>
 </file>
 
@@ -16390,8 +18073,8 @@
           </a:fontRef>
         </p:style>
       </p:cxnSp>
-      <mc:AlternateContent xmlns:mc="http://schemas.openxmlformats.org/markup-compatibility/2006">
-        <mc:Choice xmlns:a14="http://schemas.microsoft.com/office/drawing/2010/main" Requires="a14">
+      <mc:AlternateContent xmlns:mc="http://schemas.openxmlformats.org/markup-compatibility/2006" xmlns:a14="http://schemas.microsoft.com/office/drawing/2010/main">
+        <mc:Choice Requires="a14">
           <p:sp>
             <p:nvSpPr>
               <p:cNvPr id="97" name="CasellaDiTesto 96">
@@ -16473,7 +18156,7 @@
             </p:txBody>
           </p:sp>
         </mc:Choice>
-        <mc:Fallback>
+        <mc:Fallback xmlns="">
           <p:sp>
             <p:nvSpPr>
               <p:cNvPr id="97" name="CasellaDiTesto 96">
@@ -16518,8 +18201,8 @@
           </p:sp>
         </mc:Fallback>
       </mc:AlternateContent>
-      <mc:AlternateContent xmlns:mc="http://schemas.openxmlformats.org/markup-compatibility/2006">
-        <mc:Choice xmlns:a14="http://schemas.microsoft.com/office/drawing/2010/main" Requires="a14">
+      <mc:AlternateContent xmlns:mc="http://schemas.openxmlformats.org/markup-compatibility/2006" xmlns:a14="http://schemas.microsoft.com/office/drawing/2010/main">
+        <mc:Choice Requires="a14">
           <p:sp>
             <p:nvSpPr>
               <p:cNvPr id="98" name="CasellaDiTesto 97">
@@ -16601,7 +18284,7 @@
             </p:txBody>
           </p:sp>
         </mc:Choice>
-        <mc:Fallback>
+        <mc:Fallback xmlns="">
           <p:sp>
             <p:nvSpPr>
               <p:cNvPr id="98" name="CasellaDiTesto 97">
@@ -16742,8 +18425,8 @@
           </a:fontRef>
         </p:style>
       </p:cxnSp>
-      <mc:AlternateContent xmlns:mc="http://schemas.openxmlformats.org/markup-compatibility/2006">
-        <mc:Choice xmlns:a14="http://schemas.microsoft.com/office/drawing/2010/main" Requires="a14">
+      <mc:AlternateContent xmlns:mc="http://schemas.openxmlformats.org/markup-compatibility/2006" xmlns:a14="http://schemas.microsoft.com/office/drawing/2010/main">
+        <mc:Choice Requires="a14">
           <p:sp>
             <p:nvSpPr>
               <p:cNvPr id="103" name="CasellaDiTesto 102">
@@ -16893,7 +18576,7 @@
             </p:txBody>
           </p:sp>
         </mc:Choice>
-        <mc:Fallback>
+        <mc:Fallback xmlns="">
           <p:sp>
             <p:nvSpPr>
               <p:cNvPr id="103" name="CasellaDiTesto 102">
@@ -16938,8 +18621,8 @@
           </p:sp>
         </mc:Fallback>
       </mc:AlternateContent>
-      <mc:AlternateContent xmlns:mc="http://schemas.openxmlformats.org/markup-compatibility/2006">
-        <mc:Choice xmlns:a14="http://schemas.microsoft.com/office/drawing/2010/main" Requires="a14">
+      <mc:AlternateContent xmlns:mc="http://schemas.openxmlformats.org/markup-compatibility/2006" xmlns:a14="http://schemas.microsoft.com/office/drawing/2010/main">
+        <mc:Choice Requires="a14">
           <p:sp>
             <p:nvSpPr>
               <p:cNvPr id="104" name="CasellaDiTesto 103">
@@ -17089,7 +18772,7 @@
             </p:txBody>
           </p:sp>
         </mc:Choice>
-        <mc:Fallback>
+        <mc:Fallback xmlns="">
           <p:sp>
             <p:nvSpPr>
               <p:cNvPr id="104" name="CasellaDiTesto 103">
@@ -17134,8 +18817,8 @@
           </p:sp>
         </mc:Fallback>
       </mc:AlternateContent>
-      <mc:AlternateContent xmlns:mc="http://schemas.openxmlformats.org/markup-compatibility/2006">
-        <mc:Choice xmlns:a14="http://schemas.microsoft.com/office/drawing/2010/main" Requires="a14">
+      <mc:AlternateContent xmlns:mc="http://schemas.openxmlformats.org/markup-compatibility/2006" xmlns:a14="http://schemas.microsoft.com/office/drawing/2010/main">
+        <mc:Choice Requires="a14">
           <p:sp>
             <p:nvSpPr>
               <p:cNvPr id="105" name="CasellaDiTesto 104">
@@ -17260,7 +18943,7 @@
             </p:txBody>
           </p:sp>
         </mc:Choice>
-        <mc:Fallback>
+        <mc:Fallback xmlns="">
           <p:sp>
             <p:nvSpPr>
               <p:cNvPr id="105" name="CasellaDiTesto 104">
@@ -17305,8 +18988,8 @@
           </p:sp>
         </mc:Fallback>
       </mc:AlternateContent>
-      <mc:AlternateContent xmlns:mc="http://schemas.openxmlformats.org/markup-compatibility/2006">
-        <mc:Choice xmlns:a14="http://schemas.microsoft.com/office/drawing/2010/main" Requires="a14">
+      <mc:AlternateContent xmlns:mc="http://schemas.openxmlformats.org/markup-compatibility/2006" xmlns:a14="http://schemas.microsoft.com/office/drawing/2010/main">
+        <mc:Choice Requires="a14">
           <p:sp>
             <p:nvSpPr>
               <p:cNvPr id="106" name="CasellaDiTesto 105">
@@ -17456,7 +19139,7 @@
             </p:txBody>
           </p:sp>
         </mc:Choice>
-        <mc:Fallback>
+        <mc:Fallback xmlns="">
           <p:sp>
             <p:nvSpPr>
               <p:cNvPr id="106" name="CasellaDiTesto 105">
@@ -17679,6 +19362,9 @@
   <p:clrMapOvr>
     <a:masterClrMapping/>
   </p:clrMapOvr>
+  <p:transition spd="med">
+    <p:pull/>
+  </p:transition>
 </p:sld>
 </file>
 
@@ -18740,45 +20426,6 @@
           </a:fontRef>
         </p:style>
       </p:cxnSp>
-      <p:cxnSp>
-        <p:nvCxnSpPr>
-          <p:cNvPr id="22" name="Connettore 2 21">
-            <a:extLst>
-              <a:ext uri="{FF2B5EF4-FFF2-40B4-BE49-F238E27FC236}">
-                <a16:creationId xmlns:a16="http://schemas.microsoft.com/office/drawing/2014/main" id="{33F020FF-85EB-6449-914D-430393B1452C}"/>
-              </a:ext>
-            </a:extLst>
-          </p:cNvPr>
-          <p:cNvCxnSpPr/>
-          <p:nvPr/>
-        </p:nvCxnSpPr>
-        <p:spPr>
-          <a:xfrm flipH="1">
-            <a:off x="2911549" y="4214037"/>
-            <a:ext cx="639670" cy="459343"/>
-          </a:xfrm>
-          <a:prstGeom prst="straightConnector1">
-            <a:avLst/>
-          </a:prstGeom>
-          <a:ln>
-            <a:tailEnd type="triangle"/>
-          </a:ln>
-        </p:spPr>
-        <p:style>
-          <a:lnRef idx="1">
-            <a:schemeClr val="accent1"/>
-          </a:lnRef>
-          <a:fillRef idx="0">
-            <a:schemeClr val="accent1"/>
-          </a:fillRef>
-          <a:effectRef idx="0">
-            <a:schemeClr val="accent1"/>
-          </a:effectRef>
-          <a:fontRef idx="minor">
-            <a:schemeClr val="tx1"/>
-          </a:fontRef>
-        </p:style>
-      </p:cxnSp>
     </p:spTree>
     <p:extLst>
       <p:ext uri="{BB962C8B-B14F-4D97-AF65-F5344CB8AC3E}">
@@ -18789,6 +20436,9 @@
   <p:clrMapOvr>
     <a:masterClrMapping/>
   </p:clrMapOvr>
+  <p:transition spd="med">
+    <p:pull/>
+  </p:transition>
 </p:sld>
 </file>
 
@@ -19953,8 +21603,8 @@
           </a:fontRef>
         </p:style>
       </p:cxnSp>
-      <mc:AlternateContent xmlns:mc="http://schemas.openxmlformats.org/markup-compatibility/2006">
-        <mc:Choice xmlns:a14="http://schemas.microsoft.com/office/drawing/2010/main" Requires="a14">
+      <mc:AlternateContent xmlns:mc="http://schemas.openxmlformats.org/markup-compatibility/2006" xmlns:a14="http://schemas.microsoft.com/office/drawing/2010/main">
+        <mc:Choice Requires="a14">
           <p:sp>
             <p:nvSpPr>
               <p:cNvPr id="24" name="CasellaDiTesto 23">
@@ -20029,7 +21679,7 @@
             </p:txBody>
           </p:sp>
         </mc:Choice>
-        <mc:Fallback>
+        <mc:Fallback xmlns="">
           <p:sp>
             <p:nvSpPr>
               <p:cNvPr id="24" name="CasellaDiTesto 23">
@@ -20074,8 +21724,8 @@
           </p:sp>
         </mc:Fallback>
       </mc:AlternateContent>
-      <mc:AlternateContent xmlns:mc="http://schemas.openxmlformats.org/markup-compatibility/2006">
-        <mc:Choice xmlns:a14="http://schemas.microsoft.com/office/drawing/2010/main" Requires="a14">
+      <mc:AlternateContent xmlns:mc="http://schemas.openxmlformats.org/markup-compatibility/2006" xmlns:a14="http://schemas.microsoft.com/office/drawing/2010/main">
+        <mc:Choice Requires="a14">
           <p:sp>
             <p:nvSpPr>
               <p:cNvPr id="25" name="CasellaDiTesto 24">
@@ -20129,7 +21779,7 @@
             </p:txBody>
           </p:sp>
         </mc:Choice>
-        <mc:Fallback>
+        <mc:Fallback xmlns="">
           <p:sp>
             <p:nvSpPr>
               <p:cNvPr id="25" name="CasellaDiTesto 24">
@@ -20238,6 +21888,9 @@
   <p:clrMapOvr>
     <a:masterClrMapping/>
   </p:clrMapOvr>
+  <p:transition spd="med">
+    <p:pull/>
+  </p:transition>
 </p:sld>
 </file>
 

--- a/Presentazione LAB3.pptx
+++ b/Presentazione LAB3.pptx
@@ -5,7 +5,7 @@
     <p:sldMasterId id="2147483648" r:id="rId1"/>
   </p:sldMasterIdLst>
   <p:notesMasterIdLst>
-    <p:notesMasterId r:id="rId19"/>
+    <p:notesMasterId r:id="rId16"/>
   </p:notesMasterIdLst>
   <p:sldIdLst>
     <p:sldId id="256" r:id="rId2"/>
@@ -18,13 +18,10 @@
     <p:sldId id="263" r:id="rId9"/>
     <p:sldId id="264" r:id="rId10"/>
     <p:sldId id="265" r:id="rId11"/>
-    <p:sldId id="266" r:id="rId12"/>
-    <p:sldId id="267" r:id="rId13"/>
-    <p:sldId id="268" r:id="rId14"/>
-    <p:sldId id="269" r:id="rId15"/>
-    <p:sldId id="270" r:id="rId16"/>
-    <p:sldId id="271" r:id="rId17"/>
-    <p:sldId id="272" r:id="rId18"/>
+    <p:sldId id="267" r:id="rId12"/>
+    <p:sldId id="268" r:id="rId13"/>
+    <p:sldId id="273" r:id="rId14"/>
+    <p:sldId id="272" r:id="rId15"/>
   </p:sldIdLst>
   <p:sldSz cx="12192000" cy="6858000"/>
   <p:notesSz cx="6858000" cy="9144000"/>
@@ -213,7 +210,7 @@
           <a:p>
             <a:fld id="{B9738FAE-5E17-E94C-91A2-F91657C5C946}" type="datetimeFigureOut">
               <a:rPr lang="it-IT" smtClean="0"/>
-              <a:t>08/06/20</a:t>
+              <a:t>08/06/2020</a:t>
             </a:fld>
             <a:endParaRPr lang="it-IT"/>
           </a:p>
@@ -711,7 +708,7 @@
           <a:p>
             <a:fld id="{B02DE177-5E7A-4847-83AB-7872EFFA77AC}" type="datetimeFigureOut">
               <a:rPr lang="it-IT" smtClean="0"/>
-              <a:t>08/06/20</a:t>
+              <a:t>08/06/2020</a:t>
             </a:fld>
             <a:endParaRPr lang="it-IT"/>
           </a:p>
@@ -909,7 +906,7 @@
           <a:p>
             <a:fld id="{B02DE177-5E7A-4847-83AB-7872EFFA77AC}" type="datetimeFigureOut">
               <a:rPr lang="it-IT" smtClean="0"/>
-              <a:t>08/06/20</a:t>
+              <a:t>08/06/2020</a:t>
             </a:fld>
             <a:endParaRPr lang="it-IT"/>
           </a:p>
@@ -1117,7 +1114,7 @@
           <a:p>
             <a:fld id="{B02DE177-5E7A-4847-83AB-7872EFFA77AC}" type="datetimeFigureOut">
               <a:rPr lang="it-IT" smtClean="0"/>
-              <a:t>08/06/20</a:t>
+              <a:t>08/06/2020</a:t>
             </a:fld>
             <a:endParaRPr lang="it-IT"/>
           </a:p>
@@ -1315,7 +1312,7 @@
           <a:p>
             <a:fld id="{B02DE177-5E7A-4847-83AB-7872EFFA77AC}" type="datetimeFigureOut">
               <a:rPr lang="it-IT" smtClean="0"/>
-              <a:t>08/06/20</a:t>
+              <a:t>08/06/2020</a:t>
             </a:fld>
             <a:endParaRPr lang="it-IT"/>
           </a:p>
@@ -1590,7 +1587,7 @@
           <a:p>
             <a:fld id="{B02DE177-5E7A-4847-83AB-7872EFFA77AC}" type="datetimeFigureOut">
               <a:rPr lang="it-IT" smtClean="0"/>
-              <a:t>08/06/20</a:t>
+              <a:t>08/06/2020</a:t>
             </a:fld>
             <a:endParaRPr lang="it-IT"/>
           </a:p>
@@ -1855,7 +1852,7 @@
           <a:p>
             <a:fld id="{B02DE177-5E7A-4847-83AB-7872EFFA77AC}" type="datetimeFigureOut">
               <a:rPr lang="it-IT" smtClean="0"/>
-              <a:t>08/06/20</a:t>
+              <a:t>08/06/2020</a:t>
             </a:fld>
             <a:endParaRPr lang="it-IT"/>
           </a:p>
@@ -2267,7 +2264,7 @@
           <a:p>
             <a:fld id="{B02DE177-5E7A-4847-83AB-7872EFFA77AC}" type="datetimeFigureOut">
               <a:rPr lang="it-IT" smtClean="0"/>
-              <a:t>08/06/20</a:t>
+              <a:t>08/06/2020</a:t>
             </a:fld>
             <a:endParaRPr lang="it-IT"/>
           </a:p>
@@ -2408,7 +2405,7 @@
           <a:p>
             <a:fld id="{B02DE177-5E7A-4847-83AB-7872EFFA77AC}" type="datetimeFigureOut">
               <a:rPr lang="it-IT" smtClean="0"/>
-              <a:t>08/06/20</a:t>
+              <a:t>08/06/2020</a:t>
             </a:fld>
             <a:endParaRPr lang="it-IT"/>
           </a:p>
@@ -2521,7 +2518,7 @@
           <a:p>
             <a:fld id="{B02DE177-5E7A-4847-83AB-7872EFFA77AC}" type="datetimeFigureOut">
               <a:rPr lang="it-IT" smtClean="0"/>
-              <a:t>08/06/20</a:t>
+              <a:t>08/06/2020</a:t>
             </a:fld>
             <a:endParaRPr lang="it-IT"/>
           </a:p>
@@ -2832,7 +2829,7 @@
           <a:p>
             <a:fld id="{B02DE177-5E7A-4847-83AB-7872EFFA77AC}" type="datetimeFigureOut">
               <a:rPr lang="it-IT" smtClean="0"/>
-              <a:t>08/06/20</a:t>
+              <a:t>08/06/2020</a:t>
             </a:fld>
             <a:endParaRPr lang="it-IT"/>
           </a:p>
@@ -3120,7 +3117,7 @@
           <a:p>
             <a:fld id="{B02DE177-5E7A-4847-83AB-7872EFFA77AC}" type="datetimeFigureOut">
               <a:rPr lang="it-IT" smtClean="0"/>
-              <a:t>08/06/20</a:t>
+              <a:t>08/06/2020</a:t>
             </a:fld>
             <a:endParaRPr lang="it-IT"/>
           </a:p>
@@ -3361,7 +3358,7 @@
           <a:p>
             <a:fld id="{B02DE177-5E7A-4847-83AB-7872EFFA77AC}" type="datetimeFigureOut">
               <a:rPr lang="it-IT" smtClean="0"/>
-              <a:t>08/06/20</a:t>
+              <a:t>08/06/2020</a:t>
             </a:fld>
             <a:endParaRPr lang="it-IT"/>
           </a:p>
@@ -4041,7 +4038,7 @@
           <p:cNvPr id="2" name="Titolo 1">
             <a:extLst>
               <a:ext uri="{FF2B5EF4-FFF2-40B4-BE49-F238E27FC236}">
-                <a16:creationId xmlns:a16="http://schemas.microsoft.com/office/drawing/2014/main" id="{B3399DFD-F020-8F4F-96E2-356DAE8F57AD}"/>
+                <a16:creationId xmlns:a16="http://schemas.microsoft.com/office/drawing/2014/main" id="{BA9CBEDF-491B-D74D-BE46-7BB1EA6BF099}"/>
               </a:ext>
             </a:extLst>
           </p:cNvPr>
@@ -4065,7 +4062,7 @@
                 <a:latin typeface="Hiragino Kaku Gothic StdN W8" panose="020B0800000000000000" pitchFamily="34" charset="-128"/>
                 <a:ea typeface="Hiragino Kaku Gothic StdN W8" panose="020B0800000000000000" pitchFamily="34" charset="-128"/>
               </a:rPr>
-              <a:t>LEGGE DI SHOCKLEY</a:t>
+              <a:t>TIPI DI POLARIZZAZIONE</a:t>
             </a:r>
             <a:endParaRPr lang="it-IT" dirty="0"/>
           </a:p>
@@ -4073,10 +4070,10 @@
       </p:sp>
       <p:pic>
         <p:nvPicPr>
-          <p:cNvPr id="4" name="Segnaposto contenuto 11" descr="Immagine che contiene orologio&#10;&#10;Descrizione generata automaticamente">
+          <p:cNvPr id="4" name="Segnaposto contenuto 15" descr="Immagine che contiene testo, orologio&#10;&#10;Descrizione generata automaticamente">
             <a:extLst>
               <a:ext uri="{FF2B5EF4-FFF2-40B4-BE49-F238E27FC236}">
-                <a16:creationId xmlns:a16="http://schemas.microsoft.com/office/drawing/2014/main" id="{CC040C47-36D9-BA4F-B7F1-2AC3FF9688FD}"/>
+                <a16:creationId xmlns:a16="http://schemas.microsoft.com/office/drawing/2014/main" id="{D14D0DB8-932C-BD4E-834C-6C29F2252FC1}"/>
               </a:ext>
             </a:extLst>
           </p:cNvPr>
@@ -4087,7 +4084,7 @@
             <p:ph sz="half" idx="1"/>
           </p:nvPr>
         </p:nvPicPr>
-        <p:blipFill rotWithShape="1">
+        <p:blipFill>
           <a:blip r:embed="rId2">
             <a:extLst>
               <a:ext uri="{28A0092B-C50C-407E-A947-70E740481C1C}">
@@ -4095,360 +4092,139 @@
               </a:ext>
             </a:extLst>
           </a:blip>
-          <a:srcRect t="2266" r="2" b="2030"/>
-          <a:stretch/>
+          <a:stretch>
+            <a:fillRect/>
+          </a:stretch>
         </p:blipFill>
         <p:spPr>
           <a:xfrm>
-            <a:off x="1231604" y="1901763"/>
-            <a:ext cx="4154207" cy="3230366"/>
+            <a:off x="2344787" y="2490853"/>
+            <a:ext cx="3098959" cy="3994355"/>
+          </a:xfrm>
+        </p:spPr>
+      </p:pic>
+      <p:pic>
+        <p:nvPicPr>
+          <p:cNvPr id="5" name="Segnaposto contenuto 17" descr="Immagine che contiene orologio, oggetto&#10;&#10;Descrizione generata automaticamente">
+            <a:extLst>
+              <a:ext uri="{FF2B5EF4-FFF2-40B4-BE49-F238E27FC236}">
+                <a16:creationId xmlns:a16="http://schemas.microsoft.com/office/drawing/2014/main" id="{8C03C84B-A0DE-9847-9F58-63C829C6477E}"/>
+              </a:ext>
+            </a:extLst>
+          </p:cNvPr>
+          <p:cNvPicPr>
+            <a:picLocks noChangeAspect="1"/>
+          </p:cNvPicPr>
+          <p:nvPr/>
+        </p:nvPicPr>
+        <p:blipFill>
+          <a:blip r:embed="rId3">
+            <a:extLst>
+              <a:ext uri="{28A0092B-C50C-407E-A947-70E740481C1C}">
+                <a14:useLocalDpi xmlns:a14="http://schemas.microsoft.com/office/drawing/2010/main" val="0"/>
+              </a:ext>
+            </a:extLst>
+          </a:blip>
+          <a:stretch>
+            <a:fillRect/>
+          </a:stretch>
+        </p:blipFill>
+        <p:spPr>
+          <a:xfrm>
+            <a:off x="6328619" y="2503554"/>
+            <a:ext cx="3041806" cy="3968954"/>
           </a:xfrm>
           <a:prstGeom prst="rect">
             <a:avLst/>
           </a:prstGeom>
         </p:spPr>
       </p:pic>
-      <mc:AlternateContent xmlns:mc="http://schemas.openxmlformats.org/markup-compatibility/2006" xmlns:a14="http://schemas.microsoft.com/office/drawing/2010/main">
-        <mc:Choice Requires="a14">
-          <p:sp>
-            <p:nvSpPr>
-              <p:cNvPr id="5" name="Rettangolo 4">
-                <a:extLst>
-                  <a:ext uri="{FF2B5EF4-FFF2-40B4-BE49-F238E27FC236}">
-                    <a16:creationId xmlns:a16="http://schemas.microsoft.com/office/drawing/2014/main" id="{F8D349D3-908A-594F-BADA-B1AB6E4F2667}"/>
-                  </a:ext>
-                </a:extLst>
-              </p:cNvPr>
-              <p:cNvSpPr/>
-              <p:nvPr/>
-            </p:nvSpPr>
-            <p:spPr>
-              <a:xfrm>
-                <a:off x="6096000" y="2554247"/>
-                <a:ext cx="6096000" cy="962699"/>
-              </a:xfrm>
-              <a:prstGeom prst="rect">
-                <a:avLst/>
-              </a:prstGeom>
-            </p:spPr>
-            <p:txBody>
-              <a:bodyPr>
-                <a:spAutoFit/>
-              </a:bodyPr>
-              <a:lstStyle/>
-              <a:p>
-                <a:pPr marL="285750" indent="-285750">
-                  <a:buFont typeface="Arial" panose="020B0604020202020204" pitchFamily="34" charset="0"/>
-                  <a:buChar char="•"/>
-                </a:pPr>
-                <a14:m>
-                  <m:oMath xmlns:m="http://schemas.openxmlformats.org/officeDocument/2006/math">
-                    <m:r>
-                      <a:rPr lang="it-IT" i="1" smtClean="0">
-                        <a:latin typeface="Cambria Math" panose="02040503050406030204" pitchFamily="18" charset="0"/>
-                      </a:rPr>
-                      <m:t>ⅈ=</m:t>
-                    </m:r>
-                    <m:sSub>
-                      <m:sSubPr>
-                        <m:ctrlPr>
-                          <a:rPr lang="it-IT" i="1">
-                            <a:latin typeface="Cambria Math" panose="02040503050406030204" pitchFamily="18" charset="0"/>
-                          </a:rPr>
-                        </m:ctrlPr>
-                      </m:sSubPr>
-                      <m:e>
-                        <m:r>
-                          <a:rPr lang="it-IT" i="1">
-                            <a:latin typeface="Cambria Math" panose="02040503050406030204" pitchFamily="18" charset="0"/>
-                          </a:rPr>
-                          <m:t>𝐼</m:t>
-                        </m:r>
-                      </m:e>
-                      <m:sub>
-                        <m:r>
-                          <a:rPr lang="it-IT" i="1">
-                            <a:latin typeface="Cambria Math" panose="02040503050406030204" pitchFamily="18" charset="0"/>
-                          </a:rPr>
-                          <m:t>𝑠</m:t>
-                        </m:r>
-                      </m:sub>
-                    </m:sSub>
-                    <m:d>
-                      <m:dPr>
-                        <m:ctrlPr>
-                          <a:rPr lang="it-IT" i="1">
-                            <a:latin typeface="Cambria Math" panose="02040503050406030204" pitchFamily="18" charset="0"/>
-                          </a:rPr>
-                        </m:ctrlPr>
-                      </m:dPr>
-                      <m:e>
-                        <m:sSup>
-                          <m:sSupPr>
-                            <m:ctrlPr>
-                              <a:rPr lang="it-IT" i="1">
-                                <a:latin typeface="Cambria Math" panose="02040503050406030204" pitchFamily="18" charset="0"/>
-                              </a:rPr>
-                            </m:ctrlPr>
-                          </m:sSupPr>
-                          <m:e>
-                            <m:r>
-                              <a:rPr lang="it-IT" i="1">
-                                <a:latin typeface="Cambria Math" panose="02040503050406030204" pitchFamily="18" charset="0"/>
-                              </a:rPr>
-                              <m:t>ⅇ</m:t>
-                            </m:r>
-                          </m:e>
-                          <m:sup>
-                            <m:f>
-                              <m:fPr>
-                                <m:type m:val="lin"/>
-                                <m:ctrlPr>
-                                  <a:rPr lang="it-IT" i="1">
-                                    <a:latin typeface="Cambria Math" panose="02040503050406030204" pitchFamily="18" charset="0"/>
-                                  </a:rPr>
-                                </m:ctrlPr>
-                              </m:fPr>
-                              <m:num>
-                                <m:r>
-                                  <a:rPr lang="it-IT" i="1">
-                                    <a:latin typeface="Cambria Math" panose="02040503050406030204" pitchFamily="18" charset="0"/>
-                                  </a:rPr>
-                                  <m:t>𝑣</m:t>
-                                </m:r>
-                              </m:num>
-                              <m:den>
-                                <m:sSub>
-                                  <m:sSubPr>
-                                    <m:ctrlPr>
-                                      <a:rPr lang="it-IT" i="1">
-                                        <a:latin typeface="Cambria Math" panose="02040503050406030204" pitchFamily="18" charset="0"/>
-                                      </a:rPr>
-                                    </m:ctrlPr>
-                                  </m:sSubPr>
-                                  <m:e>
-                                    <m:r>
-                                      <a:rPr lang="it-IT" i="1">
-                                        <a:latin typeface="Cambria Math" panose="02040503050406030204" pitchFamily="18" charset="0"/>
-                                      </a:rPr>
-                                      <m:t>𝑣</m:t>
-                                    </m:r>
-                                  </m:e>
-                                  <m:sub>
-                                    <m:r>
-                                      <a:rPr lang="it-IT" i="1">
-                                        <a:latin typeface="Cambria Math" panose="02040503050406030204" pitchFamily="18" charset="0"/>
-                                      </a:rPr>
-                                      <m:t>𝑇</m:t>
-                                    </m:r>
-                                  </m:sub>
-                                </m:sSub>
-                              </m:den>
-                            </m:f>
-                          </m:sup>
-                        </m:sSup>
-                        <m:r>
-                          <a:rPr lang="it-IT" i="1">
-                            <a:latin typeface="Cambria Math" panose="02040503050406030204" pitchFamily="18" charset="0"/>
-                          </a:rPr>
-                          <m:t>−1</m:t>
-                        </m:r>
-                      </m:e>
-                    </m:d>
-                  </m:oMath>
-                </a14:m>
-                <a:endParaRPr lang="it-IT" dirty="0"/>
-              </a:p>
-              <a:p>
-                <a:pPr marL="285750" indent="-285750">
-                  <a:buFont typeface="Arial" panose="020B0604020202020204" pitchFamily="34" charset="0"/>
-                  <a:buChar char="•"/>
-                </a:pPr>
-                <a14:m>
-                  <m:oMath xmlns:m="http://schemas.openxmlformats.org/officeDocument/2006/math">
-                    <m:sSub>
-                      <m:sSubPr>
-                        <m:ctrlPr>
-                          <a:rPr lang="it-IT" i="1">
-                            <a:latin typeface="Cambria Math" panose="02040503050406030204" pitchFamily="18" charset="0"/>
-                          </a:rPr>
-                        </m:ctrlPr>
-                      </m:sSubPr>
-                      <m:e>
-                        <m:r>
-                          <a:rPr lang="it-IT" i="1">
-                            <a:latin typeface="Cambria Math" panose="02040503050406030204" pitchFamily="18" charset="0"/>
-                          </a:rPr>
-                          <m:t>𝐼</m:t>
-                        </m:r>
-                      </m:e>
-                      <m:sub>
-                        <m:r>
-                          <a:rPr lang="it-IT" i="1">
-                            <a:latin typeface="Cambria Math" panose="02040503050406030204" pitchFamily="18" charset="0"/>
-                          </a:rPr>
-                          <m:t>𝑠</m:t>
-                        </m:r>
-                      </m:sub>
-                    </m:sSub>
-                  </m:oMath>
-                </a14:m>
-                <a:r>
-                  <a:rPr lang="it-IT" dirty="0"/>
-                  <a:t> </a:t>
-                </a:r>
-                <a14:m>
-                  <m:oMath xmlns:m="http://schemas.openxmlformats.org/officeDocument/2006/math">
-                    <m:r>
-                      <a:rPr lang="it-IT" i="1">
-                        <a:latin typeface="Cambria Math" panose="02040503050406030204" pitchFamily="18" charset="0"/>
-                      </a:rPr>
-                      <m:t>=</m:t>
-                    </m:r>
-                  </m:oMath>
-                </a14:m>
-                <a:r>
-                  <a:rPr lang="it-IT" dirty="0"/>
-                  <a:t> </a:t>
-                </a:r>
-                <a:r>
-                  <a:rPr lang="it-IT" sz="1600" dirty="0">
-                    <a:latin typeface="Hiragino Kaku Gothic Pro W3" panose="020B0300000000000000" pitchFamily="34" charset="-128"/>
-                    <a:ea typeface="Hiragino Kaku Gothic Pro W3" panose="020B0300000000000000" pitchFamily="34" charset="-128"/>
-                  </a:rPr>
-                  <a:t>corrente di saturazione</a:t>
-                </a:r>
-              </a:p>
-              <a:p>
-                <a:pPr marL="285750" indent="-285750">
-                  <a:buFont typeface="Arial" panose="020B0604020202020204" pitchFamily="34" charset="0"/>
-                  <a:buChar char="•"/>
-                </a:pPr>
-                <a14:m>
-                  <m:oMath xmlns:m="http://schemas.openxmlformats.org/officeDocument/2006/math">
-                    <m:sSub>
-                      <m:sSubPr>
-                        <m:ctrlPr>
-                          <a:rPr lang="it-IT" i="1">
-                            <a:latin typeface="Cambria Math" panose="02040503050406030204" pitchFamily="18" charset="0"/>
-                          </a:rPr>
-                        </m:ctrlPr>
-                      </m:sSubPr>
-                      <m:e>
-                        <m:r>
-                          <a:rPr lang="it-IT" i="1">
-                            <a:latin typeface="Cambria Math" panose="02040503050406030204" pitchFamily="18" charset="0"/>
-                          </a:rPr>
-                          <m:t>𝑣</m:t>
-                        </m:r>
-                      </m:e>
-                      <m:sub>
-                        <m:r>
-                          <a:rPr lang="it-IT" i="1">
-                            <a:latin typeface="Cambria Math" panose="02040503050406030204" pitchFamily="18" charset="0"/>
-                          </a:rPr>
-                          <m:t>𝑇</m:t>
-                        </m:r>
-                      </m:sub>
-                    </m:sSub>
-                  </m:oMath>
-                </a14:m>
-                <a:r>
-                  <a:rPr lang="it-IT" dirty="0"/>
-                  <a:t> </a:t>
-                </a:r>
-                <a14:m>
-                  <m:oMath xmlns:m="http://schemas.openxmlformats.org/officeDocument/2006/math">
-                    <m:r>
-                      <a:rPr lang="it-IT" i="1">
-                        <a:latin typeface="Cambria Math" panose="02040503050406030204" pitchFamily="18" charset="0"/>
-                      </a:rPr>
-                      <m:t>=</m:t>
-                    </m:r>
-                  </m:oMath>
-                </a14:m>
-                <a:r>
-                  <a:rPr lang="it-IT" dirty="0"/>
-                  <a:t> </a:t>
-                </a:r>
-                <a:r>
-                  <a:rPr lang="it-IT" sz="1600" dirty="0">
-                    <a:latin typeface="Hiragino Kaku Gothic Pro W3" panose="020B0300000000000000" pitchFamily="34" charset="-128"/>
-                    <a:ea typeface="Hiragino Kaku Gothic Pro W3" panose="020B0300000000000000" pitchFamily="34" charset="-128"/>
-                  </a:rPr>
-                  <a:t>tensione termica (26 </a:t>
-                </a:r>
-                <a:r>
-                  <a:rPr lang="it-IT" sz="1600" dirty="0" err="1">
-                    <a:latin typeface="Hiragino Kaku Gothic Pro W3" panose="020B0300000000000000" pitchFamily="34" charset="-128"/>
-                    <a:ea typeface="Hiragino Kaku Gothic Pro W3" panose="020B0300000000000000" pitchFamily="34" charset="-128"/>
-                  </a:rPr>
-                  <a:t>mV</a:t>
-                </a:r>
-                <a:r>
-                  <a:rPr lang="it-IT" sz="1600" dirty="0">
-                    <a:latin typeface="Hiragino Kaku Gothic Pro W3" panose="020B0300000000000000" pitchFamily="34" charset="-128"/>
-                    <a:ea typeface="Hiragino Kaku Gothic Pro W3" panose="020B0300000000000000" pitchFamily="34" charset="-128"/>
-                  </a:rPr>
-                  <a:t> a temperature ambiente)</a:t>
-                </a:r>
-                <a:endParaRPr lang="it-IT" dirty="0">
-                  <a:latin typeface="Hiragino Kaku Gothic Pro W3" panose="020B0300000000000000" pitchFamily="34" charset="-128"/>
-                  <a:ea typeface="Hiragino Kaku Gothic Pro W3" panose="020B0300000000000000" pitchFamily="34" charset="-128"/>
-                </a:endParaRPr>
-              </a:p>
-            </p:txBody>
-          </p:sp>
-        </mc:Choice>
-        <mc:Fallback xmlns="">
-          <p:sp>
-            <p:nvSpPr>
-              <p:cNvPr id="5" name="Rettangolo 4">
-                <a:extLst>
-                  <a:ext uri="{FF2B5EF4-FFF2-40B4-BE49-F238E27FC236}">
-                    <a16:creationId xmlns:a16="http://schemas.microsoft.com/office/drawing/2014/main" id="{F8D349D3-908A-594F-BADA-B1AB6E4F2667}"/>
-                  </a:ext>
-                </a:extLst>
-              </p:cNvPr>
-              <p:cNvSpPr>
-                <a:spLocks noRot="1" noChangeAspect="1" noMove="1" noResize="1" noEditPoints="1" noAdjustHandles="1" noChangeArrowheads="1" noChangeShapeType="1" noTextEdit="1"/>
-              </p:cNvSpPr>
-              <p:nvPr/>
-            </p:nvSpPr>
-            <p:spPr>
-              <a:xfrm>
-                <a:off x="6096000" y="2554247"/>
-                <a:ext cx="6096000" cy="962699"/>
-              </a:xfrm>
-              <a:prstGeom prst="rect">
-                <a:avLst/>
-              </a:prstGeom>
-              <a:blipFill>
-                <a:blip r:embed="rId3"/>
-                <a:stretch>
-                  <a:fillRect l="-625" t="-29870" b="-5195"/>
-                </a:stretch>
-              </a:blipFill>
-            </p:spPr>
-            <p:txBody>
-              <a:bodyPr/>
-              <a:lstStyle/>
-              <a:p>
-                <a:r>
-                  <a:rPr lang="it-IT">
-                    <a:noFill/>
-                  </a:rPr>
-                  <a:t> </a:t>
-                </a:r>
-              </a:p>
-            </p:txBody>
-          </p:sp>
-        </mc:Fallback>
-      </mc:AlternateContent>
+      <p:sp>
+        <p:nvSpPr>
+          <p:cNvPr id="6" name="CasellaDiTesto 5">
+            <a:extLst>
+              <a:ext uri="{FF2B5EF4-FFF2-40B4-BE49-F238E27FC236}">
+                <a16:creationId xmlns:a16="http://schemas.microsoft.com/office/drawing/2014/main" id="{F4A60278-07A8-9F44-9974-A54A70139C7A}"/>
+              </a:ext>
+            </a:extLst>
+          </p:cNvPr>
+          <p:cNvSpPr txBox="1"/>
+          <p:nvPr/>
+        </p:nvSpPr>
+        <p:spPr>
+          <a:xfrm>
+            <a:off x="3274828" y="1912455"/>
+            <a:ext cx="1229824" cy="369332"/>
+          </a:xfrm>
+          <a:prstGeom prst="rect">
+            <a:avLst/>
+          </a:prstGeom>
+          <a:noFill/>
+        </p:spPr>
+        <p:txBody>
+          <a:bodyPr wrap="none" rtlCol="0">
+            <a:spAutoFit/>
+          </a:bodyPr>
+          <a:lstStyle/>
+          <a:p>
+            <a:r>
+              <a:rPr lang="it-IT" dirty="0">
+                <a:solidFill>
+                  <a:srgbClr val="15243F"/>
+                </a:solidFill>
+                <a:latin typeface="Hiragino Kaku Gothic Pro W3" panose="020B0300000000000000" pitchFamily="34" charset="-128"/>
+                <a:ea typeface="Hiragino Kaku Gothic Pro W3" panose="020B0300000000000000" pitchFamily="34" charset="-128"/>
+              </a:rPr>
+              <a:t>INVERSA</a:t>
+            </a:r>
+          </a:p>
+        </p:txBody>
+      </p:sp>
+      <p:sp>
+        <p:nvSpPr>
+          <p:cNvPr id="7" name="CasellaDiTesto 6">
+            <a:extLst>
+              <a:ext uri="{FF2B5EF4-FFF2-40B4-BE49-F238E27FC236}">
+                <a16:creationId xmlns:a16="http://schemas.microsoft.com/office/drawing/2014/main" id="{618C2402-1D55-774C-9B5B-00241839774C}"/>
+              </a:ext>
+            </a:extLst>
+          </p:cNvPr>
+          <p:cNvSpPr txBox="1"/>
+          <p:nvPr/>
+        </p:nvSpPr>
+        <p:spPr>
+          <a:xfrm>
+            <a:off x="7246632" y="1912455"/>
+            <a:ext cx="1205779" cy="369332"/>
+          </a:xfrm>
+          <a:prstGeom prst="rect">
+            <a:avLst/>
+          </a:prstGeom>
+          <a:noFill/>
+        </p:spPr>
+        <p:txBody>
+          <a:bodyPr wrap="none" rtlCol="0">
+            <a:spAutoFit/>
+          </a:bodyPr>
+          <a:lstStyle/>
+          <a:p>
+            <a:r>
+              <a:rPr lang="it-IT" dirty="0">
+                <a:solidFill>
+                  <a:srgbClr val="15243F"/>
+                </a:solidFill>
+                <a:latin typeface="Hiragino Kaku Gothic Pro W3" panose="020B0300000000000000" pitchFamily="34" charset="-128"/>
+                <a:ea typeface="Hiragino Kaku Gothic Pro W3" panose="020B0300000000000000" pitchFamily="34" charset="-128"/>
+              </a:rPr>
+              <a:t>DIRETTA</a:t>
+            </a:r>
+          </a:p>
+        </p:txBody>
+      </p:sp>
     </p:spTree>
     <p:extLst>
       <p:ext uri="{BB962C8B-B14F-4D97-AF65-F5344CB8AC3E}">
-        <p14:creationId xmlns:p14="http://schemas.microsoft.com/office/powerpoint/2010/main" val="3888920653"/>
+        <p14:creationId xmlns:p14="http://schemas.microsoft.com/office/powerpoint/2010/main" val="4113592996"/>
       </p:ext>
     </p:extLst>
   </p:cSld>
@@ -4458,6 +4234,400 @@
   <p:transition spd="med">
     <p:pull/>
   </p:transition>
+  <p:timing>
+    <p:tnLst>
+      <p:par>
+        <p:cTn id="1" dur="indefinite" restart="never" nodeType="tmRoot">
+          <p:childTnLst>
+            <p:seq concurrent="1" nextAc="seek">
+              <p:cTn id="2" dur="indefinite" nodeType="mainSeq">
+                <p:childTnLst>
+                  <p:par>
+                    <p:cTn id="3" fill="hold">
+                      <p:stCondLst>
+                        <p:cond delay="indefinite"/>
+                      </p:stCondLst>
+                      <p:childTnLst>
+                        <p:par>
+                          <p:cTn id="4" fill="hold">
+                            <p:stCondLst>
+                              <p:cond delay="0"/>
+                            </p:stCondLst>
+                            <p:childTnLst>
+                              <p:par>
+                                <p:cTn id="5" presetID="53" presetClass="entr" presetSubtype="16" fill="hold" nodeType="clickEffect">
+                                  <p:stCondLst>
+                                    <p:cond delay="0"/>
+                                  </p:stCondLst>
+                                  <p:childTnLst>
+                                    <p:set>
+                                      <p:cBhvr>
+                                        <p:cTn id="6" dur="1" fill="hold">
+                                          <p:stCondLst>
+                                            <p:cond delay="0"/>
+                                          </p:stCondLst>
+                                        </p:cTn>
+                                        <p:tgtEl>
+                                          <p:spTgt spid="4"/>
+                                        </p:tgtEl>
+                                        <p:attrNameLst>
+                                          <p:attrName>style.visibility</p:attrName>
+                                        </p:attrNameLst>
+                                      </p:cBhvr>
+                                      <p:to>
+                                        <p:strVal val="visible"/>
+                                      </p:to>
+                                    </p:set>
+                                    <p:anim calcmode="lin" valueType="num">
+                                      <p:cBhvr>
+                                        <p:cTn id="7" dur="500" fill="hold"/>
+                                        <p:tgtEl>
+                                          <p:spTgt spid="4"/>
+                                        </p:tgtEl>
+                                        <p:attrNameLst>
+                                          <p:attrName>ppt_w</p:attrName>
+                                        </p:attrNameLst>
+                                      </p:cBhvr>
+                                      <p:tavLst>
+                                        <p:tav tm="0">
+                                          <p:val>
+                                            <p:fltVal val="0"/>
+                                          </p:val>
+                                        </p:tav>
+                                        <p:tav tm="100000">
+                                          <p:val>
+                                            <p:strVal val="#ppt_w"/>
+                                          </p:val>
+                                        </p:tav>
+                                      </p:tavLst>
+                                    </p:anim>
+                                    <p:anim calcmode="lin" valueType="num">
+                                      <p:cBhvr>
+                                        <p:cTn id="8" dur="500" fill="hold"/>
+                                        <p:tgtEl>
+                                          <p:spTgt spid="4"/>
+                                        </p:tgtEl>
+                                        <p:attrNameLst>
+                                          <p:attrName>ppt_h</p:attrName>
+                                        </p:attrNameLst>
+                                      </p:cBhvr>
+                                      <p:tavLst>
+                                        <p:tav tm="0">
+                                          <p:val>
+                                            <p:fltVal val="0"/>
+                                          </p:val>
+                                        </p:tav>
+                                        <p:tav tm="100000">
+                                          <p:val>
+                                            <p:strVal val="#ppt_h"/>
+                                          </p:val>
+                                        </p:tav>
+                                      </p:tavLst>
+                                    </p:anim>
+                                    <p:animEffect transition="in" filter="fade">
+                                      <p:cBhvr>
+                                        <p:cTn id="9" dur="500"/>
+                                        <p:tgtEl>
+                                          <p:spTgt spid="4"/>
+                                        </p:tgtEl>
+                                      </p:cBhvr>
+                                    </p:animEffect>
+                                  </p:childTnLst>
+                                </p:cTn>
+                              </p:par>
+                              <p:par>
+                                <p:cTn id="10" presetID="53" presetClass="entr" presetSubtype="16" fill="hold" grpId="0" nodeType="withEffect">
+                                  <p:stCondLst>
+                                    <p:cond delay="0"/>
+                                  </p:stCondLst>
+                                  <p:childTnLst>
+                                    <p:set>
+                                      <p:cBhvr>
+                                        <p:cTn id="11" dur="1" fill="hold">
+                                          <p:stCondLst>
+                                            <p:cond delay="0"/>
+                                          </p:stCondLst>
+                                        </p:cTn>
+                                        <p:tgtEl>
+                                          <p:spTgt spid="6"/>
+                                        </p:tgtEl>
+                                        <p:attrNameLst>
+                                          <p:attrName>style.visibility</p:attrName>
+                                        </p:attrNameLst>
+                                      </p:cBhvr>
+                                      <p:to>
+                                        <p:strVal val="visible"/>
+                                      </p:to>
+                                    </p:set>
+                                    <p:anim calcmode="lin" valueType="num">
+                                      <p:cBhvr>
+                                        <p:cTn id="12" dur="500" fill="hold"/>
+                                        <p:tgtEl>
+                                          <p:spTgt spid="6"/>
+                                        </p:tgtEl>
+                                        <p:attrNameLst>
+                                          <p:attrName>ppt_w</p:attrName>
+                                        </p:attrNameLst>
+                                      </p:cBhvr>
+                                      <p:tavLst>
+                                        <p:tav tm="0">
+                                          <p:val>
+                                            <p:fltVal val="0"/>
+                                          </p:val>
+                                        </p:tav>
+                                        <p:tav tm="100000">
+                                          <p:val>
+                                            <p:strVal val="#ppt_w"/>
+                                          </p:val>
+                                        </p:tav>
+                                      </p:tavLst>
+                                    </p:anim>
+                                    <p:anim calcmode="lin" valueType="num">
+                                      <p:cBhvr>
+                                        <p:cTn id="13" dur="500" fill="hold"/>
+                                        <p:tgtEl>
+                                          <p:spTgt spid="6"/>
+                                        </p:tgtEl>
+                                        <p:attrNameLst>
+                                          <p:attrName>ppt_h</p:attrName>
+                                        </p:attrNameLst>
+                                      </p:cBhvr>
+                                      <p:tavLst>
+                                        <p:tav tm="0">
+                                          <p:val>
+                                            <p:fltVal val="0"/>
+                                          </p:val>
+                                        </p:tav>
+                                        <p:tav tm="100000">
+                                          <p:val>
+                                            <p:strVal val="#ppt_h"/>
+                                          </p:val>
+                                        </p:tav>
+                                      </p:tavLst>
+                                    </p:anim>
+                                    <p:animEffect transition="in" filter="fade">
+                                      <p:cBhvr>
+                                        <p:cTn id="14" dur="500"/>
+                                        <p:tgtEl>
+                                          <p:spTgt spid="6"/>
+                                        </p:tgtEl>
+                                      </p:cBhvr>
+                                    </p:animEffect>
+                                  </p:childTnLst>
+                                </p:cTn>
+                              </p:par>
+                            </p:childTnLst>
+                          </p:cTn>
+                        </p:par>
+                      </p:childTnLst>
+                    </p:cTn>
+                  </p:par>
+                  <p:par>
+                    <p:cTn id="15" fill="hold">
+                      <p:stCondLst>
+                        <p:cond delay="indefinite"/>
+                      </p:stCondLst>
+                      <p:childTnLst>
+                        <p:par>
+                          <p:cTn id="16" fill="hold">
+                            <p:stCondLst>
+                              <p:cond delay="0"/>
+                            </p:stCondLst>
+                            <p:childTnLst>
+                              <p:par>
+                                <p:cTn id="17" presetID="53" presetClass="entr" presetSubtype="16" fill="hold" grpId="0" nodeType="clickEffect">
+                                  <p:stCondLst>
+                                    <p:cond delay="0"/>
+                                  </p:stCondLst>
+                                  <p:childTnLst>
+                                    <p:set>
+                                      <p:cBhvr>
+                                        <p:cTn id="18" dur="1" fill="hold">
+                                          <p:stCondLst>
+                                            <p:cond delay="0"/>
+                                          </p:stCondLst>
+                                        </p:cTn>
+                                        <p:tgtEl>
+                                          <p:spTgt spid="7"/>
+                                        </p:tgtEl>
+                                        <p:attrNameLst>
+                                          <p:attrName>style.visibility</p:attrName>
+                                        </p:attrNameLst>
+                                      </p:cBhvr>
+                                      <p:to>
+                                        <p:strVal val="visible"/>
+                                      </p:to>
+                                    </p:set>
+                                    <p:anim calcmode="lin" valueType="num">
+                                      <p:cBhvr>
+                                        <p:cTn id="19" dur="500" fill="hold"/>
+                                        <p:tgtEl>
+                                          <p:spTgt spid="7"/>
+                                        </p:tgtEl>
+                                        <p:attrNameLst>
+                                          <p:attrName>ppt_w</p:attrName>
+                                        </p:attrNameLst>
+                                      </p:cBhvr>
+                                      <p:tavLst>
+                                        <p:tav tm="0">
+                                          <p:val>
+                                            <p:fltVal val="0"/>
+                                          </p:val>
+                                        </p:tav>
+                                        <p:tav tm="100000">
+                                          <p:val>
+                                            <p:strVal val="#ppt_w"/>
+                                          </p:val>
+                                        </p:tav>
+                                      </p:tavLst>
+                                    </p:anim>
+                                    <p:anim calcmode="lin" valueType="num">
+                                      <p:cBhvr>
+                                        <p:cTn id="20" dur="500" fill="hold"/>
+                                        <p:tgtEl>
+                                          <p:spTgt spid="7"/>
+                                        </p:tgtEl>
+                                        <p:attrNameLst>
+                                          <p:attrName>ppt_h</p:attrName>
+                                        </p:attrNameLst>
+                                      </p:cBhvr>
+                                      <p:tavLst>
+                                        <p:tav tm="0">
+                                          <p:val>
+                                            <p:fltVal val="0"/>
+                                          </p:val>
+                                        </p:tav>
+                                        <p:tav tm="100000">
+                                          <p:val>
+                                            <p:strVal val="#ppt_h"/>
+                                          </p:val>
+                                        </p:tav>
+                                      </p:tavLst>
+                                    </p:anim>
+                                    <p:animEffect transition="in" filter="fade">
+                                      <p:cBhvr>
+                                        <p:cTn id="21" dur="500"/>
+                                        <p:tgtEl>
+                                          <p:spTgt spid="7"/>
+                                        </p:tgtEl>
+                                      </p:cBhvr>
+                                    </p:animEffect>
+                                  </p:childTnLst>
+                                </p:cTn>
+                              </p:par>
+                              <p:par>
+                                <p:cTn id="22" presetID="53" presetClass="entr" presetSubtype="16" fill="hold" nodeType="withEffect">
+                                  <p:stCondLst>
+                                    <p:cond delay="0"/>
+                                  </p:stCondLst>
+                                  <p:childTnLst>
+                                    <p:set>
+                                      <p:cBhvr>
+                                        <p:cTn id="23" dur="1" fill="hold">
+                                          <p:stCondLst>
+                                            <p:cond delay="0"/>
+                                          </p:stCondLst>
+                                        </p:cTn>
+                                        <p:tgtEl>
+                                          <p:spTgt spid="5"/>
+                                        </p:tgtEl>
+                                        <p:attrNameLst>
+                                          <p:attrName>style.visibility</p:attrName>
+                                        </p:attrNameLst>
+                                      </p:cBhvr>
+                                      <p:to>
+                                        <p:strVal val="visible"/>
+                                      </p:to>
+                                    </p:set>
+                                    <p:anim calcmode="lin" valueType="num">
+                                      <p:cBhvr>
+                                        <p:cTn id="24" dur="500" fill="hold"/>
+                                        <p:tgtEl>
+                                          <p:spTgt spid="5"/>
+                                        </p:tgtEl>
+                                        <p:attrNameLst>
+                                          <p:attrName>ppt_w</p:attrName>
+                                        </p:attrNameLst>
+                                      </p:cBhvr>
+                                      <p:tavLst>
+                                        <p:tav tm="0">
+                                          <p:val>
+                                            <p:fltVal val="0"/>
+                                          </p:val>
+                                        </p:tav>
+                                        <p:tav tm="100000">
+                                          <p:val>
+                                            <p:strVal val="#ppt_w"/>
+                                          </p:val>
+                                        </p:tav>
+                                      </p:tavLst>
+                                    </p:anim>
+                                    <p:anim calcmode="lin" valueType="num">
+                                      <p:cBhvr>
+                                        <p:cTn id="25" dur="500" fill="hold"/>
+                                        <p:tgtEl>
+                                          <p:spTgt spid="5"/>
+                                        </p:tgtEl>
+                                        <p:attrNameLst>
+                                          <p:attrName>ppt_h</p:attrName>
+                                        </p:attrNameLst>
+                                      </p:cBhvr>
+                                      <p:tavLst>
+                                        <p:tav tm="0">
+                                          <p:val>
+                                            <p:fltVal val="0"/>
+                                          </p:val>
+                                        </p:tav>
+                                        <p:tav tm="100000">
+                                          <p:val>
+                                            <p:strVal val="#ppt_h"/>
+                                          </p:val>
+                                        </p:tav>
+                                      </p:tavLst>
+                                    </p:anim>
+                                    <p:animEffect transition="in" filter="fade">
+                                      <p:cBhvr>
+                                        <p:cTn id="26" dur="500"/>
+                                        <p:tgtEl>
+                                          <p:spTgt spid="5"/>
+                                        </p:tgtEl>
+                                      </p:cBhvr>
+                                    </p:animEffect>
+                                  </p:childTnLst>
+                                </p:cTn>
+                              </p:par>
+                            </p:childTnLst>
+                          </p:cTn>
+                        </p:par>
+                      </p:childTnLst>
+                    </p:cTn>
+                  </p:par>
+                </p:childTnLst>
+              </p:cTn>
+              <p:prevCondLst>
+                <p:cond evt="onPrev" delay="0">
+                  <p:tgtEl>
+                    <p:sldTgt/>
+                  </p:tgtEl>
+                </p:cond>
+              </p:prevCondLst>
+              <p:nextCondLst>
+                <p:cond evt="onNext" delay="0">
+                  <p:tgtEl>
+                    <p:sldTgt/>
+                  </p:tgtEl>
+                </p:cond>
+              </p:nextCondLst>
+            </p:seq>
+          </p:childTnLst>
+        </p:cTn>
+      </p:par>
+    </p:tnLst>
+    <p:bldLst>
+      <p:bldP spid="6" grpId="0"/>
+      <p:bldP spid="7" grpId="0"/>
+    </p:bldLst>
+  </p:timing>
 </p:sld>
 </file>
 
@@ -4483,7 +4653,7 @@
           <p:cNvPr id="2" name="Titolo 1">
             <a:extLst>
               <a:ext uri="{FF2B5EF4-FFF2-40B4-BE49-F238E27FC236}">
-                <a16:creationId xmlns:a16="http://schemas.microsoft.com/office/drawing/2014/main" id="{BA9CBEDF-491B-D74D-BE46-7BB1EA6BF099}"/>
+                <a16:creationId xmlns:a16="http://schemas.microsoft.com/office/drawing/2014/main" id="{697CF106-D607-3340-A136-E4F8433E1D4A}"/>
               </a:ext>
             </a:extLst>
           </p:cNvPr>
@@ -4507,27 +4677,28 @@
                 <a:latin typeface="Hiragino Kaku Gothic StdN W8" panose="020B0800000000000000" pitchFamily="34" charset="-128"/>
                 <a:ea typeface="Hiragino Kaku Gothic StdN W8" panose="020B0800000000000000" pitchFamily="34" charset="-128"/>
               </a:rPr>
-              <a:t>TIPI DI POLARIZZAZIONE</a:t>
+              <a:t>FUNZIONAMENTO</a:t>
             </a:r>
-            <a:endParaRPr lang="it-IT" dirty="0"/>
+            <a:endParaRPr lang="it-IT" dirty="0">
+              <a:latin typeface="Hiragino Kaku Gothic StdN W8" panose="020B0800000000000000" pitchFamily="34" charset="-128"/>
+              <a:ea typeface="Hiragino Kaku Gothic StdN W8" panose="020B0800000000000000" pitchFamily="34" charset="-128"/>
+            </a:endParaRPr>
           </a:p>
         </p:txBody>
       </p:sp>
       <p:pic>
         <p:nvPicPr>
-          <p:cNvPr id="4" name="Segnaposto contenuto 15" descr="Immagine che contiene testo, orologio&#10;&#10;Descrizione generata automaticamente">
+          <p:cNvPr id="4" name="Immagine 3">
             <a:extLst>
               <a:ext uri="{FF2B5EF4-FFF2-40B4-BE49-F238E27FC236}">
-                <a16:creationId xmlns:a16="http://schemas.microsoft.com/office/drawing/2014/main" id="{D14D0DB8-932C-BD4E-834C-6C29F2252FC1}"/>
+                <a16:creationId xmlns:a16="http://schemas.microsoft.com/office/drawing/2014/main" id="{E0CCB7C6-8630-DC4E-AE94-8C151AF55618}"/>
               </a:ext>
             </a:extLst>
           </p:cNvPr>
           <p:cNvPicPr>
-            <a:picLocks noGrp="1" noChangeAspect="1"/>
+            <a:picLocks noChangeAspect="1"/>
           </p:cNvPicPr>
-          <p:nvPr>
-            <p:ph sz="half" idx="1"/>
-          </p:nvPr>
+          <p:nvPr/>
         </p:nvPicPr>
         <p:blipFill>
           <a:blip r:embed="rId2">
@@ -4543,133 +4714,18 @@
         </p:blipFill>
         <p:spPr>
           <a:xfrm>
-            <a:off x="2344787" y="2490853"/>
-            <a:ext cx="3098959" cy="3994355"/>
-          </a:xfrm>
-        </p:spPr>
-      </p:pic>
-      <p:pic>
-        <p:nvPicPr>
-          <p:cNvPr id="5" name="Segnaposto contenuto 17" descr="Immagine che contiene orologio, oggetto&#10;&#10;Descrizione generata automaticamente">
-            <a:extLst>
-              <a:ext uri="{FF2B5EF4-FFF2-40B4-BE49-F238E27FC236}">
-                <a16:creationId xmlns:a16="http://schemas.microsoft.com/office/drawing/2014/main" id="{8C03C84B-A0DE-9847-9F58-63C829C6477E}"/>
-              </a:ext>
-            </a:extLst>
-          </p:cNvPr>
-          <p:cNvPicPr>
-            <a:picLocks noChangeAspect="1"/>
-          </p:cNvPicPr>
-          <p:nvPr/>
-        </p:nvPicPr>
-        <p:blipFill>
-          <a:blip r:embed="rId3">
-            <a:extLst>
-              <a:ext uri="{28A0092B-C50C-407E-A947-70E740481C1C}">
-                <a14:useLocalDpi xmlns:a14="http://schemas.microsoft.com/office/drawing/2010/main" val="0"/>
-              </a:ext>
-            </a:extLst>
-          </a:blip>
-          <a:stretch>
-            <a:fillRect/>
-          </a:stretch>
-        </p:blipFill>
-        <p:spPr>
-          <a:xfrm>
-            <a:off x="6328619" y="2503554"/>
-            <a:ext cx="3041806" cy="3968954"/>
+            <a:off x="3040787" y="1690688"/>
+            <a:ext cx="6110426" cy="4401122"/>
           </a:xfrm>
           <a:prstGeom prst="rect">
             <a:avLst/>
           </a:prstGeom>
         </p:spPr>
       </p:pic>
-      <p:sp>
-        <p:nvSpPr>
-          <p:cNvPr id="6" name="CasellaDiTesto 5">
-            <a:extLst>
-              <a:ext uri="{FF2B5EF4-FFF2-40B4-BE49-F238E27FC236}">
-                <a16:creationId xmlns:a16="http://schemas.microsoft.com/office/drawing/2014/main" id="{F4A60278-07A8-9F44-9974-A54A70139C7A}"/>
-              </a:ext>
-            </a:extLst>
-          </p:cNvPr>
-          <p:cNvSpPr txBox="1"/>
-          <p:nvPr/>
-        </p:nvSpPr>
-        <p:spPr>
-          <a:xfrm>
-            <a:off x="3274828" y="1912455"/>
-            <a:ext cx="1229824" cy="369332"/>
-          </a:xfrm>
-          <a:prstGeom prst="rect">
-            <a:avLst/>
-          </a:prstGeom>
-          <a:noFill/>
-        </p:spPr>
-        <p:txBody>
-          <a:bodyPr wrap="none" rtlCol="0">
-            <a:spAutoFit/>
-          </a:bodyPr>
-          <a:lstStyle/>
-          <a:p>
-            <a:r>
-              <a:rPr lang="it-IT" dirty="0">
-                <a:solidFill>
-                  <a:srgbClr val="15243F"/>
-                </a:solidFill>
-                <a:latin typeface="Hiragino Kaku Gothic Pro W3" panose="020B0300000000000000" pitchFamily="34" charset="-128"/>
-                <a:ea typeface="Hiragino Kaku Gothic Pro W3" panose="020B0300000000000000" pitchFamily="34" charset="-128"/>
-              </a:rPr>
-              <a:t>INVERSA</a:t>
-            </a:r>
-          </a:p>
-        </p:txBody>
-      </p:sp>
-      <p:sp>
-        <p:nvSpPr>
-          <p:cNvPr id="7" name="CasellaDiTesto 6">
-            <a:extLst>
-              <a:ext uri="{FF2B5EF4-FFF2-40B4-BE49-F238E27FC236}">
-                <a16:creationId xmlns:a16="http://schemas.microsoft.com/office/drawing/2014/main" id="{618C2402-1D55-774C-9B5B-00241839774C}"/>
-              </a:ext>
-            </a:extLst>
-          </p:cNvPr>
-          <p:cNvSpPr txBox="1"/>
-          <p:nvPr/>
-        </p:nvSpPr>
-        <p:spPr>
-          <a:xfrm>
-            <a:off x="7246632" y="1912455"/>
-            <a:ext cx="1205779" cy="369332"/>
-          </a:xfrm>
-          <a:prstGeom prst="rect">
-            <a:avLst/>
-          </a:prstGeom>
-          <a:noFill/>
-        </p:spPr>
-        <p:txBody>
-          <a:bodyPr wrap="none" rtlCol="0">
-            <a:spAutoFit/>
-          </a:bodyPr>
-          <a:lstStyle/>
-          <a:p>
-            <a:r>
-              <a:rPr lang="it-IT" dirty="0">
-                <a:solidFill>
-                  <a:srgbClr val="15243F"/>
-                </a:solidFill>
-                <a:latin typeface="Hiragino Kaku Gothic Pro W3" panose="020B0300000000000000" pitchFamily="34" charset="-128"/>
-                <a:ea typeface="Hiragino Kaku Gothic Pro W3" panose="020B0300000000000000" pitchFamily="34" charset="-128"/>
-              </a:rPr>
-              <a:t>DIRETTA</a:t>
-            </a:r>
-          </a:p>
-        </p:txBody>
-      </p:sp>
     </p:spTree>
     <p:extLst>
       <p:ext uri="{BB962C8B-B14F-4D97-AF65-F5344CB8AC3E}">
-        <p14:creationId xmlns:p14="http://schemas.microsoft.com/office/powerpoint/2010/main" val="4113592996"/>
+        <p14:creationId xmlns:p14="http://schemas.microsoft.com/office/powerpoint/2010/main" val="3049174627"/>
       </p:ext>
     </p:extLst>
   </p:cSld>
@@ -4704,7 +4760,7 @@
           <p:cNvPr id="2" name="Titolo 1">
             <a:extLst>
               <a:ext uri="{FF2B5EF4-FFF2-40B4-BE49-F238E27FC236}">
-                <a16:creationId xmlns:a16="http://schemas.microsoft.com/office/drawing/2014/main" id="{697CF106-D607-3340-A136-E4F8433E1D4A}"/>
+                <a16:creationId xmlns:a16="http://schemas.microsoft.com/office/drawing/2014/main" id="{16223ABE-36FE-4411-8015-A57047588B68}"/>
               </a:ext>
             </a:extLst>
           </p:cNvPr>
@@ -4717,23 +4773,19 @@
         </p:nvSpPr>
         <p:spPr/>
         <p:txBody>
-          <a:bodyPr/>
+          <a:bodyPr>
+            <a:normAutofit/>
+          </a:bodyPr>
           <a:lstStyle/>
           <a:p>
             <a:r>
-              <a:rPr lang="it-IT" dirty="0">
+              <a:rPr lang="it-IT" sz="3600" dirty="0">
                 <a:solidFill>
                   <a:srgbClr val="E94117"/>
                 </a:solidFill>
-                <a:latin typeface="Hiragino Kaku Gothic StdN W8" panose="020B0800000000000000" pitchFamily="34" charset="-128"/>
-                <a:ea typeface="Hiragino Kaku Gothic StdN W8" panose="020B0800000000000000" pitchFamily="34" charset="-128"/>
               </a:rPr>
-              <a:t>FUNZIONAMENTO</a:t>
+              <a:t>CONDIZIONI DI LAVORO-RIVELATORI AL GERMANIO</a:t>
             </a:r>
-            <a:endParaRPr lang="it-IT" dirty="0">
-              <a:latin typeface="Hiragino Kaku Gothic StdN W8" panose="020B0800000000000000" pitchFamily="34" charset="-128"/>
-              <a:ea typeface="Hiragino Kaku Gothic StdN W8" panose="020B0800000000000000" pitchFamily="34" charset="-128"/>
-            </a:endParaRPr>
           </a:p>
         </p:txBody>
       </p:sp>
@@ -4742,7 +4794,7 @@
           <p:cNvPr id="4" name="Immagine 3">
             <a:extLst>
               <a:ext uri="{FF2B5EF4-FFF2-40B4-BE49-F238E27FC236}">
-                <a16:creationId xmlns:a16="http://schemas.microsoft.com/office/drawing/2014/main" id="{E0CCB7C6-8630-DC4E-AE94-8C151AF55618}"/>
+                <a16:creationId xmlns:a16="http://schemas.microsoft.com/office/drawing/2014/main" id="{0AC14075-9497-47D5-A141-F15E89C3A13D}"/>
               </a:ext>
             </a:extLst>
           </p:cNvPr>
@@ -4752,166 +4804,281 @@
           <p:nvPr/>
         </p:nvPicPr>
         <p:blipFill>
-          <a:blip r:embed="rId2">
-            <a:extLst>
-              <a:ext uri="{28A0092B-C50C-407E-A947-70E740481C1C}">
-                <a14:useLocalDpi xmlns:a14="http://schemas.microsoft.com/office/drawing/2010/main" val="0"/>
-              </a:ext>
-            </a:extLst>
-          </a:blip>
+          <a:blip r:embed="rId2"/>
           <a:stretch>
             <a:fillRect/>
           </a:stretch>
         </p:blipFill>
         <p:spPr>
           <a:xfrm>
-            <a:off x="3040787" y="1690688"/>
-            <a:ext cx="6110426" cy="4401122"/>
+            <a:off x="0" y="1991360"/>
+            <a:ext cx="6096000" cy="4866640"/>
           </a:xfrm>
           <a:prstGeom prst="rect">
             <a:avLst/>
           </a:prstGeom>
         </p:spPr>
       </p:pic>
-    </p:spTree>
-    <p:extLst>
-      <p:ext uri="{BB962C8B-B14F-4D97-AF65-F5344CB8AC3E}">
-        <p14:creationId xmlns:p14="http://schemas.microsoft.com/office/powerpoint/2010/main" val="3049174627"/>
-      </p:ext>
-    </p:extLst>
-  </p:cSld>
-  <p:clrMapOvr>
-    <a:masterClrMapping/>
-  </p:clrMapOvr>
-  <p:transition spd="med">
-    <p:pull/>
-  </p:transition>
-</p:sld>
-</file>
-
-<file path=ppt/slides/slide14.xml><?xml version="1.0" encoding="utf-8"?>
-<p:sld xmlns:a="http://schemas.openxmlformats.org/drawingml/2006/main" xmlns:r="http://schemas.openxmlformats.org/officeDocument/2006/relationships" xmlns:p="http://schemas.openxmlformats.org/presentationml/2006/main">
-  <p:cSld>
-    <p:spTree>
-      <p:nvGrpSpPr>
-        <p:cNvPr id="1" name=""/>
-        <p:cNvGrpSpPr/>
-        <p:nvPr/>
-      </p:nvGrpSpPr>
-      <p:grpSpPr>
-        <a:xfrm>
-          <a:off x="0" y="0"/>
-          <a:ext cx="0" cy="0"/>
-          <a:chOff x="0" y="0"/>
-          <a:chExt cx="0" cy="0"/>
-        </a:xfrm>
-      </p:grpSpPr>
+      <p:pic>
+        <p:nvPicPr>
+          <p:cNvPr id="6" name="Immagine 5">
+            <a:extLst>
+              <a:ext uri="{FF2B5EF4-FFF2-40B4-BE49-F238E27FC236}">
+                <a16:creationId xmlns:a16="http://schemas.microsoft.com/office/drawing/2014/main" id="{01F0A92E-F287-4D89-96CD-3ADDDDFBFCF8}"/>
+              </a:ext>
+            </a:extLst>
+          </p:cNvPr>
+          <p:cNvPicPr>
+            <a:picLocks noChangeAspect="1"/>
+          </p:cNvPicPr>
+          <p:nvPr/>
+        </p:nvPicPr>
+        <p:blipFill>
+          <a:blip r:embed="rId3"/>
+          <a:stretch>
+            <a:fillRect/>
+          </a:stretch>
+        </p:blipFill>
+        <p:spPr>
+          <a:xfrm>
+            <a:off x="0" y="4429760"/>
+            <a:ext cx="6096528" cy="2425489"/>
+          </a:xfrm>
+          <a:prstGeom prst="rect">
+            <a:avLst/>
+          </a:prstGeom>
+        </p:spPr>
+      </p:pic>
+      <p:pic>
+        <p:nvPicPr>
+          <p:cNvPr id="7" name="Immagine 6">
+            <a:extLst>
+              <a:ext uri="{FF2B5EF4-FFF2-40B4-BE49-F238E27FC236}">
+                <a16:creationId xmlns:a16="http://schemas.microsoft.com/office/drawing/2014/main" id="{8AA05FE5-9A68-48B1-9D9B-F6B4226C1917}"/>
+              </a:ext>
+            </a:extLst>
+          </p:cNvPr>
+          <p:cNvPicPr>
+            <a:picLocks noChangeAspect="1"/>
+          </p:cNvPicPr>
+          <p:nvPr/>
+        </p:nvPicPr>
+        <p:blipFill>
+          <a:blip r:embed="rId4"/>
+          <a:stretch>
+            <a:fillRect/>
+          </a:stretch>
+        </p:blipFill>
+        <p:spPr>
+          <a:xfrm>
+            <a:off x="6096528" y="1991360"/>
+            <a:ext cx="6096000" cy="4866640"/>
+          </a:xfrm>
+          <a:prstGeom prst="rect">
+            <a:avLst/>
+          </a:prstGeom>
+        </p:spPr>
+      </p:pic>
+      <p:pic>
+        <p:nvPicPr>
+          <p:cNvPr id="8" name="Immagine 7">
+            <a:extLst>
+              <a:ext uri="{FF2B5EF4-FFF2-40B4-BE49-F238E27FC236}">
+                <a16:creationId xmlns:a16="http://schemas.microsoft.com/office/drawing/2014/main" id="{03FEB5EE-9870-41A5-A5CA-09427230D1E7}"/>
+              </a:ext>
+            </a:extLst>
+          </p:cNvPr>
+          <p:cNvPicPr>
+            <a:picLocks noChangeAspect="1"/>
+          </p:cNvPicPr>
+          <p:nvPr/>
+        </p:nvPicPr>
+        <p:blipFill>
+          <a:blip r:embed="rId5"/>
+          <a:stretch>
+            <a:fillRect/>
+          </a:stretch>
+        </p:blipFill>
+        <p:spPr>
+          <a:xfrm>
+            <a:off x="6096528" y="4431582"/>
+            <a:ext cx="6096528" cy="2426418"/>
+          </a:xfrm>
+          <a:prstGeom prst="rect">
+            <a:avLst/>
+          </a:prstGeom>
+        </p:spPr>
+      </p:pic>
       <p:sp>
         <p:nvSpPr>
-          <p:cNvPr id="2" name="Titolo 1">
+          <p:cNvPr id="9" name="CasellaDiTesto 8">
             <a:extLst>
               <a:ext uri="{FF2B5EF4-FFF2-40B4-BE49-F238E27FC236}">
-                <a16:creationId xmlns:a16="http://schemas.microsoft.com/office/drawing/2014/main" id="{9AEEECBA-3A24-1143-9DA3-8CAA9FDFDAC9}"/>
+                <a16:creationId xmlns:a16="http://schemas.microsoft.com/office/drawing/2014/main" id="{0D336734-2C11-442F-AB37-550BB2873D36}"/>
               </a:ext>
             </a:extLst>
           </p:cNvPr>
-          <p:cNvSpPr>
-            <a:spLocks noGrp="1"/>
-          </p:cNvSpPr>
-          <p:nvPr>
-            <p:ph type="title"/>
-          </p:nvPr>
+          <p:cNvSpPr txBox="1"/>
+          <p:nvPr/>
         </p:nvSpPr>
-        <p:spPr/>
+        <p:spPr>
+          <a:xfrm>
+            <a:off x="264160" y="2203381"/>
+            <a:ext cx="2997200" cy="584775"/>
+          </a:xfrm>
+          <a:prstGeom prst="rect">
+            <a:avLst/>
+          </a:prstGeom>
+          <a:noFill/>
+        </p:spPr>
         <p:txBody>
-          <a:bodyPr/>
+          <a:bodyPr wrap="square" rtlCol="0">
+            <a:spAutoFit/>
+          </a:bodyPr>
           <a:lstStyle/>
           <a:p>
             <a:r>
-              <a:rPr lang="it-IT" dirty="0">
-                <a:solidFill>
-                  <a:srgbClr val="E94117"/>
-                </a:solidFill>
-                <a:latin typeface="Hiragino Kaku Gothic StdN W8" panose="020B0800000000000000" pitchFamily="34" charset="-128"/>
-                <a:ea typeface="Hiragino Kaku Gothic StdN W8" panose="020B0800000000000000" pitchFamily="34" charset="-128"/>
+              <a:rPr lang="it-IT" sz="3200" dirty="0">
+                <a:solidFill>
+                  <a:schemeClr val="bg1"/>
+                </a:solidFill>
               </a:rPr>
-              <a:t>CONDIZIONI DI LAVORO</a:t>
+              <a:t>Polarizzazione</a:t>
             </a:r>
-            <a:endParaRPr lang="it-IT" dirty="0"/>
           </a:p>
         </p:txBody>
       </p:sp>
       <p:sp>
         <p:nvSpPr>
-          <p:cNvPr id="3" name="Segnaposto contenuto 2">
+          <p:cNvPr id="14" name="CasellaDiTesto 13">
             <a:extLst>
               <a:ext uri="{FF2B5EF4-FFF2-40B4-BE49-F238E27FC236}">
-                <a16:creationId xmlns:a16="http://schemas.microsoft.com/office/drawing/2014/main" id="{CAF765BB-1D31-474E-BB8E-00B635DD1956}"/>
+                <a16:creationId xmlns:a16="http://schemas.microsoft.com/office/drawing/2014/main" id="{CB0C587D-C6D5-4391-8C8F-860BEBED1990}"/>
               </a:ext>
             </a:extLst>
           </p:cNvPr>
-          <p:cNvSpPr>
-            <a:spLocks noGrp="1"/>
-          </p:cNvSpPr>
-          <p:nvPr>
-            <p:ph idx="1"/>
-          </p:nvPr>
+          <p:cNvSpPr txBox="1"/>
+          <p:nvPr/>
         </p:nvSpPr>
         <p:spPr>
           <a:xfrm>
-            <a:off x="838200" y="2364156"/>
-            <a:ext cx="10515600" cy="2129687"/>
+            <a:off x="6390640" y="2203381"/>
+            <a:ext cx="3525520" cy="584775"/>
           </a:xfrm>
+          <a:prstGeom prst="rect">
+            <a:avLst/>
+          </a:prstGeom>
+          <a:noFill/>
         </p:spPr>
         <p:txBody>
-          <a:bodyPr/>
+          <a:bodyPr wrap="square" rtlCol="0">
+            <a:spAutoFit/>
+          </a:bodyPr>
           <a:lstStyle/>
           <a:p>
             <a:r>
-              <a:rPr lang="it-IT" dirty="0">
-                <a:latin typeface="Hiragino Kaku Gothic Pro W3" panose="020B0300000000000000" pitchFamily="34" charset="-128"/>
-                <a:ea typeface="Hiragino Kaku Gothic Pro W3" panose="020B0300000000000000" pitchFamily="34" charset="-128"/>
-              </a:rPr>
-              <a:t>Polarizzazione</a:t>
-            </a:r>
-          </a:p>
-          <a:p>
-            <a:r>
-              <a:rPr lang="it-IT" dirty="0">
-                <a:latin typeface="Hiragino Kaku Gothic Pro W3" panose="020B0300000000000000" pitchFamily="34" charset="-128"/>
-                <a:ea typeface="Hiragino Kaku Gothic Pro W3" panose="020B0300000000000000" pitchFamily="34" charset="-128"/>
+              <a:rPr lang="it-IT" sz="3200" dirty="0">
+                <a:solidFill>
+                  <a:schemeClr val="bg1"/>
+                </a:solidFill>
               </a:rPr>
               <a:t>Temperatura</a:t>
             </a:r>
           </a:p>
+        </p:txBody>
+      </p:sp>
+      <p:sp>
+        <p:nvSpPr>
+          <p:cNvPr id="15" name="Freccia in giù 14">
+            <a:extLst>
+              <a:ext uri="{FF2B5EF4-FFF2-40B4-BE49-F238E27FC236}">
+                <a16:creationId xmlns:a16="http://schemas.microsoft.com/office/drawing/2014/main" id="{895E6351-6F53-48BD-9FE1-9AA8CB96FA89}"/>
+              </a:ext>
+            </a:extLst>
+          </p:cNvPr>
+          <p:cNvSpPr/>
+          <p:nvPr/>
+        </p:nvSpPr>
+        <p:spPr>
+          <a:xfrm>
+            <a:off x="7233920" y="2826398"/>
+            <a:ext cx="558800" cy="545958"/>
+          </a:xfrm>
+          <a:prstGeom prst="downArrow">
+            <a:avLst/>
+          </a:prstGeom>
+          <a:solidFill>
+            <a:schemeClr val="bg1"/>
+          </a:solidFill>
+        </p:spPr>
+        <p:style>
+          <a:lnRef idx="2">
+            <a:schemeClr val="accent1">
+              <a:shade val="50000"/>
+            </a:schemeClr>
+          </a:lnRef>
+          <a:fillRef idx="1">
+            <a:schemeClr val="accent1"/>
+          </a:fillRef>
+          <a:effectRef idx="0">
+            <a:schemeClr val="accent1"/>
+          </a:effectRef>
+          <a:fontRef idx="minor">
+            <a:schemeClr val="lt1"/>
+          </a:fontRef>
+        </p:style>
+        <p:txBody>
+          <a:bodyPr rtlCol="0" anchor="ctr"/>
+          <a:lstStyle/>
+          <a:p>
+            <a:pPr algn="ctr"/>
+            <a:endParaRPr lang="it-IT"/>
+          </a:p>
+        </p:txBody>
+      </p:sp>
+      <p:sp>
+        <p:nvSpPr>
+          <p:cNvPr id="19" name="CasellaDiTesto 18">
+            <a:extLst>
+              <a:ext uri="{FF2B5EF4-FFF2-40B4-BE49-F238E27FC236}">
+                <a16:creationId xmlns:a16="http://schemas.microsoft.com/office/drawing/2014/main" id="{60B54140-1CCB-4AE8-9D45-254A58719656}"/>
+              </a:ext>
+            </a:extLst>
+          </p:cNvPr>
+          <p:cNvSpPr txBox="1"/>
+          <p:nvPr/>
+        </p:nvSpPr>
+        <p:spPr>
+          <a:xfrm>
+            <a:off x="264160" y="5103895"/>
+            <a:ext cx="3759200" cy="1077218"/>
+          </a:xfrm>
+          <a:prstGeom prst="rect">
+            <a:avLst/>
+          </a:prstGeom>
+          <a:noFill/>
+        </p:spPr>
+        <p:txBody>
+          <a:bodyPr wrap="square" rtlCol="0">
+            <a:spAutoFit/>
+          </a:bodyPr>
+          <a:lstStyle/>
           <a:p>
             <a:r>
-              <a:rPr lang="it-IT" dirty="0">
-                <a:latin typeface="Hiragino Kaku Gothic Pro W3" panose="020B0300000000000000" pitchFamily="34" charset="-128"/>
-                <a:ea typeface="Hiragino Kaku Gothic Pro W3" panose="020B0300000000000000" pitchFamily="34" charset="-128"/>
-              </a:rPr>
+              <a:rPr lang="it-IT" sz="3200" dirty="0"/>
               <a:t>Regione di svuotamento</a:t>
             </a:r>
           </a:p>
-          <a:p>
-            <a:r>
-              <a:rPr lang="it-IT" dirty="0">
-                <a:latin typeface="Hiragino Kaku Gothic Pro W3" panose="020B0300000000000000" pitchFamily="34" charset="-128"/>
-                <a:ea typeface="Hiragino Kaku Gothic Pro W3" panose="020B0300000000000000" pitchFamily="34" charset="-128"/>
-              </a:rPr>
-              <a:t>Risoluzione</a:t>
-            </a:r>
-          </a:p>
         </p:txBody>
       </p:sp>
-      <mc:AlternateContent xmlns:mc="http://schemas.openxmlformats.org/markup-compatibility/2006" xmlns:a14="http://schemas.microsoft.com/office/drawing/2010/main">
-        <mc:Choice Requires="a14">
+      <mc:AlternateContent xmlns:mc="http://schemas.openxmlformats.org/markup-compatibility/2006">
+        <mc:Choice xmlns:a14="http://schemas.microsoft.com/office/drawing/2010/main" Requires="a14">
           <p:sp>
             <p:nvSpPr>
-              <p:cNvPr id="4" name="CasellaDiTesto 3">
+              <p:cNvPr id="21" name="CasellaDiTesto 20">
                 <a:extLst>
                   <a:ext uri="{FF2B5EF4-FFF2-40B4-BE49-F238E27FC236}">
-                    <a16:creationId xmlns:a16="http://schemas.microsoft.com/office/drawing/2014/main" id="{76C95D7B-7C24-2146-AA8A-6F033A7603FD}"/>
+                    <a16:creationId xmlns:a16="http://schemas.microsoft.com/office/drawing/2014/main" id="{62BB405D-7066-43B6-BA79-FA333EFB5D5E}"/>
                   </a:ext>
                 </a:extLst>
               </p:cNvPr>
@@ -4920,8 +5087,8 @@
             </p:nvSpPr>
             <p:spPr>
               <a:xfrm>
-                <a:off x="7008953" y="2655325"/>
-                <a:ext cx="3881120" cy="1547347"/>
+                <a:off x="3834532" y="4836536"/>
+                <a:ext cx="1875898" cy="1455014"/>
               </a:xfrm>
               <a:prstGeom prst="rect">
                 <a:avLst/>
@@ -4929,12 +5096,11 @@
               <a:noFill/>
             </p:spPr>
             <p:txBody>
-              <a:bodyPr wrap="square" rtlCol="0">
+              <a:bodyPr wrap="none" lIns="0" tIns="0" rIns="0" bIns="0" rtlCol="0">
                 <a:spAutoFit/>
               </a:bodyPr>
               <a:lstStyle/>
               <a:p>
-                <a:pPr/>
                 <a14:m>
                   <m:oMathPara xmlns:m="http://schemas.openxmlformats.org/officeDocument/2006/math">
                     <m:oMathParaPr>
@@ -5017,13 +5183,13 @@
             </p:txBody>
           </p:sp>
         </mc:Choice>
-        <mc:Fallback xmlns="">
+        <mc:Fallback>
           <p:sp>
             <p:nvSpPr>
-              <p:cNvPr id="4" name="CasellaDiTesto 3">
+              <p:cNvPr id="21" name="CasellaDiTesto 20">
                 <a:extLst>
                   <a:ext uri="{FF2B5EF4-FFF2-40B4-BE49-F238E27FC236}">
-                    <a16:creationId xmlns:a16="http://schemas.microsoft.com/office/drawing/2014/main" id="{76C95D7B-7C24-2146-AA8A-6F033A7603FD}"/>
+                    <a16:creationId xmlns:a16="http://schemas.microsoft.com/office/drawing/2014/main" id="{62BB405D-7066-43B6-BA79-FA333EFB5D5E}"/>
                   </a:ext>
                 </a:extLst>
               </p:cNvPr>
@@ -5034,14 +5200,14 @@
             </p:nvSpPr>
             <p:spPr>
               <a:xfrm>
-                <a:off x="7008953" y="2655325"/>
-                <a:ext cx="3881120" cy="1547347"/>
+                <a:off x="3834532" y="4836536"/>
+                <a:ext cx="1875898" cy="1455014"/>
               </a:xfrm>
               <a:prstGeom prst="rect">
                 <a:avLst/>
               </a:prstGeom>
               <a:blipFill>
-                <a:blip r:embed="rId2"/>
+                <a:blip r:embed="rId6"/>
                 <a:stretch>
                   <a:fillRect/>
                 </a:stretch>
@@ -5062,23 +5228,2338 @@
           </p:sp>
         </mc:Fallback>
       </mc:AlternateContent>
+      <p:sp>
+        <p:nvSpPr>
+          <p:cNvPr id="23" name="Freccia in giù 22">
+            <a:extLst>
+              <a:ext uri="{FF2B5EF4-FFF2-40B4-BE49-F238E27FC236}">
+                <a16:creationId xmlns:a16="http://schemas.microsoft.com/office/drawing/2014/main" id="{82953ADA-EA59-4F38-8D26-A869D920AA99}"/>
+              </a:ext>
+            </a:extLst>
+          </p:cNvPr>
+          <p:cNvSpPr/>
+          <p:nvPr/>
+        </p:nvSpPr>
+        <p:spPr>
+          <a:xfrm rot="16200000">
+            <a:off x="3048000" y="5419780"/>
+            <a:ext cx="558800" cy="545958"/>
+          </a:xfrm>
+          <a:prstGeom prst="downArrow">
+            <a:avLst/>
+          </a:prstGeom>
+          <a:solidFill>
+            <a:schemeClr val="bg1"/>
+          </a:solidFill>
+        </p:spPr>
+        <p:style>
+          <a:lnRef idx="2">
+            <a:schemeClr val="accent1">
+              <a:shade val="50000"/>
+            </a:schemeClr>
+          </a:lnRef>
+          <a:fillRef idx="1">
+            <a:schemeClr val="accent1"/>
+          </a:fillRef>
+          <a:effectRef idx="0">
+            <a:schemeClr val="accent1"/>
+          </a:effectRef>
+          <a:fontRef idx="minor">
+            <a:schemeClr val="lt1"/>
+          </a:fontRef>
+        </p:style>
+        <p:txBody>
+          <a:bodyPr rtlCol="0" anchor="ctr"/>
+          <a:lstStyle/>
+          <a:p>
+            <a:pPr algn="ctr"/>
+            <a:endParaRPr lang="it-IT"/>
+          </a:p>
+        </p:txBody>
+      </p:sp>
+      <mc:AlternateContent xmlns:mc="http://schemas.openxmlformats.org/markup-compatibility/2006">
+        <mc:Choice xmlns:a14="http://schemas.microsoft.com/office/drawing/2010/main" Requires="a14">
+          <p:sp>
+            <p:nvSpPr>
+              <p:cNvPr id="24" name="CasellaDiTesto 23">
+                <a:extLst>
+                  <a:ext uri="{FF2B5EF4-FFF2-40B4-BE49-F238E27FC236}">
+                    <a16:creationId xmlns:a16="http://schemas.microsoft.com/office/drawing/2014/main" id="{289D9B84-F96B-45D9-8032-78BCC1C8EA90}"/>
+                  </a:ext>
+                </a:extLst>
+              </p:cNvPr>
+              <p:cNvSpPr txBox="1"/>
+              <p:nvPr/>
+            </p:nvSpPr>
+            <p:spPr>
+              <a:xfrm>
+                <a:off x="6390640" y="3431106"/>
+                <a:ext cx="4013150" cy="586251"/>
+              </a:xfrm>
+              <a:prstGeom prst="rect">
+                <a:avLst/>
+              </a:prstGeom>
+              <a:noFill/>
+            </p:spPr>
+            <p:txBody>
+              <a:bodyPr wrap="none" lIns="0" tIns="0" rIns="0" bIns="0" rtlCol="0">
+                <a:spAutoFit/>
+              </a:bodyPr>
+              <a:lstStyle/>
+              <a:p>
+                <a14:m>
+                  <m:oMathPara xmlns:m="http://schemas.openxmlformats.org/officeDocument/2006/math">
+                    <m:oMathParaPr>
+                      <m:jc m:val="centerGroup"/>
+                    </m:oMathParaPr>
+                    <m:oMath xmlns:m="http://schemas.openxmlformats.org/officeDocument/2006/math">
+                      <m:sSub>
+                        <m:sSubPr>
+                          <m:ctrlPr>
+                            <a:rPr lang="it-IT" sz="3200" i="1" smtClean="0">
+                              <a:solidFill>
+                                <a:schemeClr val="bg1"/>
+                              </a:solidFill>
+                              <a:latin typeface="Cambria Math" panose="02040503050406030204" pitchFamily="18" charset="0"/>
+                            </a:rPr>
+                          </m:ctrlPr>
+                        </m:sSubPr>
+                        <m:e>
+                          <m:r>
+                            <a:rPr lang="it-IT" sz="3200" i="1" smtClean="0">
+                              <a:solidFill>
+                                <a:schemeClr val="bg1"/>
+                              </a:solidFill>
+                              <a:latin typeface="Cambria Math" panose="02040503050406030204" pitchFamily="18" charset="0"/>
+                            </a:rPr>
+                            <m:t>𝐼</m:t>
+                          </m:r>
+                        </m:e>
+                        <m:sub>
+                          <m:r>
+                            <a:rPr lang="it-IT" sz="3200" b="0" i="1" smtClean="0">
+                              <a:solidFill>
+                                <a:schemeClr val="bg1"/>
+                              </a:solidFill>
+                              <a:latin typeface="Cambria Math" panose="02040503050406030204" pitchFamily="18" charset="0"/>
+                            </a:rPr>
+                            <m:t>𝑓𝑢𝑔𝑎</m:t>
+                          </m:r>
+                        </m:sub>
+                      </m:sSub>
+                      <m:r>
+                        <a:rPr lang="it-IT" sz="3200" i="1" smtClean="0">
+                          <a:solidFill>
+                            <a:schemeClr val="bg1"/>
+                          </a:solidFill>
+                          <a:latin typeface="Cambria Math" panose="02040503050406030204" pitchFamily="18" charset="0"/>
+                        </a:rPr>
+                        <m:t>=</m:t>
+                      </m:r>
+                      <m:sSup>
+                        <m:sSupPr>
+                          <m:ctrlPr>
+                            <a:rPr lang="it-IT" sz="3200" i="1" smtClean="0">
+                              <a:solidFill>
+                                <a:schemeClr val="bg1"/>
+                              </a:solidFill>
+                              <a:latin typeface="Cambria Math" panose="02040503050406030204" pitchFamily="18" charset="0"/>
+                            </a:rPr>
+                          </m:ctrlPr>
+                        </m:sSupPr>
+                        <m:e>
+                          <m:r>
+                            <a:rPr lang="it-IT" sz="3200" i="1" smtClean="0">
+                              <a:solidFill>
+                                <a:schemeClr val="bg1"/>
+                              </a:solidFill>
+                              <a:latin typeface="Cambria Math" panose="02040503050406030204" pitchFamily="18" charset="0"/>
+                            </a:rPr>
+                            <m:t>𝑇</m:t>
+                          </m:r>
+                        </m:e>
+                        <m:sup>
+                          <m:f>
+                            <m:fPr>
+                              <m:type m:val="lin"/>
+                              <m:ctrlPr>
+                                <a:rPr lang="it-IT" sz="3200" i="1" smtClean="0">
+                                  <a:solidFill>
+                                    <a:schemeClr val="bg1"/>
+                                  </a:solidFill>
+                                  <a:latin typeface="Cambria Math" panose="02040503050406030204" pitchFamily="18" charset="0"/>
+                                </a:rPr>
+                              </m:ctrlPr>
+                            </m:fPr>
+                            <m:num>
+                              <m:r>
+                                <a:rPr lang="it-IT" sz="3200" i="1" smtClean="0">
+                                  <a:solidFill>
+                                    <a:schemeClr val="bg1"/>
+                                  </a:solidFill>
+                                  <a:latin typeface="Cambria Math" panose="02040503050406030204" pitchFamily="18" charset="0"/>
+                                </a:rPr>
+                                <m:t>3</m:t>
+                              </m:r>
+                            </m:num>
+                            <m:den>
+                              <m:r>
+                                <a:rPr lang="it-IT" sz="3200" i="1" smtClean="0">
+                                  <a:solidFill>
+                                    <a:schemeClr val="bg1"/>
+                                  </a:solidFill>
+                                  <a:latin typeface="Cambria Math" panose="02040503050406030204" pitchFamily="18" charset="0"/>
+                                </a:rPr>
+                                <m:t>2</m:t>
+                              </m:r>
+                            </m:den>
+                          </m:f>
+                        </m:sup>
+                      </m:sSup>
+                      <m:sSup>
+                        <m:sSupPr>
+                          <m:ctrlPr>
+                            <a:rPr lang="it-IT" sz="3200" i="1" smtClean="0">
+                              <a:solidFill>
+                                <a:schemeClr val="bg1"/>
+                              </a:solidFill>
+                              <a:latin typeface="Cambria Math" panose="02040503050406030204" pitchFamily="18" charset="0"/>
+                            </a:rPr>
+                          </m:ctrlPr>
+                        </m:sSupPr>
+                        <m:e>
+                          <m:r>
+                            <a:rPr lang="it-IT" sz="3200" i="1" smtClean="0">
+                              <a:solidFill>
+                                <a:schemeClr val="bg1"/>
+                              </a:solidFill>
+                              <a:latin typeface="Cambria Math" panose="02040503050406030204" pitchFamily="18" charset="0"/>
+                            </a:rPr>
+                            <m:t>ⅇ</m:t>
+                          </m:r>
+                        </m:e>
+                        <m:sup>
+                          <m:r>
+                            <a:rPr lang="it-IT" sz="3200" i="1" smtClean="0">
+                              <a:solidFill>
+                                <a:schemeClr val="bg1"/>
+                              </a:solidFill>
+                              <a:latin typeface="Cambria Math" panose="02040503050406030204" pitchFamily="18" charset="0"/>
+                            </a:rPr>
+                            <m:t>−</m:t>
+                          </m:r>
+                          <m:f>
+                            <m:fPr>
+                              <m:type m:val="lin"/>
+                              <m:ctrlPr>
+                                <a:rPr lang="it-IT" sz="3200" i="1" smtClean="0">
+                                  <a:solidFill>
+                                    <a:schemeClr val="bg1"/>
+                                  </a:solidFill>
+                                  <a:latin typeface="Cambria Math" panose="02040503050406030204" pitchFamily="18" charset="0"/>
+                                </a:rPr>
+                              </m:ctrlPr>
+                            </m:fPr>
+                            <m:num>
+                              <m:sSub>
+                                <m:sSubPr>
+                                  <m:ctrlPr>
+                                    <a:rPr lang="it-IT" sz="3200" i="1" smtClean="0">
+                                      <a:solidFill>
+                                        <a:schemeClr val="bg1"/>
+                                      </a:solidFill>
+                                      <a:latin typeface="Cambria Math" panose="02040503050406030204" pitchFamily="18" charset="0"/>
+                                    </a:rPr>
+                                  </m:ctrlPr>
+                                </m:sSubPr>
+                                <m:e>
+                                  <m:r>
+                                    <a:rPr lang="it-IT" sz="3200" i="1" smtClean="0">
+                                      <a:solidFill>
+                                        <a:schemeClr val="bg1"/>
+                                      </a:solidFill>
+                                      <a:latin typeface="Cambria Math" panose="02040503050406030204" pitchFamily="18" charset="0"/>
+                                    </a:rPr>
+                                    <m:t>𝐸</m:t>
+                                  </m:r>
+                                </m:e>
+                                <m:sub>
+                                  <m:r>
+                                    <a:rPr lang="it-IT" sz="3200" b="0" i="1" smtClean="0">
+                                      <a:solidFill>
+                                        <a:schemeClr val="bg1"/>
+                                      </a:solidFill>
+                                      <a:latin typeface="Cambria Math" panose="02040503050406030204" pitchFamily="18" charset="0"/>
+                                    </a:rPr>
+                                    <m:t>𝑔𝑎𝑝</m:t>
+                                  </m:r>
+                                </m:sub>
+                              </m:sSub>
+                            </m:num>
+                            <m:den>
+                              <m:r>
+                                <a:rPr lang="it-IT" sz="3200" i="1" smtClean="0">
+                                  <a:solidFill>
+                                    <a:schemeClr val="bg1"/>
+                                  </a:solidFill>
+                                  <a:latin typeface="Cambria Math" panose="02040503050406030204" pitchFamily="18" charset="0"/>
+                                </a:rPr>
+                                <m:t>𝑘</m:t>
+                              </m:r>
+                            </m:den>
+                          </m:f>
+                          <m:r>
+                            <a:rPr lang="it-IT" sz="3200" i="1" smtClean="0">
+                              <a:solidFill>
+                                <a:schemeClr val="bg1"/>
+                              </a:solidFill>
+                              <a:latin typeface="Cambria Math" panose="02040503050406030204" pitchFamily="18" charset="0"/>
+                            </a:rPr>
+                            <m:t>𝑇</m:t>
+                          </m:r>
+                        </m:sup>
+                      </m:sSup>
+                    </m:oMath>
+                  </m:oMathPara>
+                </a14:m>
+                <a:endParaRPr lang="it-IT" sz="3200" dirty="0">
+                  <a:solidFill>
+                    <a:schemeClr val="bg1"/>
+                  </a:solidFill>
+                </a:endParaRPr>
+              </a:p>
+            </p:txBody>
+          </p:sp>
+        </mc:Choice>
+        <mc:Fallback>
+          <p:sp>
+            <p:nvSpPr>
+              <p:cNvPr id="24" name="CasellaDiTesto 23">
+                <a:extLst>
+                  <a:ext uri="{FF2B5EF4-FFF2-40B4-BE49-F238E27FC236}">
+                    <a16:creationId xmlns:a16="http://schemas.microsoft.com/office/drawing/2014/main" id="{289D9B84-F96B-45D9-8032-78BCC1C8EA90}"/>
+                  </a:ext>
+                </a:extLst>
+              </p:cNvPr>
+              <p:cNvSpPr txBox="1">
+                <a:spLocks noRot="1" noChangeAspect="1" noMove="1" noResize="1" noEditPoints="1" noAdjustHandles="1" noChangeArrowheads="1" noChangeShapeType="1" noTextEdit="1"/>
+              </p:cNvSpPr>
+              <p:nvPr/>
+            </p:nvSpPr>
+            <p:spPr>
+              <a:xfrm>
+                <a:off x="6390640" y="3431106"/>
+                <a:ext cx="4013150" cy="586251"/>
+              </a:xfrm>
+              <a:prstGeom prst="rect">
+                <a:avLst/>
+              </a:prstGeom>
+              <a:blipFill>
+                <a:blip r:embed="rId7"/>
+                <a:stretch>
+                  <a:fillRect/>
+                </a:stretch>
+              </a:blipFill>
+            </p:spPr>
+            <p:txBody>
+              <a:bodyPr/>
+              <a:lstStyle/>
+              <a:p>
+                <a:r>
+                  <a:rPr lang="it-IT">
+                    <a:noFill/>
+                  </a:rPr>
+                  <a:t> </a:t>
+                </a:r>
+              </a:p>
+            </p:txBody>
+          </p:sp>
+        </mc:Fallback>
+      </mc:AlternateContent>
+      <p:sp>
+        <p:nvSpPr>
+          <p:cNvPr id="25" name="CasellaDiTesto 24">
+            <a:extLst>
+              <a:ext uri="{FF2B5EF4-FFF2-40B4-BE49-F238E27FC236}">
+                <a16:creationId xmlns:a16="http://schemas.microsoft.com/office/drawing/2014/main" id="{3F2CC61F-60D2-4C3D-9154-709376799142}"/>
+              </a:ext>
+            </a:extLst>
+          </p:cNvPr>
+          <p:cNvSpPr txBox="1"/>
+          <p:nvPr/>
+        </p:nvSpPr>
+        <p:spPr>
+          <a:xfrm>
+            <a:off x="6390640" y="4574926"/>
+            <a:ext cx="2585362" cy="523220"/>
+          </a:xfrm>
+          <a:prstGeom prst="rect">
+            <a:avLst/>
+          </a:prstGeom>
+          <a:noFill/>
+        </p:spPr>
+        <p:txBody>
+          <a:bodyPr wrap="square" rtlCol="0">
+            <a:spAutoFit/>
+          </a:bodyPr>
+          <a:lstStyle/>
+          <a:p>
+            <a:r>
+              <a:rPr lang="it-IT" sz="2800" dirty="0"/>
+              <a:t>Risoluzione</a:t>
+            </a:r>
+          </a:p>
+        </p:txBody>
+      </p:sp>
+      <p:sp>
+        <p:nvSpPr>
+          <p:cNvPr id="26" name="Freccia in giù 25">
+            <a:extLst>
+              <a:ext uri="{FF2B5EF4-FFF2-40B4-BE49-F238E27FC236}">
+                <a16:creationId xmlns:a16="http://schemas.microsoft.com/office/drawing/2014/main" id="{76ED7E46-0E6B-4517-885D-28C0F69F60DF}"/>
+              </a:ext>
+            </a:extLst>
+          </p:cNvPr>
+          <p:cNvSpPr/>
+          <p:nvPr/>
+        </p:nvSpPr>
+        <p:spPr>
+          <a:xfrm rot="16200000">
+            <a:off x="8464678" y="4604146"/>
+            <a:ext cx="558800" cy="545958"/>
+          </a:xfrm>
+          <a:prstGeom prst="downArrow">
+            <a:avLst/>
+          </a:prstGeom>
+          <a:solidFill>
+            <a:schemeClr val="bg1"/>
+          </a:solidFill>
+        </p:spPr>
+        <p:style>
+          <a:lnRef idx="2">
+            <a:schemeClr val="accent1">
+              <a:shade val="50000"/>
+            </a:schemeClr>
+          </a:lnRef>
+          <a:fillRef idx="1">
+            <a:schemeClr val="accent1"/>
+          </a:fillRef>
+          <a:effectRef idx="0">
+            <a:schemeClr val="accent1"/>
+          </a:effectRef>
+          <a:fontRef idx="minor">
+            <a:schemeClr val="lt1"/>
+          </a:fontRef>
+        </p:style>
+        <p:txBody>
+          <a:bodyPr rtlCol="0" anchor="ctr"/>
+          <a:lstStyle/>
+          <a:p>
+            <a:pPr algn="ctr"/>
+            <a:endParaRPr lang="it-IT"/>
+          </a:p>
+        </p:txBody>
+      </p:sp>
+      <mc:AlternateContent xmlns:mc="http://schemas.openxmlformats.org/markup-compatibility/2006">
+        <mc:Choice xmlns:a14="http://schemas.microsoft.com/office/drawing/2010/main" Requires="a14">
+          <p:sp>
+            <p:nvSpPr>
+              <p:cNvPr id="28" name="Rettangolo 27">
+                <a:extLst>
+                  <a:ext uri="{FF2B5EF4-FFF2-40B4-BE49-F238E27FC236}">
+                    <a16:creationId xmlns:a16="http://schemas.microsoft.com/office/drawing/2014/main" id="{187F0E0A-EDF6-4319-A9B5-BCEC20B45175}"/>
+                  </a:ext>
+                </a:extLst>
+              </p:cNvPr>
+              <p:cNvSpPr/>
+              <p:nvPr/>
+            </p:nvSpPr>
+            <p:spPr>
+              <a:xfrm>
+                <a:off x="9130176" y="4615514"/>
+                <a:ext cx="3057568" cy="523220"/>
+              </a:xfrm>
+              <a:prstGeom prst="rect">
+                <a:avLst/>
+              </a:prstGeom>
+            </p:spPr>
+            <p:txBody>
+              <a:bodyPr wrap="none">
+                <a:spAutoFit/>
+              </a:bodyPr>
+              <a:lstStyle/>
+              <a:p>
+                <a14:m>
+                  <m:oMathPara xmlns:m="http://schemas.openxmlformats.org/officeDocument/2006/math">
+                    <m:oMathParaPr>
+                      <m:jc m:val="centerGroup"/>
+                    </m:oMathParaPr>
+                    <m:oMath xmlns:m="http://schemas.openxmlformats.org/officeDocument/2006/math">
+                      <m:r>
+                        <a:rPr lang="it-IT" sz="2800" i="1">
+                          <a:latin typeface="Cambria Math" panose="02040503050406030204" pitchFamily="18" charset="0"/>
+                        </a:rPr>
+                        <m:t>𝑊</m:t>
+                      </m:r>
+                      <m:r>
+                        <a:rPr lang="it-IT" sz="2800" i="1">
+                          <a:latin typeface="Cambria Math" panose="02040503050406030204" pitchFamily="18" charset="0"/>
+                        </a:rPr>
+                        <m:t>≈2</m:t>
+                      </m:r>
+                      <m:f>
+                        <m:fPr>
+                          <m:type m:val="lin"/>
+                          <m:ctrlPr>
+                            <a:rPr lang="it-IT" sz="2800" i="1">
+                              <a:latin typeface="Cambria Math" panose="02040503050406030204" pitchFamily="18" charset="0"/>
+                            </a:rPr>
+                          </m:ctrlPr>
+                        </m:fPr>
+                        <m:num>
+                          <m:r>
+                            <a:rPr lang="it-IT" sz="2800" i="1">
+                              <a:latin typeface="Cambria Math" panose="02040503050406030204" pitchFamily="18" charset="0"/>
+                            </a:rPr>
+                            <m:t>𝑒𝑉</m:t>
+                          </m:r>
+                        </m:num>
+                        <m:den>
+                          <m:r>
+                            <a:rPr lang="it-IT" sz="2800" i="1">
+                              <a:latin typeface="Cambria Math" panose="02040503050406030204" pitchFamily="18" charset="0"/>
+                            </a:rPr>
+                            <m:t>𝑐𝑜𝑝𝑝𝑖𝑎</m:t>
+                          </m:r>
+                        </m:den>
+                      </m:f>
+                    </m:oMath>
+                  </m:oMathPara>
+                </a14:m>
+                <a:endParaRPr lang="it-IT" sz="2800" dirty="0">
+                  <a:latin typeface="Hiragino Kaku Gothic Pro W3" panose="020B0300000000000000" pitchFamily="34" charset="-128"/>
+                  <a:ea typeface="Hiragino Kaku Gothic Pro W3" panose="020B0300000000000000" pitchFamily="34" charset="-128"/>
+                </a:endParaRPr>
+              </a:p>
+            </p:txBody>
+          </p:sp>
+        </mc:Choice>
+        <mc:Fallback>
+          <p:sp>
+            <p:nvSpPr>
+              <p:cNvPr id="28" name="Rettangolo 27">
+                <a:extLst>
+                  <a:ext uri="{FF2B5EF4-FFF2-40B4-BE49-F238E27FC236}">
+                    <a16:creationId xmlns:a16="http://schemas.microsoft.com/office/drawing/2014/main" id="{187F0E0A-EDF6-4319-A9B5-BCEC20B45175}"/>
+                  </a:ext>
+                </a:extLst>
+              </p:cNvPr>
+              <p:cNvSpPr>
+                <a:spLocks noRot="1" noChangeAspect="1" noMove="1" noResize="1" noEditPoints="1" noAdjustHandles="1" noChangeArrowheads="1" noChangeShapeType="1" noTextEdit="1"/>
+              </p:cNvSpPr>
+              <p:nvPr/>
+            </p:nvSpPr>
+            <p:spPr>
+              <a:xfrm>
+                <a:off x="9130176" y="4615514"/>
+                <a:ext cx="3057568" cy="523220"/>
+              </a:xfrm>
+              <a:prstGeom prst="rect">
+                <a:avLst/>
+              </a:prstGeom>
+              <a:blipFill>
+                <a:blip r:embed="rId8"/>
+                <a:stretch>
+                  <a:fillRect/>
+                </a:stretch>
+              </a:blipFill>
+            </p:spPr>
+            <p:txBody>
+              <a:bodyPr/>
+              <a:lstStyle/>
+              <a:p>
+                <a:r>
+                  <a:rPr lang="it-IT">
+                    <a:noFill/>
+                  </a:rPr>
+                  <a:t> </a:t>
+                </a:r>
+              </a:p>
+            </p:txBody>
+          </p:sp>
+        </mc:Fallback>
+      </mc:AlternateContent>
+      <mc:AlternateContent xmlns:mc="http://schemas.openxmlformats.org/markup-compatibility/2006">
+        <mc:Choice xmlns:a14="http://schemas.microsoft.com/office/drawing/2010/main" Requires="a14">
+          <p:sp>
+            <p:nvSpPr>
+              <p:cNvPr id="29" name="Rettangolo 28">
+                <a:extLst>
+                  <a:ext uri="{FF2B5EF4-FFF2-40B4-BE49-F238E27FC236}">
+                    <a16:creationId xmlns:a16="http://schemas.microsoft.com/office/drawing/2014/main" id="{FCD1527D-45E8-405E-8223-D831067D5D65}"/>
+                  </a:ext>
+                </a:extLst>
+              </p:cNvPr>
+              <p:cNvSpPr/>
+              <p:nvPr/>
+            </p:nvSpPr>
+            <p:spPr>
+              <a:xfrm>
+                <a:off x="6390640" y="5872075"/>
+                <a:ext cx="5336846" cy="404406"/>
+              </a:xfrm>
+              <a:prstGeom prst="rect">
+                <a:avLst/>
+              </a:prstGeom>
+            </p:spPr>
+            <p:txBody>
+              <a:bodyPr wrap="none">
+                <a:spAutoFit/>
+              </a:bodyPr>
+              <a:lstStyle/>
+              <a:p>
+                <a14:m>
+                  <m:oMath xmlns:m="http://schemas.openxmlformats.org/officeDocument/2006/math">
+                    <m:r>
+                      <a:rPr lang="it-IT" sz="2000" i="1">
+                        <a:latin typeface="Cambria Math" panose="02040503050406030204" pitchFamily="18" charset="0"/>
+                      </a:rPr>
+                      <m:t>𝐹𝑊𝐻</m:t>
+                    </m:r>
+                    <m:sSubSup>
+                      <m:sSubSupPr>
+                        <m:ctrlPr>
+                          <a:rPr lang="it-IT" sz="2000" i="1">
+                            <a:latin typeface="Cambria Math" panose="02040503050406030204" pitchFamily="18" charset="0"/>
+                          </a:rPr>
+                        </m:ctrlPr>
+                      </m:sSubSupPr>
+                      <m:e>
+                        <m:r>
+                          <a:rPr lang="it-IT" sz="2000" i="1">
+                            <a:latin typeface="Cambria Math" panose="02040503050406030204" pitchFamily="18" charset="0"/>
+                          </a:rPr>
+                          <m:t>𝑀</m:t>
+                        </m:r>
+                      </m:e>
+                      <m:sub>
+                        <m:r>
+                          <a:rPr lang="it-IT" sz="2000" i="1">
+                            <a:latin typeface="Cambria Math" panose="02040503050406030204" pitchFamily="18" charset="0"/>
+                          </a:rPr>
+                          <m:t>𝑡𝑜𝑡</m:t>
+                        </m:r>
+                      </m:sub>
+                      <m:sup>
+                        <m:r>
+                          <a:rPr lang="it-IT" sz="2000" i="1">
+                            <a:latin typeface="Cambria Math" panose="02040503050406030204" pitchFamily="18" charset="0"/>
+                          </a:rPr>
+                          <m:t>2</m:t>
+                        </m:r>
+                      </m:sup>
+                    </m:sSubSup>
+                    <m:r>
+                      <a:rPr lang="it-IT" sz="2000" i="1">
+                        <a:latin typeface="Cambria Math" panose="02040503050406030204" pitchFamily="18" charset="0"/>
+                      </a:rPr>
+                      <m:t>=</m:t>
+                    </m:r>
+                  </m:oMath>
+                </a14:m>
+                <a:r>
+                  <a:rPr lang="it-IT" sz="2000" dirty="0">
+                    <a:latin typeface="Hiragino Kaku Gothic Pro W3" panose="020B0300000000000000" pitchFamily="34" charset="-128"/>
+                    <a:ea typeface="Hiragino Kaku Gothic Pro W3" panose="020B0300000000000000" pitchFamily="34" charset="-128"/>
+                  </a:rPr>
+                  <a:t> </a:t>
+                </a:r>
+                <a14:m>
+                  <m:oMath xmlns:m="http://schemas.openxmlformats.org/officeDocument/2006/math">
+                    <m:r>
+                      <a:rPr lang="it-IT" sz="2000" i="1">
+                        <a:latin typeface="Cambria Math" panose="02040503050406030204" pitchFamily="18" charset="0"/>
+                      </a:rPr>
+                      <m:t>𝐹𝑊𝐻</m:t>
+                    </m:r>
+                    <m:sSubSup>
+                      <m:sSubSupPr>
+                        <m:ctrlPr>
+                          <a:rPr lang="it-IT" sz="2000" i="1">
+                            <a:latin typeface="Cambria Math" panose="02040503050406030204" pitchFamily="18" charset="0"/>
+                          </a:rPr>
+                        </m:ctrlPr>
+                      </m:sSubSupPr>
+                      <m:e>
+                        <m:r>
+                          <a:rPr lang="it-IT" sz="2000" i="1">
+                            <a:latin typeface="Cambria Math" panose="02040503050406030204" pitchFamily="18" charset="0"/>
+                          </a:rPr>
+                          <m:t>𝑀</m:t>
+                        </m:r>
+                      </m:e>
+                      <m:sub>
+                        <m:r>
+                          <a:rPr lang="it-IT" sz="2000" i="1">
+                            <a:latin typeface="Cambria Math" panose="02040503050406030204" pitchFamily="18" charset="0"/>
+                          </a:rPr>
+                          <m:t>𝑠𝑡𝑎𝑡</m:t>
+                        </m:r>
+                      </m:sub>
+                      <m:sup>
+                        <m:r>
+                          <a:rPr lang="it-IT" sz="2000" i="1">
+                            <a:latin typeface="Cambria Math" panose="02040503050406030204" pitchFamily="18" charset="0"/>
+                          </a:rPr>
+                          <m:t>2</m:t>
+                        </m:r>
+                      </m:sup>
+                    </m:sSubSup>
+                  </m:oMath>
+                </a14:m>
+                <a:r>
+                  <a:rPr lang="it-IT" sz="2000" dirty="0">
+                    <a:latin typeface="Hiragino Kaku Gothic Pro W3" panose="020B0300000000000000" pitchFamily="34" charset="-128"/>
+                    <a:ea typeface="Hiragino Kaku Gothic Pro W3" panose="020B0300000000000000" pitchFamily="34" charset="-128"/>
+                  </a:rPr>
+                  <a:t> + </a:t>
+                </a:r>
+                <a14:m>
+                  <m:oMath xmlns:m="http://schemas.openxmlformats.org/officeDocument/2006/math">
+                    <m:r>
+                      <a:rPr lang="it-IT" sz="2000" i="1">
+                        <a:latin typeface="Cambria Math" panose="02040503050406030204" pitchFamily="18" charset="0"/>
+                      </a:rPr>
+                      <m:t>𝐹𝑊𝐻</m:t>
+                    </m:r>
+                    <m:sSubSup>
+                      <m:sSubSupPr>
+                        <m:ctrlPr>
+                          <a:rPr lang="it-IT" sz="2000" i="1">
+                            <a:latin typeface="Cambria Math" panose="02040503050406030204" pitchFamily="18" charset="0"/>
+                          </a:rPr>
+                        </m:ctrlPr>
+                      </m:sSubSupPr>
+                      <m:e>
+                        <m:r>
+                          <a:rPr lang="it-IT" sz="2000" i="1">
+                            <a:latin typeface="Cambria Math" panose="02040503050406030204" pitchFamily="18" charset="0"/>
+                          </a:rPr>
+                          <m:t>𝑀</m:t>
+                        </m:r>
+                      </m:e>
+                      <m:sub>
+                        <m:r>
+                          <a:rPr lang="it-IT" sz="2000" i="1">
+                            <a:latin typeface="Cambria Math" panose="02040503050406030204" pitchFamily="18" charset="0"/>
+                          </a:rPr>
+                          <m:t>𝑋</m:t>
+                        </m:r>
+                      </m:sub>
+                      <m:sup>
+                        <m:r>
+                          <a:rPr lang="it-IT" sz="2000" i="1">
+                            <a:latin typeface="Cambria Math" panose="02040503050406030204" pitchFamily="18" charset="0"/>
+                          </a:rPr>
+                          <m:t>2</m:t>
+                        </m:r>
+                      </m:sup>
+                    </m:sSubSup>
+                  </m:oMath>
+                </a14:m>
+                <a:r>
+                  <a:rPr lang="it-IT" sz="2000" dirty="0">
+                    <a:latin typeface="Hiragino Kaku Gothic Pro W3" panose="020B0300000000000000" pitchFamily="34" charset="-128"/>
+                    <a:ea typeface="Hiragino Kaku Gothic Pro W3" panose="020B0300000000000000" pitchFamily="34" charset="-128"/>
+                  </a:rPr>
+                  <a:t> + </a:t>
+                </a:r>
+                <a14:m>
+                  <m:oMath xmlns:m="http://schemas.openxmlformats.org/officeDocument/2006/math">
+                    <m:r>
+                      <a:rPr lang="it-IT" sz="2000" i="1">
+                        <a:latin typeface="Cambria Math" panose="02040503050406030204" pitchFamily="18" charset="0"/>
+                      </a:rPr>
+                      <m:t>𝐹𝑊𝐻</m:t>
+                    </m:r>
+                    <m:sSubSup>
+                      <m:sSubSupPr>
+                        <m:ctrlPr>
+                          <a:rPr lang="it-IT" sz="2000" i="1">
+                            <a:latin typeface="Cambria Math" panose="02040503050406030204" pitchFamily="18" charset="0"/>
+                          </a:rPr>
+                        </m:ctrlPr>
+                      </m:sSubSupPr>
+                      <m:e>
+                        <m:r>
+                          <a:rPr lang="it-IT" sz="2000" i="1">
+                            <a:latin typeface="Cambria Math" panose="02040503050406030204" pitchFamily="18" charset="0"/>
+                          </a:rPr>
+                          <m:t>𝑀</m:t>
+                        </m:r>
+                      </m:e>
+                      <m:sub>
+                        <m:r>
+                          <a:rPr lang="it-IT" sz="2000" i="1">
+                            <a:latin typeface="Cambria Math" panose="02040503050406030204" pitchFamily="18" charset="0"/>
+                          </a:rPr>
+                          <m:t>𝐸</m:t>
+                        </m:r>
+                      </m:sub>
+                      <m:sup>
+                        <m:r>
+                          <a:rPr lang="it-IT" sz="2000" i="1">
+                            <a:latin typeface="Cambria Math" panose="02040503050406030204" pitchFamily="18" charset="0"/>
+                          </a:rPr>
+                          <m:t>2</m:t>
+                        </m:r>
+                      </m:sup>
+                    </m:sSubSup>
+                  </m:oMath>
+                </a14:m>
+                <a:endParaRPr lang="it-IT" sz="2000" dirty="0"/>
+              </a:p>
+            </p:txBody>
+          </p:sp>
+        </mc:Choice>
+        <mc:Fallback>
+          <p:sp>
+            <p:nvSpPr>
+              <p:cNvPr id="29" name="Rettangolo 28">
+                <a:extLst>
+                  <a:ext uri="{FF2B5EF4-FFF2-40B4-BE49-F238E27FC236}">
+                    <a16:creationId xmlns:a16="http://schemas.microsoft.com/office/drawing/2014/main" id="{FCD1527D-45E8-405E-8223-D831067D5D65}"/>
+                  </a:ext>
+                </a:extLst>
+              </p:cNvPr>
+              <p:cNvSpPr>
+                <a:spLocks noRot="1" noChangeAspect="1" noMove="1" noResize="1" noEditPoints="1" noAdjustHandles="1" noChangeArrowheads="1" noChangeShapeType="1" noTextEdit="1"/>
+              </p:cNvSpPr>
+              <p:nvPr/>
+            </p:nvSpPr>
+            <p:spPr>
+              <a:xfrm>
+                <a:off x="6390640" y="5872075"/>
+                <a:ext cx="5336846" cy="404406"/>
+              </a:xfrm>
+              <a:prstGeom prst="rect">
+                <a:avLst/>
+              </a:prstGeom>
+              <a:blipFill>
+                <a:blip r:embed="rId9"/>
+                <a:stretch>
+                  <a:fillRect t="-4478" b="-26866"/>
+                </a:stretch>
+              </a:blipFill>
+            </p:spPr>
+            <p:txBody>
+              <a:bodyPr/>
+              <a:lstStyle/>
+              <a:p>
+                <a:r>
+                  <a:rPr lang="it-IT">
+                    <a:noFill/>
+                  </a:rPr>
+                  <a:t> </a:t>
+                </a:r>
+              </a:p>
+            </p:txBody>
+          </p:sp>
+        </mc:Fallback>
+      </mc:AlternateContent>
+      <p:sp>
+        <p:nvSpPr>
+          <p:cNvPr id="30" name="Freccia in giù 29">
+            <a:extLst>
+              <a:ext uri="{FF2B5EF4-FFF2-40B4-BE49-F238E27FC236}">
+                <a16:creationId xmlns:a16="http://schemas.microsoft.com/office/drawing/2014/main" id="{42C4E7AB-CA82-484B-B844-03AB93D50D51}"/>
+              </a:ext>
+            </a:extLst>
+          </p:cNvPr>
+          <p:cNvSpPr/>
+          <p:nvPr/>
+        </p:nvSpPr>
+        <p:spPr>
+          <a:xfrm>
+            <a:off x="7234072" y="5184124"/>
+            <a:ext cx="558800" cy="545958"/>
+          </a:xfrm>
+          <a:prstGeom prst="downArrow">
+            <a:avLst/>
+          </a:prstGeom>
+          <a:solidFill>
+            <a:schemeClr val="bg1"/>
+          </a:solidFill>
+        </p:spPr>
+        <p:style>
+          <a:lnRef idx="2">
+            <a:schemeClr val="accent1">
+              <a:shade val="50000"/>
+            </a:schemeClr>
+          </a:lnRef>
+          <a:fillRef idx="1">
+            <a:schemeClr val="accent1"/>
+          </a:fillRef>
+          <a:effectRef idx="0">
+            <a:schemeClr val="accent1"/>
+          </a:effectRef>
+          <a:fontRef idx="minor">
+            <a:schemeClr val="lt1"/>
+          </a:fontRef>
+        </p:style>
+        <p:txBody>
+          <a:bodyPr rtlCol="0" anchor="ctr"/>
+          <a:lstStyle/>
+          <a:p>
+            <a:pPr algn="ctr"/>
+            <a:endParaRPr lang="it-IT"/>
+          </a:p>
+        </p:txBody>
+      </p:sp>
+      <p:sp>
+        <p:nvSpPr>
+          <p:cNvPr id="32" name="Freccia in giù 31">
+            <a:extLst>
+              <a:ext uri="{FF2B5EF4-FFF2-40B4-BE49-F238E27FC236}">
+                <a16:creationId xmlns:a16="http://schemas.microsoft.com/office/drawing/2014/main" id="{AAC0C157-3CD2-41A2-AC68-EB4ABCD93751}"/>
+              </a:ext>
+            </a:extLst>
+          </p:cNvPr>
+          <p:cNvSpPr/>
+          <p:nvPr/>
+        </p:nvSpPr>
+        <p:spPr>
+          <a:xfrm>
+            <a:off x="1099641" y="2786334"/>
+            <a:ext cx="558800" cy="545958"/>
+          </a:xfrm>
+          <a:prstGeom prst="downArrow">
+            <a:avLst/>
+          </a:prstGeom>
+          <a:solidFill>
+            <a:schemeClr val="bg1"/>
+          </a:solidFill>
+        </p:spPr>
+        <p:style>
+          <a:lnRef idx="2">
+            <a:schemeClr val="accent1">
+              <a:shade val="50000"/>
+            </a:schemeClr>
+          </a:lnRef>
+          <a:fillRef idx="1">
+            <a:schemeClr val="accent1"/>
+          </a:fillRef>
+          <a:effectRef idx="0">
+            <a:schemeClr val="accent1"/>
+          </a:effectRef>
+          <a:fontRef idx="minor">
+            <a:schemeClr val="lt1"/>
+          </a:fontRef>
+        </p:style>
+        <p:txBody>
+          <a:bodyPr rtlCol="0" anchor="ctr"/>
+          <a:lstStyle/>
+          <a:p>
+            <a:pPr algn="ctr"/>
+            <a:endParaRPr lang="it-IT"/>
+          </a:p>
+        </p:txBody>
+      </p:sp>
+      <p:sp>
+        <p:nvSpPr>
+          <p:cNvPr id="33" name="CasellaDiTesto 32">
+            <a:extLst>
+              <a:ext uri="{FF2B5EF4-FFF2-40B4-BE49-F238E27FC236}">
+                <a16:creationId xmlns:a16="http://schemas.microsoft.com/office/drawing/2014/main" id="{6CC1A0CA-15E3-451A-89A2-73B37FEC7F19}"/>
+              </a:ext>
+            </a:extLst>
+          </p:cNvPr>
+          <p:cNvSpPr txBox="1"/>
+          <p:nvPr/>
+        </p:nvSpPr>
+        <p:spPr>
+          <a:xfrm>
+            <a:off x="678001" y="3307263"/>
+            <a:ext cx="4094480" cy="584775"/>
+          </a:xfrm>
+          <a:prstGeom prst="rect">
+            <a:avLst/>
+          </a:prstGeom>
+          <a:noFill/>
+        </p:spPr>
+        <p:txBody>
+          <a:bodyPr wrap="square" rtlCol="0">
+            <a:spAutoFit/>
+          </a:bodyPr>
+          <a:lstStyle/>
+          <a:p>
+            <a:r>
+              <a:rPr lang="it-IT" sz="3200" dirty="0">
+                <a:solidFill>
+                  <a:schemeClr val="bg1"/>
+                </a:solidFill>
+              </a:rPr>
+              <a:t>Inversa</a:t>
+            </a:r>
+          </a:p>
+        </p:txBody>
+      </p:sp>
     </p:spTree>
     <p:extLst>
       <p:ext uri="{BB962C8B-B14F-4D97-AF65-F5344CB8AC3E}">
-        <p14:creationId xmlns:p14="http://schemas.microsoft.com/office/powerpoint/2010/main" val="660319106"/>
+        <p14:creationId xmlns:p14="http://schemas.microsoft.com/office/powerpoint/2010/main" val="2504659705"/>
       </p:ext>
     </p:extLst>
   </p:cSld>
   <p:clrMapOvr>
     <a:masterClrMapping/>
   </p:clrMapOvr>
-  <p:transition spd="med">
-    <p:pull/>
-  </p:transition>
+  <p:timing>
+    <p:tnLst>
+      <p:par>
+        <p:cTn id="1" dur="indefinite" restart="never" nodeType="tmRoot">
+          <p:childTnLst>
+            <p:seq concurrent="1" nextAc="seek">
+              <p:cTn id="2" dur="indefinite" nodeType="mainSeq">
+                <p:childTnLst>
+                  <p:par>
+                    <p:cTn id="3" fill="hold">
+                      <p:stCondLst>
+                        <p:cond delay="indefinite"/>
+                      </p:stCondLst>
+                      <p:childTnLst>
+                        <p:par>
+                          <p:cTn id="4" fill="hold">
+                            <p:stCondLst>
+                              <p:cond delay="0"/>
+                            </p:stCondLst>
+                            <p:childTnLst>
+                              <p:par>
+                                <p:cTn id="5" presetID="53" presetClass="entr" presetSubtype="16" fill="hold" grpId="0" nodeType="clickEffect">
+                                  <p:stCondLst>
+                                    <p:cond delay="0"/>
+                                  </p:stCondLst>
+                                  <p:childTnLst>
+                                    <p:set>
+                                      <p:cBhvr>
+                                        <p:cTn id="6" dur="1" fill="hold">
+                                          <p:stCondLst>
+                                            <p:cond delay="0"/>
+                                          </p:stCondLst>
+                                        </p:cTn>
+                                        <p:tgtEl>
+                                          <p:spTgt spid="9"/>
+                                        </p:tgtEl>
+                                        <p:attrNameLst>
+                                          <p:attrName>style.visibility</p:attrName>
+                                        </p:attrNameLst>
+                                      </p:cBhvr>
+                                      <p:to>
+                                        <p:strVal val="visible"/>
+                                      </p:to>
+                                    </p:set>
+                                    <p:anim calcmode="lin" valueType="num">
+                                      <p:cBhvr>
+                                        <p:cTn id="7" dur="500" fill="hold"/>
+                                        <p:tgtEl>
+                                          <p:spTgt spid="9"/>
+                                        </p:tgtEl>
+                                        <p:attrNameLst>
+                                          <p:attrName>ppt_w</p:attrName>
+                                        </p:attrNameLst>
+                                      </p:cBhvr>
+                                      <p:tavLst>
+                                        <p:tav tm="0">
+                                          <p:val>
+                                            <p:fltVal val="0"/>
+                                          </p:val>
+                                        </p:tav>
+                                        <p:tav tm="100000">
+                                          <p:val>
+                                            <p:strVal val="#ppt_w"/>
+                                          </p:val>
+                                        </p:tav>
+                                      </p:tavLst>
+                                    </p:anim>
+                                    <p:anim calcmode="lin" valueType="num">
+                                      <p:cBhvr>
+                                        <p:cTn id="8" dur="500" fill="hold"/>
+                                        <p:tgtEl>
+                                          <p:spTgt spid="9"/>
+                                        </p:tgtEl>
+                                        <p:attrNameLst>
+                                          <p:attrName>ppt_h</p:attrName>
+                                        </p:attrNameLst>
+                                      </p:cBhvr>
+                                      <p:tavLst>
+                                        <p:tav tm="0">
+                                          <p:val>
+                                            <p:fltVal val="0"/>
+                                          </p:val>
+                                        </p:tav>
+                                        <p:tav tm="100000">
+                                          <p:val>
+                                            <p:strVal val="#ppt_h"/>
+                                          </p:val>
+                                        </p:tav>
+                                      </p:tavLst>
+                                    </p:anim>
+                                    <p:animEffect transition="in" filter="fade">
+                                      <p:cBhvr>
+                                        <p:cTn id="9" dur="500"/>
+                                        <p:tgtEl>
+                                          <p:spTgt spid="9"/>
+                                        </p:tgtEl>
+                                      </p:cBhvr>
+                                    </p:animEffect>
+                                  </p:childTnLst>
+                                </p:cTn>
+                              </p:par>
+                            </p:childTnLst>
+                          </p:cTn>
+                        </p:par>
+                      </p:childTnLst>
+                    </p:cTn>
+                  </p:par>
+                  <p:par>
+                    <p:cTn id="10" fill="hold">
+                      <p:stCondLst>
+                        <p:cond delay="indefinite"/>
+                      </p:stCondLst>
+                      <p:childTnLst>
+                        <p:par>
+                          <p:cTn id="11" fill="hold">
+                            <p:stCondLst>
+                              <p:cond delay="0"/>
+                            </p:stCondLst>
+                            <p:childTnLst>
+                              <p:par>
+                                <p:cTn id="12" presetID="53" presetClass="entr" presetSubtype="16" fill="hold" grpId="0" nodeType="clickEffect">
+                                  <p:stCondLst>
+                                    <p:cond delay="0"/>
+                                  </p:stCondLst>
+                                  <p:childTnLst>
+                                    <p:set>
+                                      <p:cBhvr>
+                                        <p:cTn id="13" dur="1" fill="hold">
+                                          <p:stCondLst>
+                                            <p:cond delay="0"/>
+                                          </p:stCondLst>
+                                        </p:cTn>
+                                        <p:tgtEl>
+                                          <p:spTgt spid="32"/>
+                                        </p:tgtEl>
+                                        <p:attrNameLst>
+                                          <p:attrName>style.visibility</p:attrName>
+                                        </p:attrNameLst>
+                                      </p:cBhvr>
+                                      <p:to>
+                                        <p:strVal val="visible"/>
+                                      </p:to>
+                                    </p:set>
+                                    <p:anim calcmode="lin" valueType="num">
+                                      <p:cBhvr>
+                                        <p:cTn id="14" dur="500" fill="hold"/>
+                                        <p:tgtEl>
+                                          <p:spTgt spid="32"/>
+                                        </p:tgtEl>
+                                        <p:attrNameLst>
+                                          <p:attrName>ppt_w</p:attrName>
+                                        </p:attrNameLst>
+                                      </p:cBhvr>
+                                      <p:tavLst>
+                                        <p:tav tm="0">
+                                          <p:val>
+                                            <p:fltVal val="0"/>
+                                          </p:val>
+                                        </p:tav>
+                                        <p:tav tm="100000">
+                                          <p:val>
+                                            <p:strVal val="#ppt_w"/>
+                                          </p:val>
+                                        </p:tav>
+                                      </p:tavLst>
+                                    </p:anim>
+                                    <p:anim calcmode="lin" valueType="num">
+                                      <p:cBhvr>
+                                        <p:cTn id="15" dur="500" fill="hold"/>
+                                        <p:tgtEl>
+                                          <p:spTgt spid="32"/>
+                                        </p:tgtEl>
+                                        <p:attrNameLst>
+                                          <p:attrName>ppt_h</p:attrName>
+                                        </p:attrNameLst>
+                                      </p:cBhvr>
+                                      <p:tavLst>
+                                        <p:tav tm="0">
+                                          <p:val>
+                                            <p:fltVal val="0"/>
+                                          </p:val>
+                                        </p:tav>
+                                        <p:tav tm="100000">
+                                          <p:val>
+                                            <p:strVal val="#ppt_h"/>
+                                          </p:val>
+                                        </p:tav>
+                                      </p:tavLst>
+                                    </p:anim>
+                                    <p:animEffect transition="in" filter="fade">
+                                      <p:cBhvr>
+                                        <p:cTn id="16" dur="500"/>
+                                        <p:tgtEl>
+                                          <p:spTgt spid="32"/>
+                                        </p:tgtEl>
+                                      </p:cBhvr>
+                                    </p:animEffect>
+                                  </p:childTnLst>
+                                </p:cTn>
+                              </p:par>
+                              <p:par>
+                                <p:cTn id="17" presetID="53" presetClass="entr" presetSubtype="16" fill="hold" grpId="0" nodeType="withEffect">
+                                  <p:stCondLst>
+                                    <p:cond delay="0"/>
+                                  </p:stCondLst>
+                                  <p:childTnLst>
+                                    <p:set>
+                                      <p:cBhvr>
+                                        <p:cTn id="18" dur="1" fill="hold">
+                                          <p:stCondLst>
+                                            <p:cond delay="0"/>
+                                          </p:stCondLst>
+                                        </p:cTn>
+                                        <p:tgtEl>
+                                          <p:spTgt spid="33"/>
+                                        </p:tgtEl>
+                                        <p:attrNameLst>
+                                          <p:attrName>style.visibility</p:attrName>
+                                        </p:attrNameLst>
+                                      </p:cBhvr>
+                                      <p:to>
+                                        <p:strVal val="visible"/>
+                                      </p:to>
+                                    </p:set>
+                                    <p:anim calcmode="lin" valueType="num">
+                                      <p:cBhvr>
+                                        <p:cTn id="19" dur="500" fill="hold"/>
+                                        <p:tgtEl>
+                                          <p:spTgt spid="33"/>
+                                        </p:tgtEl>
+                                        <p:attrNameLst>
+                                          <p:attrName>ppt_w</p:attrName>
+                                        </p:attrNameLst>
+                                      </p:cBhvr>
+                                      <p:tavLst>
+                                        <p:tav tm="0">
+                                          <p:val>
+                                            <p:fltVal val="0"/>
+                                          </p:val>
+                                        </p:tav>
+                                        <p:tav tm="100000">
+                                          <p:val>
+                                            <p:strVal val="#ppt_w"/>
+                                          </p:val>
+                                        </p:tav>
+                                      </p:tavLst>
+                                    </p:anim>
+                                    <p:anim calcmode="lin" valueType="num">
+                                      <p:cBhvr>
+                                        <p:cTn id="20" dur="500" fill="hold"/>
+                                        <p:tgtEl>
+                                          <p:spTgt spid="33"/>
+                                        </p:tgtEl>
+                                        <p:attrNameLst>
+                                          <p:attrName>ppt_h</p:attrName>
+                                        </p:attrNameLst>
+                                      </p:cBhvr>
+                                      <p:tavLst>
+                                        <p:tav tm="0">
+                                          <p:val>
+                                            <p:fltVal val="0"/>
+                                          </p:val>
+                                        </p:tav>
+                                        <p:tav tm="100000">
+                                          <p:val>
+                                            <p:strVal val="#ppt_h"/>
+                                          </p:val>
+                                        </p:tav>
+                                      </p:tavLst>
+                                    </p:anim>
+                                    <p:animEffect transition="in" filter="fade">
+                                      <p:cBhvr>
+                                        <p:cTn id="21" dur="500"/>
+                                        <p:tgtEl>
+                                          <p:spTgt spid="33"/>
+                                        </p:tgtEl>
+                                      </p:cBhvr>
+                                    </p:animEffect>
+                                  </p:childTnLst>
+                                </p:cTn>
+                              </p:par>
+                            </p:childTnLst>
+                          </p:cTn>
+                        </p:par>
+                      </p:childTnLst>
+                    </p:cTn>
+                  </p:par>
+                  <p:par>
+                    <p:cTn id="22" fill="hold">
+                      <p:stCondLst>
+                        <p:cond delay="indefinite"/>
+                      </p:stCondLst>
+                      <p:childTnLst>
+                        <p:par>
+                          <p:cTn id="23" fill="hold">
+                            <p:stCondLst>
+                              <p:cond delay="0"/>
+                            </p:stCondLst>
+                            <p:childTnLst>
+                              <p:par>
+                                <p:cTn id="24" presetID="53" presetClass="entr" presetSubtype="16" fill="hold" grpId="0" nodeType="clickEffect">
+                                  <p:stCondLst>
+                                    <p:cond delay="0"/>
+                                  </p:stCondLst>
+                                  <p:childTnLst>
+                                    <p:set>
+                                      <p:cBhvr>
+                                        <p:cTn id="25" dur="1" fill="hold">
+                                          <p:stCondLst>
+                                            <p:cond delay="0"/>
+                                          </p:stCondLst>
+                                        </p:cTn>
+                                        <p:tgtEl>
+                                          <p:spTgt spid="14"/>
+                                        </p:tgtEl>
+                                        <p:attrNameLst>
+                                          <p:attrName>style.visibility</p:attrName>
+                                        </p:attrNameLst>
+                                      </p:cBhvr>
+                                      <p:to>
+                                        <p:strVal val="visible"/>
+                                      </p:to>
+                                    </p:set>
+                                    <p:anim calcmode="lin" valueType="num">
+                                      <p:cBhvr>
+                                        <p:cTn id="26" dur="500" fill="hold"/>
+                                        <p:tgtEl>
+                                          <p:spTgt spid="14"/>
+                                        </p:tgtEl>
+                                        <p:attrNameLst>
+                                          <p:attrName>ppt_w</p:attrName>
+                                        </p:attrNameLst>
+                                      </p:cBhvr>
+                                      <p:tavLst>
+                                        <p:tav tm="0">
+                                          <p:val>
+                                            <p:fltVal val="0"/>
+                                          </p:val>
+                                        </p:tav>
+                                        <p:tav tm="100000">
+                                          <p:val>
+                                            <p:strVal val="#ppt_w"/>
+                                          </p:val>
+                                        </p:tav>
+                                      </p:tavLst>
+                                    </p:anim>
+                                    <p:anim calcmode="lin" valueType="num">
+                                      <p:cBhvr>
+                                        <p:cTn id="27" dur="500" fill="hold"/>
+                                        <p:tgtEl>
+                                          <p:spTgt spid="14"/>
+                                        </p:tgtEl>
+                                        <p:attrNameLst>
+                                          <p:attrName>ppt_h</p:attrName>
+                                        </p:attrNameLst>
+                                      </p:cBhvr>
+                                      <p:tavLst>
+                                        <p:tav tm="0">
+                                          <p:val>
+                                            <p:fltVal val="0"/>
+                                          </p:val>
+                                        </p:tav>
+                                        <p:tav tm="100000">
+                                          <p:val>
+                                            <p:strVal val="#ppt_h"/>
+                                          </p:val>
+                                        </p:tav>
+                                      </p:tavLst>
+                                    </p:anim>
+                                    <p:animEffect transition="in" filter="fade">
+                                      <p:cBhvr>
+                                        <p:cTn id="28" dur="500"/>
+                                        <p:tgtEl>
+                                          <p:spTgt spid="14"/>
+                                        </p:tgtEl>
+                                      </p:cBhvr>
+                                    </p:animEffect>
+                                  </p:childTnLst>
+                                </p:cTn>
+                              </p:par>
+                            </p:childTnLst>
+                          </p:cTn>
+                        </p:par>
+                      </p:childTnLst>
+                    </p:cTn>
+                  </p:par>
+                  <p:par>
+                    <p:cTn id="29" fill="hold">
+                      <p:stCondLst>
+                        <p:cond delay="indefinite"/>
+                      </p:stCondLst>
+                      <p:childTnLst>
+                        <p:par>
+                          <p:cTn id="30" fill="hold">
+                            <p:stCondLst>
+                              <p:cond delay="0"/>
+                            </p:stCondLst>
+                            <p:childTnLst>
+                              <p:par>
+                                <p:cTn id="31" presetID="53" presetClass="entr" presetSubtype="16" fill="hold" grpId="0" nodeType="clickEffect">
+                                  <p:stCondLst>
+                                    <p:cond delay="0"/>
+                                  </p:stCondLst>
+                                  <p:childTnLst>
+                                    <p:set>
+                                      <p:cBhvr>
+                                        <p:cTn id="32" dur="1" fill="hold">
+                                          <p:stCondLst>
+                                            <p:cond delay="0"/>
+                                          </p:stCondLst>
+                                        </p:cTn>
+                                        <p:tgtEl>
+                                          <p:spTgt spid="15"/>
+                                        </p:tgtEl>
+                                        <p:attrNameLst>
+                                          <p:attrName>style.visibility</p:attrName>
+                                        </p:attrNameLst>
+                                      </p:cBhvr>
+                                      <p:to>
+                                        <p:strVal val="visible"/>
+                                      </p:to>
+                                    </p:set>
+                                    <p:anim calcmode="lin" valueType="num">
+                                      <p:cBhvr>
+                                        <p:cTn id="33" dur="500" fill="hold"/>
+                                        <p:tgtEl>
+                                          <p:spTgt spid="15"/>
+                                        </p:tgtEl>
+                                        <p:attrNameLst>
+                                          <p:attrName>ppt_w</p:attrName>
+                                        </p:attrNameLst>
+                                      </p:cBhvr>
+                                      <p:tavLst>
+                                        <p:tav tm="0">
+                                          <p:val>
+                                            <p:fltVal val="0"/>
+                                          </p:val>
+                                        </p:tav>
+                                        <p:tav tm="100000">
+                                          <p:val>
+                                            <p:strVal val="#ppt_w"/>
+                                          </p:val>
+                                        </p:tav>
+                                      </p:tavLst>
+                                    </p:anim>
+                                    <p:anim calcmode="lin" valueType="num">
+                                      <p:cBhvr>
+                                        <p:cTn id="34" dur="500" fill="hold"/>
+                                        <p:tgtEl>
+                                          <p:spTgt spid="15"/>
+                                        </p:tgtEl>
+                                        <p:attrNameLst>
+                                          <p:attrName>ppt_h</p:attrName>
+                                        </p:attrNameLst>
+                                      </p:cBhvr>
+                                      <p:tavLst>
+                                        <p:tav tm="0">
+                                          <p:val>
+                                            <p:fltVal val="0"/>
+                                          </p:val>
+                                        </p:tav>
+                                        <p:tav tm="100000">
+                                          <p:val>
+                                            <p:strVal val="#ppt_h"/>
+                                          </p:val>
+                                        </p:tav>
+                                      </p:tavLst>
+                                    </p:anim>
+                                    <p:animEffect transition="in" filter="fade">
+                                      <p:cBhvr>
+                                        <p:cTn id="35" dur="500"/>
+                                        <p:tgtEl>
+                                          <p:spTgt spid="15"/>
+                                        </p:tgtEl>
+                                      </p:cBhvr>
+                                    </p:animEffect>
+                                  </p:childTnLst>
+                                </p:cTn>
+                              </p:par>
+                              <p:par>
+                                <p:cTn id="36" presetID="53" presetClass="entr" presetSubtype="16" fill="hold" grpId="0" nodeType="withEffect">
+                                  <p:stCondLst>
+                                    <p:cond delay="0"/>
+                                  </p:stCondLst>
+                                  <p:childTnLst>
+                                    <p:set>
+                                      <p:cBhvr>
+                                        <p:cTn id="37" dur="1" fill="hold">
+                                          <p:stCondLst>
+                                            <p:cond delay="0"/>
+                                          </p:stCondLst>
+                                        </p:cTn>
+                                        <p:tgtEl>
+                                          <p:spTgt spid="24"/>
+                                        </p:tgtEl>
+                                        <p:attrNameLst>
+                                          <p:attrName>style.visibility</p:attrName>
+                                        </p:attrNameLst>
+                                      </p:cBhvr>
+                                      <p:to>
+                                        <p:strVal val="visible"/>
+                                      </p:to>
+                                    </p:set>
+                                    <p:anim calcmode="lin" valueType="num">
+                                      <p:cBhvr>
+                                        <p:cTn id="38" dur="500" fill="hold"/>
+                                        <p:tgtEl>
+                                          <p:spTgt spid="24"/>
+                                        </p:tgtEl>
+                                        <p:attrNameLst>
+                                          <p:attrName>ppt_w</p:attrName>
+                                        </p:attrNameLst>
+                                      </p:cBhvr>
+                                      <p:tavLst>
+                                        <p:tav tm="0">
+                                          <p:val>
+                                            <p:fltVal val="0"/>
+                                          </p:val>
+                                        </p:tav>
+                                        <p:tav tm="100000">
+                                          <p:val>
+                                            <p:strVal val="#ppt_w"/>
+                                          </p:val>
+                                        </p:tav>
+                                      </p:tavLst>
+                                    </p:anim>
+                                    <p:anim calcmode="lin" valueType="num">
+                                      <p:cBhvr>
+                                        <p:cTn id="39" dur="500" fill="hold"/>
+                                        <p:tgtEl>
+                                          <p:spTgt spid="24"/>
+                                        </p:tgtEl>
+                                        <p:attrNameLst>
+                                          <p:attrName>ppt_h</p:attrName>
+                                        </p:attrNameLst>
+                                      </p:cBhvr>
+                                      <p:tavLst>
+                                        <p:tav tm="0">
+                                          <p:val>
+                                            <p:fltVal val="0"/>
+                                          </p:val>
+                                        </p:tav>
+                                        <p:tav tm="100000">
+                                          <p:val>
+                                            <p:strVal val="#ppt_h"/>
+                                          </p:val>
+                                        </p:tav>
+                                      </p:tavLst>
+                                    </p:anim>
+                                    <p:animEffect transition="in" filter="fade">
+                                      <p:cBhvr>
+                                        <p:cTn id="40" dur="500"/>
+                                        <p:tgtEl>
+                                          <p:spTgt spid="24"/>
+                                        </p:tgtEl>
+                                      </p:cBhvr>
+                                    </p:animEffect>
+                                  </p:childTnLst>
+                                </p:cTn>
+                              </p:par>
+                            </p:childTnLst>
+                          </p:cTn>
+                        </p:par>
+                      </p:childTnLst>
+                    </p:cTn>
+                  </p:par>
+                  <p:par>
+                    <p:cTn id="41" fill="hold">
+                      <p:stCondLst>
+                        <p:cond delay="indefinite"/>
+                      </p:stCondLst>
+                      <p:childTnLst>
+                        <p:par>
+                          <p:cTn id="42" fill="hold">
+                            <p:stCondLst>
+                              <p:cond delay="0"/>
+                            </p:stCondLst>
+                            <p:childTnLst>
+                              <p:par>
+                                <p:cTn id="43" presetID="53" presetClass="entr" presetSubtype="16" fill="hold" grpId="0" nodeType="clickEffect">
+                                  <p:stCondLst>
+                                    <p:cond delay="0"/>
+                                  </p:stCondLst>
+                                  <p:childTnLst>
+                                    <p:set>
+                                      <p:cBhvr>
+                                        <p:cTn id="44" dur="1" fill="hold">
+                                          <p:stCondLst>
+                                            <p:cond delay="0"/>
+                                          </p:stCondLst>
+                                        </p:cTn>
+                                        <p:tgtEl>
+                                          <p:spTgt spid="19"/>
+                                        </p:tgtEl>
+                                        <p:attrNameLst>
+                                          <p:attrName>style.visibility</p:attrName>
+                                        </p:attrNameLst>
+                                      </p:cBhvr>
+                                      <p:to>
+                                        <p:strVal val="visible"/>
+                                      </p:to>
+                                    </p:set>
+                                    <p:anim calcmode="lin" valueType="num">
+                                      <p:cBhvr>
+                                        <p:cTn id="45" dur="500" fill="hold"/>
+                                        <p:tgtEl>
+                                          <p:spTgt spid="19"/>
+                                        </p:tgtEl>
+                                        <p:attrNameLst>
+                                          <p:attrName>ppt_w</p:attrName>
+                                        </p:attrNameLst>
+                                      </p:cBhvr>
+                                      <p:tavLst>
+                                        <p:tav tm="0">
+                                          <p:val>
+                                            <p:fltVal val="0"/>
+                                          </p:val>
+                                        </p:tav>
+                                        <p:tav tm="100000">
+                                          <p:val>
+                                            <p:strVal val="#ppt_w"/>
+                                          </p:val>
+                                        </p:tav>
+                                      </p:tavLst>
+                                    </p:anim>
+                                    <p:anim calcmode="lin" valueType="num">
+                                      <p:cBhvr>
+                                        <p:cTn id="46" dur="500" fill="hold"/>
+                                        <p:tgtEl>
+                                          <p:spTgt spid="19"/>
+                                        </p:tgtEl>
+                                        <p:attrNameLst>
+                                          <p:attrName>ppt_h</p:attrName>
+                                        </p:attrNameLst>
+                                      </p:cBhvr>
+                                      <p:tavLst>
+                                        <p:tav tm="0">
+                                          <p:val>
+                                            <p:fltVal val="0"/>
+                                          </p:val>
+                                        </p:tav>
+                                        <p:tav tm="100000">
+                                          <p:val>
+                                            <p:strVal val="#ppt_h"/>
+                                          </p:val>
+                                        </p:tav>
+                                      </p:tavLst>
+                                    </p:anim>
+                                    <p:animEffect transition="in" filter="fade">
+                                      <p:cBhvr>
+                                        <p:cTn id="47" dur="500"/>
+                                        <p:tgtEl>
+                                          <p:spTgt spid="19"/>
+                                        </p:tgtEl>
+                                      </p:cBhvr>
+                                    </p:animEffect>
+                                  </p:childTnLst>
+                                </p:cTn>
+                              </p:par>
+                            </p:childTnLst>
+                          </p:cTn>
+                        </p:par>
+                      </p:childTnLst>
+                    </p:cTn>
+                  </p:par>
+                  <p:par>
+                    <p:cTn id="48" fill="hold">
+                      <p:stCondLst>
+                        <p:cond delay="indefinite"/>
+                      </p:stCondLst>
+                      <p:childTnLst>
+                        <p:par>
+                          <p:cTn id="49" fill="hold">
+                            <p:stCondLst>
+                              <p:cond delay="0"/>
+                            </p:stCondLst>
+                            <p:childTnLst>
+                              <p:par>
+                                <p:cTn id="50" presetID="53" presetClass="entr" presetSubtype="16" fill="hold" grpId="0" nodeType="clickEffect">
+                                  <p:stCondLst>
+                                    <p:cond delay="0"/>
+                                  </p:stCondLst>
+                                  <p:childTnLst>
+                                    <p:set>
+                                      <p:cBhvr>
+                                        <p:cTn id="51" dur="1" fill="hold">
+                                          <p:stCondLst>
+                                            <p:cond delay="0"/>
+                                          </p:stCondLst>
+                                        </p:cTn>
+                                        <p:tgtEl>
+                                          <p:spTgt spid="23"/>
+                                        </p:tgtEl>
+                                        <p:attrNameLst>
+                                          <p:attrName>style.visibility</p:attrName>
+                                        </p:attrNameLst>
+                                      </p:cBhvr>
+                                      <p:to>
+                                        <p:strVal val="visible"/>
+                                      </p:to>
+                                    </p:set>
+                                    <p:anim calcmode="lin" valueType="num">
+                                      <p:cBhvr>
+                                        <p:cTn id="52" dur="500" fill="hold"/>
+                                        <p:tgtEl>
+                                          <p:spTgt spid="23"/>
+                                        </p:tgtEl>
+                                        <p:attrNameLst>
+                                          <p:attrName>ppt_w</p:attrName>
+                                        </p:attrNameLst>
+                                      </p:cBhvr>
+                                      <p:tavLst>
+                                        <p:tav tm="0">
+                                          <p:val>
+                                            <p:fltVal val="0"/>
+                                          </p:val>
+                                        </p:tav>
+                                        <p:tav tm="100000">
+                                          <p:val>
+                                            <p:strVal val="#ppt_w"/>
+                                          </p:val>
+                                        </p:tav>
+                                      </p:tavLst>
+                                    </p:anim>
+                                    <p:anim calcmode="lin" valueType="num">
+                                      <p:cBhvr>
+                                        <p:cTn id="53" dur="500" fill="hold"/>
+                                        <p:tgtEl>
+                                          <p:spTgt spid="23"/>
+                                        </p:tgtEl>
+                                        <p:attrNameLst>
+                                          <p:attrName>ppt_h</p:attrName>
+                                        </p:attrNameLst>
+                                      </p:cBhvr>
+                                      <p:tavLst>
+                                        <p:tav tm="0">
+                                          <p:val>
+                                            <p:fltVal val="0"/>
+                                          </p:val>
+                                        </p:tav>
+                                        <p:tav tm="100000">
+                                          <p:val>
+                                            <p:strVal val="#ppt_h"/>
+                                          </p:val>
+                                        </p:tav>
+                                      </p:tavLst>
+                                    </p:anim>
+                                    <p:animEffect transition="in" filter="fade">
+                                      <p:cBhvr>
+                                        <p:cTn id="54" dur="500"/>
+                                        <p:tgtEl>
+                                          <p:spTgt spid="23"/>
+                                        </p:tgtEl>
+                                      </p:cBhvr>
+                                    </p:animEffect>
+                                  </p:childTnLst>
+                                </p:cTn>
+                              </p:par>
+                              <p:par>
+                                <p:cTn id="55" presetID="53" presetClass="entr" presetSubtype="16" fill="hold" grpId="0" nodeType="withEffect">
+                                  <p:stCondLst>
+                                    <p:cond delay="0"/>
+                                  </p:stCondLst>
+                                  <p:childTnLst>
+                                    <p:set>
+                                      <p:cBhvr>
+                                        <p:cTn id="56" dur="1" fill="hold">
+                                          <p:stCondLst>
+                                            <p:cond delay="0"/>
+                                          </p:stCondLst>
+                                        </p:cTn>
+                                        <p:tgtEl>
+                                          <p:spTgt spid="21"/>
+                                        </p:tgtEl>
+                                        <p:attrNameLst>
+                                          <p:attrName>style.visibility</p:attrName>
+                                        </p:attrNameLst>
+                                      </p:cBhvr>
+                                      <p:to>
+                                        <p:strVal val="visible"/>
+                                      </p:to>
+                                    </p:set>
+                                    <p:anim calcmode="lin" valueType="num">
+                                      <p:cBhvr>
+                                        <p:cTn id="57" dur="500" fill="hold"/>
+                                        <p:tgtEl>
+                                          <p:spTgt spid="21"/>
+                                        </p:tgtEl>
+                                        <p:attrNameLst>
+                                          <p:attrName>ppt_w</p:attrName>
+                                        </p:attrNameLst>
+                                      </p:cBhvr>
+                                      <p:tavLst>
+                                        <p:tav tm="0">
+                                          <p:val>
+                                            <p:fltVal val="0"/>
+                                          </p:val>
+                                        </p:tav>
+                                        <p:tav tm="100000">
+                                          <p:val>
+                                            <p:strVal val="#ppt_w"/>
+                                          </p:val>
+                                        </p:tav>
+                                      </p:tavLst>
+                                    </p:anim>
+                                    <p:anim calcmode="lin" valueType="num">
+                                      <p:cBhvr>
+                                        <p:cTn id="58" dur="500" fill="hold"/>
+                                        <p:tgtEl>
+                                          <p:spTgt spid="21"/>
+                                        </p:tgtEl>
+                                        <p:attrNameLst>
+                                          <p:attrName>ppt_h</p:attrName>
+                                        </p:attrNameLst>
+                                      </p:cBhvr>
+                                      <p:tavLst>
+                                        <p:tav tm="0">
+                                          <p:val>
+                                            <p:fltVal val="0"/>
+                                          </p:val>
+                                        </p:tav>
+                                        <p:tav tm="100000">
+                                          <p:val>
+                                            <p:strVal val="#ppt_h"/>
+                                          </p:val>
+                                        </p:tav>
+                                      </p:tavLst>
+                                    </p:anim>
+                                    <p:animEffect transition="in" filter="fade">
+                                      <p:cBhvr>
+                                        <p:cTn id="59" dur="500"/>
+                                        <p:tgtEl>
+                                          <p:spTgt spid="21"/>
+                                        </p:tgtEl>
+                                      </p:cBhvr>
+                                    </p:animEffect>
+                                  </p:childTnLst>
+                                </p:cTn>
+                              </p:par>
+                            </p:childTnLst>
+                          </p:cTn>
+                        </p:par>
+                      </p:childTnLst>
+                    </p:cTn>
+                  </p:par>
+                  <p:par>
+                    <p:cTn id="60" fill="hold">
+                      <p:stCondLst>
+                        <p:cond delay="indefinite"/>
+                      </p:stCondLst>
+                      <p:childTnLst>
+                        <p:par>
+                          <p:cTn id="61" fill="hold">
+                            <p:stCondLst>
+                              <p:cond delay="0"/>
+                            </p:stCondLst>
+                            <p:childTnLst>
+                              <p:par>
+                                <p:cTn id="62" presetID="53" presetClass="entr" presetSubtype="16" fill="hold" grpId="0" nodeType="clickEffect">
+                                  <p:stCondLst>
+                                    <p:cond delay="0"/>
+                                  </p:stCondLst>
+                                  <p:childTnLst>
+                                    <p:set>
+                                      <p:cBhvr>
+                                        <p:cTn id="63" dur="1" fill="hold">
+                                          <p:stCondLst>
+                                            <p:cond delay="0"/>
+                                          </p:stCondLst>
+                                        </p:cTn>
+                                        <p:tgtEl>
+                                          <p:spTgt spid="25"/>
+                                        </p:tgtEl>
+                                        <p:attrNameLst>
+                                          <p:attrName>style.visibility</p:attrName>
+                                        </p:attrNameLst>
+                                      </p:cBhvr>
+                                      <p:to>
+                                        <p:strVal val="visible"/>
+                                      </p:to>
+                                    </p:set>
+                                    <p:anim calcmode="lin" valueType="num">
+                                      <p:cBhvr>
+                                        <p:cTn id="64" dur="500" fill="hold"/>
+                                        <p:tgtEl>
+                                          <p:spTgt spid="25"/>
+                                        </p:tgtEl>
+                                        <p:attrNameLst>
+                                          <p:attrName>ppt_w</p:attrName>
+                                        </p:attrNameLst>
+                                      </p:cBhvr>
+                                      <p:tavLst>
+                                        <p:tav tm="0">
+                                          <p:val>
+                                            <p:fltVal val="0"/>
+                                          </p:val>
+                                        </p:tav>
+                                        <p:tav tm="100000">
+                                          <p:val>
+                                            <p:strVal val="#ppt_w"/>
+                                          </p:val>
+                                        </p:tav>
+                                      </p:tavLst>
+                                    </p:anim>
+                                    <p:anim calcmode="lin" valueType="num">
+                                      <p:cBhvr>
+                                        <p:cTn id="65" dur="500" fill="hold"/>
+                                        <p:tgtEl>
+                                          <p:spTgt spid="25"/>
+                                        </p:tgtEl>
+                                        <p:attrNameLst>
+                                          <p:attrName>ppt_h</p:attrName>
+                                        </p:attrNameLst>
+                                      </p:cBhvr>
+                                      <p:tavLst>
+                                        <p:tav tm="0">
+                                          <p:val>
+                                            <p:fltVal val="0"/>
+                                          </p:val>
+                                        </p:tav>
+                                        <p:tav tm="100000">
+                                          <p:val>
+                                            <p:strVal val="#ppt_h"/>
+                                          </p:val>
+                                        </p:tav>
+                                      </p:tavLst>
+                                    </p:anim>
+                                    <p:animEffect transition="in" filter="fade">
+                                      <p:cBhvr>
+                                        <p:cTn id="66" dur="500"/>
+                                        <p:tgtEl>
+                                          <p:spTgt spid="25"/>
+                                        </p:tgtEl>
+                                      </p:cBhvr>
+                                    </p:animEffect>
+                                  </p:childTnLst>
+                                </p:cTn>
+                              </p:par>
+                            </p:childTnLst>
+                          </p:cTn>
+                        </p:par>
+                      </p:childTnLst>
+                    </p:cTn>
+                  </p:par>
+                  <p:par>
+                    <p:cTn id="67" fill="hold">
+                      <p:stCondLst>
+                        <p:cond delay="indefinite"/>
+                      </p:stCondLst>
+                      <p:childTnLst>
+                        <p:par>
+                          <p:cTn id="68" fill="hold">
+                            <p:stCondLst>
+                              <p:cond delay="0"/>
+                            </p:stCondLst>
+                            <p:childTnLst>
+                              <p:par>
+                                <p:cTn id="69" presetID="53" presetClass="entr" presetSubtype="16" fill="hold" grpId="0" nodeType="clickEffect">
+                                  <p:stCondLst>
+                                    <p:cond delay="0"/>
+                                  </p:stCondLst>
+                                  <p:childTnLst>
+                                    <p:set>
+                                      <p:cBhvr>
+                                        <p:cTn id="70" dur="1" fill="hold">
+                                          <p:stCondLst>
+                                            <p:cond delay="0"/>
+                                          </p:stCondLst>
+                                        </p:cTn>
+                                        <p:tgtEl>
+                                          <p:spTgt spid="26"/>
+                                        </p:tgtEl>
+                                        <p:attrNameLst>
+                                          <p:attrName>style.visibility</p:attrName>
+                                        </p:attrNameLst>
+                                      </p:cBhvr>
+                                      <p:to>
+                                        <p:strVal val="visible"/>
+                                      </p:to>
+                                    </p:set>
+                                    <p:anim calcmode="lin" valueType="num">
+                                      <p:cBhvr>
+                                        <p:cTn id="71" dur="500" fill="hold"/>
+                                        <p:tgtEl>
+                                          <p:spTgt spid="26"/>
+                                        </p:tgtEl>
+                                        <p:attrNameLst>
+                                          <p:attrName>ppt_w</p:attrName>
+                                        </p:attrNameLst>
+                                      </p:cBhvr>
+                                      <p:tavLst>
+                                        <p:tav tm="0">
+                                          <p:val>
+                                            <p:fltVal val="0"/>
+                                          </p:val>
+                                        </p:tav>
+                                        <p:tav tm="100000">
+                                          <p:val>
+                                            <p:strVal val="#ppt_w"/>
+                                          </p:val>
+                                        </p:tav>
+                                      </p:tavLst>
+                                    </p:anim>
+                                    <p:anim calcmode="lin" valueType="num">
+                                      <p:cBhvr>
+                                        <p:cTn id="72" dur="500" fill="hold"/>
+                                        <p:tgtEl>
+                                          <p:spTgt spid="26"/>
+                                        </p:tgtEl>
+                                        <p:attrNameLst>
+                                          <p:attrName>ppt_h</p:attrName>
+                                        </p:attrNameLst>
+                                      </p:cBhvr>
+                                      <p:tavLst>
+                                        <p:tav tm="0">
+                                          <p:val>
+                                            <p:fltVal val="0"/>
+                                          </p:val>
+                                        </p:tav>
+                                        <p:tav tm="100000">
+                                          <p:val>
+                                            <p:strVal val="#ppt_h"/>
+                                          </p:val>
+                                        </p:tav>
+                                      </p:tavLst>
+                                    </p:anim>
+                                    <p:animEffect transition="in" filter="fade">
+                                      <p:cBhvr>
+                                        <p:cTn id="73" dur="500"/>
+                                        <p:tgtEl>
+                                          <p:spTgt spid="26"/>
+                                        </p:tgtEl>
+                                      </p:cBhvr>
+                                    </p:animEffect>
+                                  </p:childTnLst>
+                                </p:cTn>
+                              </p:par>
+                              <p:par>
+                                <p:cTn id="74" presetID="53" presetClass="entr" presetSubtype="16" fill="hold" grpId="0" nodeType="withEffect">
+                                  <p:stCondLst>
+                                    <p:cond delay="0"/>
+                                  </p:stCondLst>
+                                  <p:childTnLst>
+                                    <p:set>
+                                      <p:cBhvr>
+                                        <p:cTn id="75" dur="1" fill="hold">
+                                          <p:stCondLst>
+                                            <p:cond delay="0"/>
+                                          </p:stCondLst>
+                                        </p:cTn>
+                                        <p:tgtEl>
+                                          <p:spTgt spid="28"/>
+                                        </p:tgtEl>
+                                        <p:attrNameLst>
+                                          <p:attrName>style.visibility</p:attrName>
+                                        </p:attrNameLst>
+                                      </p:cBhvr>
+                                      <p:to>
+                                        <p:strVal val="visible"/>
+                                      </p:to>
+                                    </p:set>
+                                    <p:anim calcmode="lin" valueType="num">
+                                      <p:cBhvr>
+                                        <p:cTn id="76" dur="500" fill="hold"/>
+                                        <p:tgtEl>
+                                          <p:spTgt spid="28"/>
+                                        </p:tgtEl>
+                                        <p:attrNameLst>
+                                          <p:attrName>ppt_w</p:attrName>
+                                        </p:attrNameLst>
+                                      </p:cBhvr>
+                                      <p:tavLst>
+                                        <p:tav tm="0">
+                                          <p:val>
+                                            <p:fltVal val="0"/>
+                                          </p:val>
+                                        </p:tav>
+                                        <p:tav tm="100000">
+                                          <p:val>
+                                            <p:strVal val="#ppt_w"/>
+                                          </p:val>
+                                        </p:tav>
+                                      </p:tavLst>
+                                    </p:anim>
+                                    <p:anim calcmode="lin" valueType="num">
+                                      <p:cBhvr>
+                                        <p:cTn id="77" dur="500" fill="hold"/>
+                                        <p:tgtEl>
+                                          <p:spTgt spid="28"/>
+                                        </p:tgtEl>
+                                        <p:attrNameLst>
+                                          <p:attrName>ppt_h</p:attrName>
+                                        </p:attrNameLst>
+                                      </p:cBhvr>
+                                      <p:tavLst>
+                                        <p:tav tm="0">
+                                          <p:val>
+                                            <p:fltVal val="0"/>
+                                          </p:val>
+                                        </p:tav>
+                                        <p:tav tm="100000">
+                                          <p:val>
+                                            <p:strVal val="#ppt_h"/>
+                                          </p:val>
+                                        </p:tav>
+                                      </p:tavLst>
+                                    </p:anim>
+                                    <p:animEffect transition="in" filter="fade">
+                                      <p:cBhvr>
+                                        <p:cTn id="78" dur="500"/>
+                                        <p:tgtEl>
+                                          <p:spTgt spid="28"/>
+                                        </p:tgtEl>
+                                      </p:cBhvr>
+                                    </p:animEffect>
+                                  </p:childTnLst>
+                                </p:cTn>
+                              </p:par>
+                            </p:childTnLst>
+                          </p:cTn>
+                        </p:par>
+                      </p:childTnLst>
+                    </p:cTn>
+                  </p:par>
+                  <p:par>
+                    <p:cTn id="79" fill="hold">
+                      <p:stCondLst>
+                        <p:cond delay="indefinite"/>
+                      </p:stCondLst>
+                      <p:childTnLst>
+                        <p:par>
+                          <p:cTn id="80" fill="hold">
+                            <p:stCondLst>
+                              <p:cond delay="0"/>
+                            </p:stCondLst>
+                            <p:childTnLst>
+                              <p:par>
+                                <p:cTn id="81" presetID="53" presetClass="entr" presetSubtype="16" fill="hold" grpId="0" nodeType="clickEffect">
+                                  <p:stCondLst>
+                                    <p:cond delay="0"/>
+                                  </p:stCondLst>
+                                  <p:childTnLst>
+                                    <p:set>
+                                      <p:cBhvr>
+                                        <p:cTn id="82" dur="1" fill="hold">
+                                          <p:stCondLst>
+                                            <p:cond delay="0"/>
+                                          </p:stCondLst>
+                                        </p:cTn>
+                                        <p:tgtEl>
+                                          <p:spTgt spid="30"/>
+                                        </p:tgtEl>
+                                        <p:attrNameLst>
+                                          <p:attrName>style.visibility</p:attrName>
+                                        </p:attrNameLst>
+                                      </p:cBhvr>
+                                      <p:to>
+                                        <p:strVal val="visible"/>
+                                      </p:to>
+                                    </p:set>
+                                    <p:anim calcmode="lin" valueType="num">
+                                      <p:cBhvr>
+                                        <p:cTn id="83" dur="500" fill="hold"/>
+                                        <p:tgtEl>
+                                          <p:spTgt spid="30"/>
+                                        </p:tgtEl>
+                                        <p:attrNameLst>
+                                          <p:attrName>ppt_w</p:attrName>
+                                        </p:attrNameLst>
+                                      </p:cBhvr>
+                                      <p:tavLst>
+                                        <p:tav tm="0">
+                                          <p:val>
+                                            <p:fltVal val="0"/>
+                                          </p:val>
+                                        </p:tav>
+                                        <p:tav tm="100000">
+                                          <p:val>
+                                            <p:strVal val="#ppt_w"/>
+                                          </p:val>
+                                        </p:tav>
+                                      </p:tavLst>
+                                    </p:anim>
+                                    <p:anim calcmode="lin" valueType="num">
+                                      <p:cBhvr>
+                                        <p:cTn id="84" dur="500" fill="hold"/>
+                                        <p:tgtEl>
+                                          <p:spTgt spid="30"/>
+                                        </p:tgtEl>
+                                        <p:attrNameLst>
+                                          <p:attrName>ppt_h</p:attrName>
+                                        </p:attrNameLst>
+                                      </p:cBhvr>
+                                      <p:tavLst>
+                                        <p:tav tm="0">
+                                          <p:val>
+                                            <p:fltVal val="0"/>
+                                          </p:val>
+                                        </p:tav>
+                                        <p:tav tm="100000">
+                                          <p:val>
+                                            <p:strVal val="#ppt_h"/>
+                                          </p:val>
+                                        </p:tav>
+                                      </p:tavLst>
+                                    </p:anim>
+                                    <p:animEffect transition="in" filter="fade">
+                                      <p:cBhvr>
+                                        <p:cTn id="85" dur="500"/>
+                                        <p:tgtEl>
+                                          <p:spTgt spid="30"/>
+                                        </p:tgtEl>
+                                      </p:cBhvr>
+                                    </p:animEffect>
+                                  </p:childTnLst>
+                                </p:cTn>
+                              </p:par>
+                              <p:par>
+                                <p:cTn id="86" presetID="53" presetClass="entr" presetSubtype="16" fill="hold" grpId="0" nodeType="withEffect">
+                                  <p:stCondLst>
+                                    <p:cond delay="0"/>
+                                  </p:stCondLst>
+                                  <p:childTnLst>
+                                    <p:set>
+                                      <p:cBhvr>
+                                        <p:cTn id="87" dur="1" fill="hold">
+                                          <p:stCondLst>
+                                            <p:cond delay="0"/>
+                                          </p:stCondLst>
+                                        </p:cTn>
+                                        <p:tgtEl>
+                                          <p:spTgt spid="29"/>
+                                        </p:tgtEl>
+                                        <p:attrNameLst>
+                                          <p:attrName>style.visibility</p:attrName>
+                                        </p:attrNameLst>
+                                      </p:cBhvr>
+                                      <p:to>
+                                        <p:strVal val="visible"/>
+                                      </p:to>
+                                    </p:set>
+                                    <p:anim calcmode="lin" valueType="num">
+                                      <p:cBhvr>
+                                        <p:cTn id="88" dur="500" fill="hold"/>
+                                        <p:tgtEl>
+                                          <p:spTgt spid="29"/>
+                                        </p:tgtEl>
+                                        <p:attrNameLst>
+                                          <p:attrName>ppt_w</p:attrName>
+                                        </p:attrNameLst>
+                                      </p:cBhvr>
+                                      <p:tavLst>
+                                        <p:tav tm="0">
+                                          <p:val>
+                                            <p:fltVal val="0"/>
+                                          </p:val>
+                                        </p:tav>
+                                        <p:tav tm="100000">
+                                          <p:val>
+                                            <p:strVal val="#ppt_w"/>
+                                          </p:val>
+                                        </p:tav>
+                                      </p:tavLst>
+                                    </p:anim>
+                                    <p:anim calcmode="lin" valueType="num">
+                                      <p:cBhvr>
+                                        <p:cTn id="89" dur="500" fill="hold"/>
+                                        <p:tgtEl>
+                                          <p:spTgt spid="29"/>
+                                        </p:tgtEl>
+                                        <p:attrNameLst>
+                                          <p:attrName>ppt_h</p:attrName>
+                                        </p:attrNameLst>
+                                      </p:cBhvr>
+                                      <p:tavLst>
+                                        <p:tav tm="0">
+                                          <p:val>
+                                            <p:fltVal val="0"/>
+                                          </p:val>
+                                        </p:tav>
+                                        <p:tav tm="100000">
+                                          <p:val>
+                                            <p:strVal val="#ppt_h"/>
+                                          </p:val>
+                                        </p:tav>
+                                      </p:tavLst>
+                                    </p:anim>
+                                    <p:animEffect transition="in" filter="fade">
+                                      <p:cBhvr>
+                                        <p:cTn id="90" dur="500"/>
+                                        <p:tgtEl>
+                                          <p:spTgt spid="29"/>
+                                        </p:tgtEl>
+                                      </p:cBhvr>
+                                    </p:animEffect>
+                                  </p:childTnLst>
+                                </p:cTn>
+                              </p:par>
+                            </p:childTnLst>
+                          </p:cTn>
+                        </p:par>
+                      </p:childTnLst>
+                    </p:cTn>
+                  </p:par>
+                </p:childTnLst>
+              </p:cTn>
+              <p:prevCondLst>
+                <p:cond evt="onPrev" delay="0">
+                  <p:tgtEl>
+                    <p:sldTgt/>
+                  </p:tgtEl>
+                </p:cond>
+              </p:prevCondLst>
+              <p:nextCondLst>
+                <p:cond evt="onNext" delay="0">
+                  <p:tgtEl>
+                    <p:sldTgt/>
+                  </p:tgtEl>
+                </p:cond>
+              </p:nextCondLst>
+            </p:seq>
+          </p:childTnLst>
+        </p:cTn>
+      </p:par>
+    </p:tnLst>
+    <p:bldLst>
+      <p:bldP spid="9" grpId="0"/>
+      <p:bldP spid="14" grpId="0"/>
+      <p:bldP spid="15" grpId="0" animBg="1"/>
+      <p:bldP spid="19" grpId="0"/>
+      <p:bldP spid="21" grpId="0"/>
+      <p:bldP spid="23" grpId="0" animBg="1"/>
+      <p:bldP spid="24" grpId="0"/>
+      <p:bldP spid="25" grpId="0"/>
+      <p:bldP spid="26" grpId="0" animBg="1"/>
+      <p:bldP spid="28" grpId="0"/>
+      <p:bldP spid="29" grpId="0"/>
+      <p:bldP spid="30" grpId="0" animBg="1"/>
+      <p:bldP spid="32" grpId="0" animBg="1"/>
+      <p:bldP spid="33" grpId="0"/>
+    </p:bldLst>
+  </p:timing>
 </p:sld>
 </file>
 
-<file path=ppt/slides/slide15.xml><?xml version="1.0" encoding="utf-8"?>
+<file path=ppt/slides/slide14.xml><?xml version="1.0" encoding="utf-8"?>
 <p:sld xmlns:a="http://schemas.openxmlformats.org/drawingml/2006/main" xmlns:r="http://schemas.openxmlformats.org/officeDocument/2006/relationships" xmlns:p="http://schemas.openxmlformats.org/presentationml/2006/main">
   <p:cSld>
     <p:spTree>
@@ -5100,1426 +7581,6 @@
           <p:cNvPr id="2" name="Titolo 1">
             <a:extLst>
               <a:ext uri="{FF2B5EF4-FFF2-40B4-BE49-F238E27FC236}">
-                <a16:creationId xmlns:a16="http://schemas.microsoft.com/office/drawing/2014/main" id="{C610CC12-CCAF-5443-90A0-EC9527FC3CBF}"/>
-              </a:ext>
-            </a:extLst>
-          </p:cNvPr>
-          <p:cNvSpPr>
-            <a:spLocks noGrp="1"/>
-          </p:cNvSpPr>
-          <p:nvPr>
-            <p:ph type="title"/>
-          </p:nvPr>
-        </p:nvSpPr>
-        <p:spPr/>
-        <p:txBody>
-          <a:bodyPr/>
-          <a:lstStyle/>
-          <a:p>
-            <a:r>
-              <a:rPr lang="it-IT" dirty="0">
-                <a:solidFill>
-                  <a:srgbClr val="E94117"/>
-                </a:solidFill>
-                <a:latin typeface="Hiragino Kaku Gothic StdN W8" panose="020B0800000000000000" pitchFamily="34" charset="-128"/>
-                <a:ea typeface="Hiragino Kaku Gothic StdN W8" panose="020B0800000000000000" pitchFamily="34" charset="-128"/>
-              </a:rPr>
-              <a:t>RIVELATORI AL GERMANIO</a:t>
-            </a:r>
-            <a:endParaRPr lang="it-IT" dirty="0"/>
-          </a:p>
-        </p:txBody>
-      </p:sp>
-      <mc:AlternateContent xmlns:mc="http://schemas.openxmlformats.org/markup-compatibility/2006" xmlns:a14="http://schemas.microsoft.com/office/drawing/2010/main">
-        <mc:Choice Requires="a14">
-          <p:sp>
-            <p:nvSpPr>
-              <p:cNvPr id="3" name="Segnaposto contenuto 2">
-                <a:extLst>
-                  <a:ext uri="{FF2B5EF4-FFF2-40B4-BE49-F238E27FC236}">
-                    <a16:creationId xmlns:a16="http://schemas.microsoft.com/office/drawing/2014/main" id="{6D236978-A43F-264C-8D7A-71D94668DE07}"/>
-                  </a:ext>
-                </a:extLst>
-              </p:cNvPr>
-              <p:cNvSpPr>
-                <a:spLocks noGrp="1"/>
-              </p:cNvSpPr>
-              <p:nvPr>
-                <p:ph idx="1"/>
-              </p:nvPr>
-            </p:nvSpPr>
-            <p:spPr/>
-            <p:txBody>
-              <a:bodyPr>
-                <a:normAutofit/>
-              </a:bodyPr>
-              <a:lstStyle/>
-              <a:p>
-                <a14:m>
-                  <m:oMath xmlns:m="http://schemas.openxmlformats.org/officeDocument/2006/math">
-                    <m:sSub>
-                      <m:sSubPr>
-                        <m:ctrlPr>
-                          <a:rPr lang="it-IT" sz="2400" i="1">
-                            <a:latin typeface="Cambria Math" panose="02040503050406030204" pitchFamily="18" charset="0"/>
-                          </a:rPr>
-                        </m:ctrlPr>
-                      </m:sSubPr>
-                      <m:e>
-                        <m:r>
-                          <a:rPr lang="it-IT" sz="2400" i="1">
-                            <a:latin typeface="Cambria Math" panose="02040503050406030204" pitchFamily="18" charset="0"/>
-                          </a:rPr>
-                          <m:t>𝑊</m:t>
-                        </m:r>
-                      </m:e>
-                      <m:sub>
-                        <m:r>
-                          <a:rPr lang="it-IT" sz="2400" i="1">
-                            <a:latin typeface="Cambria Math" panose="02040503050406030204" pitchFamily="18" charset="0"/>
-                          </a:rPr>
-                          <m:t>𝐺𝑒</m:t>
-                        </m:r>
-                      </m:sub>
-                    </m:sSub>
-                    <m:r>
-                      <a:rPr lang="it-IT" sz="2400" i="1">
-                        <a:latin typeface="Cambria Math" panose="02040503050406030204" pitchFamily="18" charset="0"/>
-                      </a:rPr>
-                      <m:t>=1 ⅇ</m:t>
-                    </m:r>
-                    <m:r>
-                      <a:rPr lang="it-IT" sz="2400" i="1">
-                        <a:latin typeface="Cambria Math" panose="02040503050406030204" pitchFamily="18" charset="0"/>
-                      </a:rPr>
-                      <m:t>𝑉</m:t>
-                    </m:r>
-                    <m:r>
-                      <a:rPr lang="it-IT" sz="2400" i="1">
-                        <a:latin typeface="Cambria Math" panose="02040503050406030204" pitchFamily="18" charset="0"/>
-                      </a:rPr>
-                      <m:t>/</m:t>
-                    </m:r>
-                    <m:r>
-                      <a:rPr lang="it-IT" sz="2400" i="1">
-                        <a:latin typeface="Cambria Math" panose="02040503050406030204" pitchFamily="18" charset="0"/>
-                      </a:rPr>
-                      <m:t>𝑐𝑜𝑝𝑝𝑖𝑎</m:t>
-                    </m:r>
-                  </m:oMath>
-                </a14:m>
-                <a:endParaRPr lang="it-IT" sz="2400" dirty="0">
-                  <a:latin typeface="Hiragino Kaku Gothic Pro W3" panose="020B0300000000000000" pitchFamily="34" charset="-128"/>
-                  <a:ea typeface="Hiragino Kaku Gothic Pro W3" panose="020B0300000000000000" pitchFamily="34" charset="-128"/>
-                </a:endParaRPr>
-              </a:p>
-              <a:p>
-                <a:r>
-                  <a:rPr lang="it-IT" sz="2400" dirty="0">
-                    <a:latin typeface="Hiragino Kaku Gothic Pro W3" panose="020B0300000000000000" pitchFamily="34" charset="-128"/>
-                    <a:ea typeface="Hiragino Kaku Gothic Pro W3" panose="020B0300000000000000" pitchFamily="34" charset="-128"/>
-                  </a:rPr>
-                  <a:t>Drogaggio e regione di svuotamento (</a:t>
-                </a:r>
-                <a:r>
-                  <a:rPr lang="it-IT" sz="2400" dirty="0" err="1">
-                    <a:latin typeface="Hiragino Kaku Gothic Pro W3" panose="020B0300000000000000" pitchFamily="34" charset="-128"/>
-                    <a:ea typeface="Hiragino Kaku Gothic Pro W3" panose="020B0300000000000000" pitchFamily="34" charset="-128"/>
-                  </a:rPr>
-                  <a:t>HPGe</a:t>
-                </a:r>
-                <a:r>
-                  <a:rPr lang="it-IT" sz="2400" dirty="0">
-                    <a:latin typeface="Hiragino Kaku Gothic Pro W3" panose="020B0300000000000000" pitchFamily="34" charset="-128"/>
-                    <a:ea typeface="Hiragino Kaku Gothic Pro W3" panose="020B0300000000000000" pitchFamily="34" charset="-128"/>
-                  </a:rPr>
-                  <a:t>, </a:t>
-                </a:r>
-                <a14:m>
-                  <m:oMath xmlns:m="http://schemas.openxmlformats.org/officeDocument/2006/math">
-                    <m:r>
-                      <a:rPr lang="it-IT" sz="2400" i="1">
-                        <a:latin typeface="Cambria Math" panose="02040503050406030204" pitchFamily="18" charset="0"/>
-                      </a:rPr>
-                      <m:t>𝑁</m:t>
-                    </m:r>
-                    <m:r>
-                      <a:rPr lang="it-IT" sz="2400" i="1">
-                        <a:latin typeface="Cambria Math" panose="02040503050406030204" pitchFamily="18" charset="0"/>
-                      </a:rPr>
-                      <m:t>&lt;</m:t>
-                    </m:r>
-                    <m:sSup>
-                      <m:sSupPr>
-                        <m:ctrlPr>
-                          <a:rPr lang="it-IT" sz="2400" i="1">
-                            <a:latin typeface="Cambria Math" panose="02040503050406030204" pitchFamily="18" charset="0"/>
-                          </a:rPr>
-                        </m:ctrlPr>
-                      </m:sSupPr>
-                      <m:e>
-                        <m:r>
-                          <a:rPr lang="it-IT" sz="2400" i="1">
-                            <a:latin typeface="Cambria Math" panose="02040503050406030204" pitchFamily="18" charset="0"/>
-                          </a:rPr>
-                          <m:t>10</m:t>
-                        </m:r>
-                      </m:e>
-                      <m:sup>
-                        <m:r>
-                          <a:rPr lang="it-IT" sz="2400" i="1">
-                            <a:latin typeface="Cambria Math" panose="02040503050406030204" pitchFamily="18" charset="0"/>
-                          </a:rPr>
-                          <m:t>10</m:t>
-                        </m:r>
-                      </m:sup>
-                    </m:sSup>
-                    <m:f>
-                      <m:fPr>
-                        <m:type m:val="lin"/>
-                        <m:ctrlPr>
-                          <a:rPr lang="it-IT" sz="2400" i="1">
-                            <a:latin typeface="Cambria Math" panose="02040503050406030204" pitchFamily="18" charset="0"/>
-                          </a:rPr>
-                        </m:ctrlPr>
-                      </m:fPr>
-                      <m:num>
-                        <m:r>
-                          <a:rPr lang="it-IT" sz="2400" i="1">
-                            <a:latin typeface="Cambria Math" panose="02040503050406030204" pitchFamily="18" charset="0"/>
-                          </a:rPr>
-                          <m:t>𝑎𝑡𝑜𝑚𝑖</m:t>
-                        </m:r>
-                      </m:num>
-                      <m:den>
-                        <m:sSup>
-                          <m:sSupPr>
-                            <m:ctrlPr>
-                              <a:rPr lang="it-IT" sz="2400" i="1">
-                                <a:latin typeface="Cambria Math" panose="02040503050406030204" pitchFamily="18" charset="0"/>
-                              </a:rPr>
-                            </m:ctrlPr>
-                          </m:sSupPr>
-                          <m:e>
-                            <m:r>
-                              <a:rPr lang="it-IT" sz="2400" i="1">
-                                <a:latin typeface="Cambria Math" panose="02040503050406030204" pitchFamily="18" charset="0"/>
-                              </a:rPr>
-                              <m:t>𝑐𝑚</m:t>
-                            </m:r>
-                          </m:e>
-                          <m:sup>
-                            <m:r>
-                              <a:rPr lang="it-IT" sz="2400" i="1">
-                                <a:latin typeface="Cambria Math" panose="02040503050406030204" pitchFamily="18" charset="0"/>
-                              </a:rPr>
-                              <m:t>3</m:t>
-                            </m:r>
-                          </m:sup>
-                        </m:sSup>
-                      </m:den>
-                    </m:f>
-                  </m:oMath>
-                </a14:m>
-                <a:r>
-                  <a:rPr lang="it-IT" sz="2400" dirty="0">
-                    <a:latin typeface="Hiragino Kaku Gothic Pro W3" panose="020B0300000000000000" pitchFamily="34" charset="-128"/>
-                    <a:ea typeface="Hiragino Kaku Gothic Pro W3" panose="020B0300000000000000" pitchFamily="34" charset="-128"/>
-                  </a:rPr>
-                  <a:t>)</a:t>
-                </a:r>
-              </a:p>
-              <a:p>
-                <a:r>
-                  <a:rPr lang="it-IT" sz="2400" dirty="0">
-                    <a:latin typeface="Hiragino Kaku Gothic Pro W3" panose="020B0300000000000000" pitchFamily="34" charset="-128"/>
-                    <a:ea typeface="Hiragino Kaku Gothic Pro W3" panose="020B0300000000000000" pitchFamily="34" charset="-128"/>
-                  </a:rPr>
-                  <a:t>Energy gap e temperatura di utilizzo       </a:t>
-                </a:r>
-                <a14:m>
-                  <m:oMath xmlns:m="http://schemas.openxmlformats.org/officeDocument/2006/math">
-                    <m:sSub>
-                      <m:sSubPr>
-                        <m:ctrlPr>
-                          <a:rPr lang="it-IT" sz="2400" i="1">
-                            <a:latin typeface="Cambria Math" panose="02040503050406030204" pitchFamily="18" charset="0"/>
-                          </a:rPr>
-                        </m:ctrlPr>
-                      </m:sSubPr>
-                      <m:e>
-                        <m:r>
-                          <a:rPr lang="it-IT" sz="2400" i="1">
-                            <a:latin typeface="Cambria Math" panose="02040503050406030204" pitchFamily="18" charset="0"/>
-                          </a:rPr>
-                          <m:t>𝐼</m:t>
-                        </m:r>
-                      </m:e>
-                      <m:sub>
-                        <m:r>
-                          <a:rPr lang="it-IT" sz="2400" i="1">
-                            <a:latin typeface="Cambria Math" panose="02040503050406030204" pitchFamily="18" charset="0"/>
-                          </a:rPr>
-                          <m:t>𝑓𝑢𝑔𝑎</m:t>
-                        </m:r>
-                      </m:sub>
-                    </m:sSub>
-                    <m:r>
-                      <a:rPr lang="it-IT" sz="2400" i="1">
-                        <a:latin typeface="Cambria Math" panose="02040503050406030204" pitchFamily="18" charset="0"/>
-                      </a:rPr>
-                      <m:t>=</m:t>
-                    </m:r>
-                    <m:sSup>
-                      <m:sSupPr>
-                        <m:ctrlPr>
-                          <a:rPr lang="it-IT" sz="2400" i="1">
-                            <a:latin typeface="Cambria Math" panose="02040503050406030204" pitchFamily="18" charset="0"/>
-                          </a:rPr>
-                        </m:ctrlPr>
-                      </m:sSupPr>
-                      <m:e>
-                        <m:r>
-                          <a:rPr lang="it-IT" sz="2400" i="1">
-                            <a:latin typeface="Cambria Math" panose="02040503050406030204" pitchFamily="18" charset="0"/>
-                          </a:rPr>
-                          <m:t>𝑇</m:t>
-                        </m:r>
-                      </m:e>
-                      <m:sup>
-                        <m:f>
-                          <m:fPr>
-                            <m:type m:val="lin"/>
-                            <m:ctrlPr>
-                              <a:rPr lang="it-IT" sz="2400" i="1">
-                                <a:latin typeface="Cambria Math" panose="02040503050406030204" pitchFamily="18" charset="0"/>
-                              </a:rPr>
-                            </m:ctrlPr>
-                          </m:fPr>
-                          <m:num>
-                            <m:r>
-                              <a:rPr lang="it-IT" sz="2400" i="1">
-                                <a:latin typeface="Cambria Math" panose="02040503050406030204" pitchFamily="18" charset="0"/>
-                              </a:rPr>
-                              <m:t>3</m:t>
-                            </m:r>
-                          </m:num>
-                          <m:den>
-                            <m:r>
-                              <a:rPr lang="it-IT" sz="2400" i="1">
-                                <a:latin typeface="Cambria Math" panose="02040503050406030204" pitchFamily="18" charset="0"/>
-                              </a:rPr>
-                              <m:t>2</m:t>
-                            </m:r>
-                          </m:den>
-                        </m:f>
-                      </m:sup>
-                    </m:sSup>
-                    <m:sSup>
-                      <m:sSupPr>
-                        <m:ctrlPr>
-                          <a:rPr lang="it-IT" sz="2400" i="1">
-                            <a:latin typeface="Cambria Math" panose="02040503050406030204" pitchFamily="18" charset="0"/>
-                          </a:rPr>
-                        </m:ctrlPr>
-                      </m:sSupPr>
-                      <m:e>
-                        <m:r>
-                          <a:rPr lang="it-IT" sz="2400" i="1">
-                            <a:latin typeface="Cambria Math" panose="02040503050406030204" pitchFamily="18" charset="0"/>
-                          </a:rPr>
-                          <m:t>ⅇ</m:t>
-                        </m:r>
-                      </m:e>
-                      <m:sup>
-                        <m:r>
-                          <a:rPr lang="it-IT" sz="2400" i="1">
-                            <a:latin typeface="Cambria Math" panose="02040503050406030204" pitchFamily="18" charset="0"/>
-                          </a:rPr>
-                          <m:t>−</m:t>
-                        </m:r>
-                        <m:f>
-                          <m:fPr>
-                            <m:type m:val="lin"/>
-                            <m:ctrlPr>
-                              <a:rPr lang="it-IT" sz="2400" i="1">
-                                <a:latin typeface="Cambria Math" panose="02040503050406030204" pitchFamily="18" charset="0"/>
-                              </a:rPr>
-                            </m:ctrlPr>
-                          </m:fPr>
-                          <m:num>
-                            <m:sSub>
-                              <m:sSubPr>
-                                <m:ctrlPr>
-                                  <a:rPr lang="it-IT" sz="2400" i="1">
-                                    <a:latin typeface="Cambria Math" panose="02040503050406030204" pitchFamily="18" charset="0"/>
-                                  </a:rPr>
-                                </m:ctrlPr>
-                              </m:sSubPr>
-                              <m:e>
-                                <m:r>
-                                  <a:rPr lang="it-IT" sz="2400" i="1">
-                                    <a:latin typeface="Cambria Math" panose="02040503050406030204" pitchFamily="18" charset="0"/>
-                                  </a:rPr>
-                                  <m:t>𝐸</m:t>
-                                </m:r>
-                              </m:e>
-                              <m:sub>
-                                <m:r>
-                                  <a:rPr lang="it-IT" sz="2400" i="1">
-                                    <a:latin typeface="Cambria Math" panose="02040503050406030204" pitchFamily="18" charset="0"/>
-                                  </a:rPr>
-                                  <m:t>𝑔𝑎𝑝</m:t>
-                                </m:r>
-                              </m:sub>
-                            </m:sSub>
-                          </m:num>
-                          <m:den>
-                            <m:r>
-                              <a:rPr lang="it-IT" sz="2400" i="1">
-                                <a:latin typeface="Cambria Math" panose="02040503050406030204" pitchFamily="18" charset="0"/>
-                              </a:rPr>
-                              <m:t>𝑘</m:t>
-                            </m:r>
-                          </m:den>
-                        </m:f>
-                        <m:r>
-                          <a:rPr lang="it-IT" sz="2400" i="1">
-                            <a:latin typeface="Cambria Math" panose="02040503050406030204" pitchFamily="18" charset="0"/>
-                          </a:rPr>
-                          <m:t>𝑇</m:t>
-                        </m:r>
-                      </m:sup>
-                    </m:sSup>
-                  </m:oMath>
-                </a14:m>
-                <a:endParaRPr lang="it-IT" sz="2400" dirty="0">
-                  <a:latin typeface="Hiragino Kaku Gothic Pro W3" panose="020B0300000000000000" pitchFamily="34" charset="-128"/>
-                  <a:ea typeface="Hiragino Kaku Gothic Pro W3" panose="020B0300000000000000" pitchFamily="34" charset="-128"/>
-                </a:endParaRPr>
-              </a:p>
-              <a:p>
-                <a:r>
-                  <a:rPr lang="it-IT" sz="2400" dirty="0">
-                    <a:latin typeface="Hiragino Kaku Gothic Pro W3" panose="020B0300000000000000" pitchFamily="34" charset="-128"/>
-                    <a:ea typeface="Hiragino Kaku Gothic Pro W3" panose="020B0300000000000000" pitchFamily="34" charset="-128"/>
-                  </a:rPr>
-                  <a:t>Risoluzione       </a:t>
-                </a:r>
-                <a14:m>
-                  <m:oMath xmlns:m="http://schemas.openxmlformats.org/officeDocument/2006/math">
-                    <m:r>
-                      <a:rPr lang="it-IT" sz="2400" i="1">
-                        <a:latin typeface="Cambria Math" panose="02040503050406030204" pitchFamily="18" charset="0"/>
-                      </a:rPr>
-                      <m:t>𝐹𝑊𝐻</m:t>
-                    </m:r>
-                    <m:sSubSup>
-                      <m:sSubSupPr>
-                        <m:ctrlPr>
-                          <a:rPr lang="it-IT" sz="2400" i="1">
-                            <a:latin typeface="Cambria Math" panose="02040503050406030204" pitchFamily="18" charset="0"/>
-                          </a:rPr>
-                        </m:ctrlPr>
-                      </m:sSubSupPr>
-                      <m:e>
-                        <m:r>
-                          <a:rPr lang="it-IT" sz="2400" i="1">
-                            <a:latin typeface="Cambria Math" panose="02040503050406030204" pitchFamily="18" charset="0"/>
-                          </a:rPr>
-                          <m:t>𝑀</m:t>
-                        </m:r>
-                      </m:e>
-                      <m:sub>
-                        <m:r>
-                          <a:rPr lang="it-IT" sz="2400" i="1">
-                            <a:latin typeface="Cambria Math" panose="02040503050406030204" pitchFamily="18" charset="0"/>
-                          </a:rPr>
-                          <m:t>𝑡𝑜𝑡</m:t>
-                        </m:r>
-                      </m:sub>
-                      <m:sup>
-                        <m:r>
-                          <a:rPr lang="it-IT" sz="2400" i="1">
-                            <a:latin typeface="Cambria Math" panose="02040503050406030204" pitchFamily="18" charset="0"/>
-                          </a:rPr>
-                          <m:t>2</m:t>
-                        </m:r>
-                      </m:sup>
-                    </m:sSubSup>
-                    <m:r>
-                      <a:rPr lang="it-IT" sz="2400" i="1">
-                        <a:latin typeface="Cambria Math" panose="02040503050406030204" pitchFamily="18" charset="0"/>
-                      </a:rPr>
-                      <m:t>=</m:t>
-                    </m:r>
-                  </m:oMath>
-                </a14:m>
-                <a:r>
-                  <a:rPr lang="it-IT" sz="2400" dirty="0">
-                    <a:latin typeface="Hiragino Kaku Gothic Pro W3" panose="020B0300000000000000" pitchFamily="34" charset="-128"/>
-                    <a:ea typeface="Hiragino Kaku Gothic Pro W3" panose="020B0300000000000000" pitchFamily="34" charset="-128"/>
-                  </a:rPr>
-                  <a:t> </a:t>
-                </a:r>
-                <a14:m>
-                  <m:oMath xmlns:m="http://schemas.openxmlformats.org/officeDocument/2006/math">
-                    <m:r>
-                      <a:rPr lang="it-IT" sz="2400" i="1">
-                        <a:latin typeface="Cambria Math" panose="02040503050406030204" pitchFamily="18" charset="0"/>
-                      </a:rPr>
-                      <m:t>𝐹𝑊𝐻</m:t>
-                    </m:r>
-                    <m:sSubSup>
-                      <m:sSubSupPr>
-                        <m:ctrlPr>
-                          <a:rPr lang="it-IT" sz="2400" i="1">
-                            <a:latin typeface="Cambria Math" panose="02040503050406030204" pitchFamily="18" charset="0"/>
-                          </a:rPr>
-                        </m:ctrlPr>
-                      </m:sSubSupPr>
-                      <m:e>
-                        <m:r>
-                          <a:rPr lang="it-IT" sz="2400" i="1">
-                            <a:latin typeface="Cambria Math" panose="02040503050406030204" pitchFamily="18" charset="0"/>
-                          </a:rPr>
-                          <m:t>𝑀</m:t>
-                        </m:r>
-                      </m:e>
-                      <m:sub>
-                        <m:r>
-                          <a:rPr lang="it-IT" sz="2400" i="1">
-                            <a:latin typeface="Cambria Math" panose="02040503050406030204" pitchFamily="18" charset="0"/>
-                          </a:rPr>
-                          <m:t>𝑠𝑡𝑎𝑡</m:t>
-                        </m:r>
-                      </m:sub>
-                      <m:sup>
-                        <m:r>
-                          <a:rPr lang="it-IT" sz="2400" i="1">
-                            <a:latin typeface="Cambria Math" panose="02040503050406030204" pitchFamily="18" charset="0"/>
-                          </a:rPr>
-                          <m:t>2</m:t>
-                        </m:r>
-                      </m:sup>
-                    </m:sSubSup>
-                  </m:oMath>
-                </a14:m>
-                <a:r>
-                  <a:rPr lang="it-IT" sz="2400" dirty="0">
-                    <a:latin typeface="Hiragino Kaku Gothic Pro W3" panose="020B0300000000000000" pitchFamily="34" charset="-128"/>
-                    <a:ea typeface="Hiragino Kaku Gothic Pro W3" panose="020B0300000000000000" pitchFamily="34" charset="-128"/>
-                  </a:rPr>
-                  <a:t> + </a:t>
-                </a:r>
-                <a14:m>
-                  <m:oMath xmlns:m="http://schemas.openxmlformats.org/officeDocument/2006/math">
-                    <m:r>
-                      <a:rPr lang="it-IT" sz="2400" i="1">
-                        <a:latin typeface="Cambria Math" panose="02040503050406030204" pitchFamily="18" charset="0"/>
-                      </a:rPr>
-                      <m:t>𝐹𝑊𝐻</m:t>
-                    </m:r>
-                    <m:sSubSup>
-                      <m:sSubSupPr>
-                        <m:ctrlPr>
-                          <a:rPr lang="it-IT" sz="2400" i="1">
-                            <a:latin typeface="Cambria Math" panose="02040503050406030204" pitchFamily="18" charset="0"/>
-                          </a:rPr>
-                        </m:ctrlPr>
-                      </m:sSubSupPr>
-                      <m:e>
-                        <m:r>
-                          <a:rPr lang="it-IT" sz="2400" i="1">
-                            <a:latin typeface="Cambria Math" panose="02040503050406030204" pitchFamily="18" charset="0"/>
-                          </a:rPr>
-                          <m:t>𝑀</m:t>
-                        </m:r>
-                      </m:e>
-                      <m:sub>
-                        <m:r>
-                          <a:rPr lang="it-IT" sz="2400" i="1">
-                            <a:latin typeface="Cambria Math" panose="02040503050406030204" pitchFamily="18" charset="0"/>
-                          </a:rPr>
-                          <m:t>𝑋</m:t>
-                        </m:r>
-                      </m:sub>
-                      <m:sup>
-                        <m:r>
-                          <a:rPr lang="it-IT" sz="2400" i="1">
-                            <a:latin typeface="Cambria Math" panose="02040503050406030204" pitchFamily="18" charset="0"/>
-                          </a:rPr>
-                          <m:t>2</m:t>
-                        </m:r>
-                      </m:sup>
-                    </m:sSubSup>
-                  </m:oMath>
-                </a14:m>
-                <a:r>
-                  <a:rPr lang="it-IT" sz="2400" dirty="0">
-                    <a:latin typeface="Hiragino Kaku Gothic Pro W3" panose="020B0300000000000000" pitchFamily="34" charset="-128"/>
-                    <a:ea typeface="Hiragino Kaku Gothic Pro W3" panose="020B0300000000000000" pitchFamily="34" charset="-128"/>
-                  </a:rPr>
-                  <a:t> + </a:t>
-                </a:r>
-                <a14:m>
-                  <m:oMath xmlns:m="http://schemas.openxmlformats.org/officeDocument/2006/math">
-                    <m:r>
-                      <a:rPr lang="it-IT" sz="2400" i="1">
-                        <a:latin typeface="Cambria Math" panose="02040503050406030204" pitchFamily="18" charset="0"/>
-                      </a:rPr>
-                      <m:t>𝐹𝑊𝐻</m:t>
-                    </m:r>
-                    <m:sSubSup>
-                      <m:sSubSupPr>
-                        <m:ctrlPr>
-                          <a:rPr lang="it-IT" sz="2400" i="1">
-                            <a:latin typeface="Cambria Math" panose="02040503050406030204" pitchFamily="18" charset="0"/>
-                          </a:rPr>
-                        </m:ctrlPr>
-                      </m:sSubSupPr>
-                      <m:e>
-                        <m:r>
-                          <a:rPr lang="it-IT" sz="2400" i="1">
-                            <a:latin typeface="Cambria Math" panose="02040503050406030204" pitchFamily="18" charset="0"/>
-                          </a:rPr>
-                          <m:t>𝑀</m:t>
-                        </m:r>
-                      </m:e>
-                      <m:sub>
-                        <m:r>
-                          <a:rPr lang="it-IT" sz="2400" i="1">
-                            <a:latin typeface="Cambria Math" panose="02040503050406030204" pitchFamily="18" charset="0"/>
-                          </a:rPr>
-                          <m:t>𝐸</m:t>
-                        </m:r>
-                      </m:sub>
-                      <m:sup>
-                        <m:r>
-                          <a:rPr lang="it-IT" sz="2400" i="1">
-                            <a:latin typeface="Cambria Math" panose="02040503050406030204" pitchFamily="18" charset="0"/>
-                          </a:rPr>
-                          <m:t>2</m:t>
-                        </m:r>
-                      </m:sup>
-                    </m:sSubSup>
-                  </m:oMath>
-                </a14:m>
-                <a:endParaRPr lang="it-IT" sz="2400" dirty="0">
-                  <a:latin typeface="Hiragino Kaku Gothic Pro W3" panose="020B0300000000000000" pitchFamily="34" charset="-128"/>
-                  <a:ea typeface="Hiragino Kaku Gothic Pro W3" panose="020B0300000000000000" pitchFamily="34" charset="-128"/>
-                </a:endParaRPr>
-              </a:p>
-              <a:p>
-                <a:pPr marL="0" indent="0">
-                  <a:buNone/>
-                </a:pPr>
-                <a:r>
-                  <a:rPr lang="it-IT" sz="2400" dirty="0">
-                    <a:latin typeface="Hiragino Kaku Gothic Pro W3" panose="020B0300000000000000" pitchFamily="34" charset="-128"/>
-                    <a:ea typeface="Hiragino Kaku Gothic Pro W3" panose="020B0300000000000000" pitchFamily="34" charset="-128"/>
-                  </a:rPr>
-                  <a:t>                              </a:t>
-                </a:r>
-                <a14:m>
-                  <m:oMath xmlns:m="http://schemas.openxmlformats.org/officeDocument/2006/math">
-                    <m:r>
-                      <a:rPr lang="it-IT" sz="2400" i="1">
-                        <a:latin typeface="Cambria Math" panose="02040503050406030204" pitchFamily="18" charset="0"/>
-                      </a:rPr>
-                      <m:t>𝐹𝑊𝐻</m:t>
-                    </m:r>
-                    <m:sSubSup>
-                      <m:sSubSupPr>
-                        <m:ctrlPr>
-                          <a:rPr lang="it-IT" sz="2400" i="1">
-                            <a:latin typeface="Cambria Math" panose="02040503050406030204" pitchFamily="18" charset="0"/>
-                          </a:rPr>
-                        </m:ctrlPr>
-                      </m:sSubSupPr>
-                      <m:e>
-                        <m:r>
-                          <a:rPr lang="it-IT" sz="2400" i="1">
-                            <a:latin typeface="Cambria Math" panose="02040503050406030204" pitchFamily="18" charset="0"/>
-                          </a:rPr>
-                          <m:t>𝑀</m:t>
-                        </m:r>
-                      </m:e>
-                      <m:sub>
-                        <m:r>
-                          <a:rPr lang="it-IT" sz="2400" i="1">
-                            <a:latin typeface="Cambria Math" panose="02040503050406030204" pitchFamily="18" charset="0"/>
-                          </a:rPr>
-                          <m:t>𝑠𝑡𝑎𝑡</m:t>
-                        </m:r>
-                      </m:sub>
-                      <m:sup>
-                        <m:r>
-                          <a:rPr lang="it-IT" sz="2400" i="1">
-                            <a:latin typeface="Cambria Math" panose="02040503050406030204" pitchFamily="18" charset="0"/>
-                          </a:rPr>
-                          <m:t>2</m:t>
-                        </m:r>
-                      </m:sup>
-                    </m:sSubSup>
-                    <m:r>
-                      <a:rPr lang="it-IT" sz="2400" i="1">
-                        <a:latin typeface="Cambria Math" panose="02040503050406030204" pitchFamily="18" charset="0"/>
-                      </a:rPr>
-                      <m:t> </m:t>
-                    </m:r>
-                    <m:r>
-                      <a:rPr lang="it-IT" sz="2400" i="1">
-                        <a:latin typeface="Cambria Math" panose="02040503050406030204" pitchFamily="18" charset="0"/>
-                      </a:rPr>
-                      <m:t>𝛼</m:t>
-                    </m:r>
-                    <m:r>
-                      <a:rPr lang="it-IT" sz="2400" i="1">
-                        <a:latin typeface="Cambria Math" panose="02040503050406030204" pitchFamily="18" charset="0"/>
-                      </a:rPr>
-                      <m:t> </m:t>
-                    </m:r>
-                    <m:r>
-                      <a:rPr lang="it-IT" sz="2400" i="1">
-                        <a:latin typeface="Cambria Math" panose="02040503050406030204" pitchFamily="18" charset="0"/>
-                      </a:rPr>
-                      <m:t>𝐹𝑤𝐸</m:t>
-                    </m:r>
-                    <m:sSup>
-                      <m:sSupPr>
-                        <m:ctrlPr>
-                          <a:rPr lang="it-IT" sz="2400" i="1">
-                            <a:latin typeface="Cambria Math" panose="02040503050406030204" pitchFamily="18" charset="0"/>
-                          </a:rPr>
-                        </m:ctrlPr>
-                      </m:sSupPr>
-                      <m:e>
-                        <m:d>
-                          <m:dPr>
-                            <m:ctrlPr>
-                              <a:rPr lang="it-IT" sz="2400" i="1">
-                                <a:latin typeface="Cambria Math" panose="02040503050406030204" pitchFamily="18" charset="0"/>
-                              </a:rPr>
-                            </m:ctrlPr>
-                          </m:dPr>
-                          <m:e>
-                            <m:r>
-                              <a:rPr lang="it-IT" sz="2400" i="1">
-                                <a:latin typeface="Cambria Math" panose="02040503050406030204" pitchFamily="18" charset="0"/>
-                              </a:rPr>
-                              <m:t>2.35</m:t>
-                            </m:r>
-                          </m:e>
-                        </m:d>
-                      </m:e>
-                      <m:sup>
-                        <m:r>
-                          <a:rPr lang="it-IT" sz="2400" i="1">
-                            <a:latin typeface="Cambria Math" panose="02040503050406030204" pitchFamily="18" charset="0"/>
-                          </a:rPr>
-                          <m:t>2</m:t>
-                        </m:r>
-                      </m:sup>
-                    </m:sSup>
-                  </m:oMath>
-                </a14:m>
-                <a:endParaRPr lang="it-IT" sz="2400" dirty="0">
-                  <a:latin typeface="Hiragino Kaku Gothic Pro W3" panose="020B0300000000000000" pitchFamily="34" charset="-128"/>
-                  <a:ea typeface="Hiragino Kaku Gothic Pro W3" panose="020B0300000000000000" pitchFamily="34" charset="-128"/>
-                </a:endParaRPr>
-              </a:p>
-              <a:p>
-                <a:pPr marL="0" indent="0">
-                  <a:buNone/>
-                </a:pPr>
-                <a:r>
-                  <a:rPr lang="it-IT" sz="2400" dirty="0">
-                    <a:latin typeface="Hiragino Kaku Gothic Pro W3" panose="020B0300000000000000" pitchFamily="34" charset="-128"/>
-                    <a:ea typeface="Hiragino Kaku Gothic Pro W3" panose="020B0300000000000000" pitchFamily="34" charset="-128"/>
-                  </a:rPr>
-                  <a:t>                              </a:t>
-                </a:r>
-                <a14:m>
-                  <m:oMath xmlns:m="http://schemas.openxmlformats.org/officeDocument/2006/math">
-                    <m:r>
-                      <a:rPr lang="it-IT" sz="2400" i="1">
-                        <a:latin typeface="Cambria Math" panose="02040503050406030204" pitchFamily="18" charset="0"/>
-                      </a:rPr>
-                      <m:t>𝐹𝑊𝐻</m:t>
-                    </m:r>
-                    <m:sSubSup>
-                      <m:sSubSupPr>
-                        <m:ctrlPr>
-                          <a:rPr lang="it-IT" sz="2400" i="1">
-                            <a:latin typeface="Cambria Math" panose="02040503050406030204" pitchFamily="18" charset="0"/>
-                          </a:rPr>
-                        </m:ctrlPr>
-                      </m:sSubSupPr>
-                      <m:e>
-                        <m:r>
-                          <a:rPr lang="it-IT" sz="2400" i="1">
-                            <a:latin typeface="Cambria Math" panose="02040503050406030204" pitchFamily="18" charset="0"/>
-                          </a:rPr>
-                          <m:t>𝑀</m:t>
-                        </m:r>
-                      </m:e>
-                      <m:sub>
-                        <m:r>
-                          <a:rPr lang="it-IT" sz="2400" i="1">
-                            <a:latin typeface="Cambria Math" panose="02040503050406030204" pitchFamily="18" charset="0"/>
-                          </a:rPr>
-                          <m:t>𝑋</m:t>
-                        </m:r>
-                      </m:sub>
-                      <m:sup>
-                        <m:r>
-                          <a:rPr lang="it-IT" sz="2400" i="1">
-                            <a:latin typeface="Cambria Math" panose="02040503050406030204" pitchFamily="18" charset="0"/>
-                          </a:rPr>
-                          <m:t>2</m:t>
-                        </m:r>
-                      </m:sup>
-                    </m:sSubSup>
-                    <m:r>
-                      <a:rPr lang="it-IT" sz="2400" i="1">
-                        <a:latin typeface="Cambria Math" panose="02040503050406030204" pitchFamily="18" charset="0"/>
-                      </a:rPr>
-                      <m:t>     </m:t>
-                    </m:r>
-                    <m:r>
-                      <a:rPr lang="it-IT" sz="2400" i="1">
-                        <a:latin typeface="Cambria Math" panose="02040503050406030204" pitchFamily="18" charset="0"/>
-                      </a:rPr>
-                      <m:t>𝛼</m:t>
-                    </m:r>
-                    <m:r>
-                      <a:rPr lang="it-IT" sz="2400" i="1">
-                        <a:latin typeface="Cambria Math" panose="02040503050406030204" pitchFamily="18" charset="0"/>
-                      </a:rPr>
-                      <m:t> </m:t>
-                    </m:r>
-                    <m:r>
-                      <a:rPr lang="it-IT" sz="2400" i="1">
-                        <a:latin typeface="Cambria Math" panose="02040503050406030204" pitchFamily="18" charset="0"/>
-                      </a:rPr>
-                      <m:t>𝐸</m:t>
-                    </m:r>
-                  </m:oMath>
-                </a14:m>
-                <a:endParaRPr lang="it-IT" sz="2400" dirty="0">
-                  <a:latin typeface="Hiragino Kaku Gothic Pro W3" panose="020B0300000000000000" pitchFamily="34" charset="-128"/>
-                  <a:ea typeface="Hiragino Kaku Gothic Pro W3" panose="020B0300000000000000" pitchFamily="34" charset="-128"/>
-                </a:endParaRPr>
-              </a:p>
-              <a:p>
-                <a:pPr marL="0" indent="0">
-                  <a:buNone/>
-                </a:pPr>
-                <a:r>
-                  <a:rPr lang="it-IT" sz="2400" dirty="0">
-                    <a:latin typeface="Hiragino Kaku Gothic Pro W3" panose="020B0300000000000000" pitchFamily="34" charset="-128"/>
-                    <a:ea typeface="Hiragino Kaku Gothic Pro W3" panose="020B0300000000000000" pitchFamily="34" charset="-128"/>
-                  </a:rPr>
-                  <a:t>                              </a:t>
-                </a:r>
-                <a14:m>
-                  <m:oMath xmlns:m="http://schemas.openxmlformats.org/officeDocument/2006/math">
-                    <m:r>
-                      <a:rPr lang="it-IT" sz="2400" i="1">
-                        <a:latin typeface="Cambria Math" panose="02040503050406030204" pitchFamily="18" charset="0"/>
-                      </a:rPr>
-                      <m:t>𝐹𝑊𝐻</m:t>
-                    </m:r>
-                    <m:sSubSup>
-                      <m:sSubSupPr>
-                        <m:ctrlPr>
-                          <a:rPr lang="it-IT" sz="2400" i="1">
-                            <a:latin typeface="Cambria Math" panose="02040503050406030204" pitchFamily="18" charset="0"/>
-                          </a:rPr>
-                        </m:ctrlPr>
-                      </m:sSubSupPr>
-                      <m:e>
-                        <m:r>
-                          <a:rPr lang="it-IT" sz="2400" i="1">
-                            <a:latin typeface="Cambria Math" panose="02040503050406030204" pitchFamily="18" charset="0"/>
-                          </a:rPr>
-                          <m:t>𝑀</m:t>
-                        </m:r>
-                      </m:e>
-                      <m:sub>
-                        <m:r>
-                          <a:rPr lang="it-IT" sz="2400" i="1">
-                            <a:latin typeface="Cambria Math" panose="02040503050406030204" pitchFamily="18" charset="0"/>
-                          </a:rPr>
-                          <m:t>𝐸</m:t>
-                        </m:r>
-                      </m:sub>
-                      <m:sup>
-                        <m:r>
-                          <a:rPr lang="it-IT" sz="2400" i="1">
-                            <a:latin typeface="Cambria Math" panose="02040503050406030204" pitchFamily="18" charset="0"/>
-                          </a:rPr>
-                          <m:t>2</m:t>
-                        </m:r>
-                      </m:sup>
-                    </m:sSubSup>
-                    <m:r>
-                      <a:rPr lang="it-IT" sz="2400" i="1">
-                        <a:latin typeface="Cambria Math" panose="02040503050406030204" pitchFamily="18" charset="0"/>
-                      </a:rPr>
-                      <m:t>     </m:t>
-                    </m:r>
-                    <m:r>
-                      <a:rPr lang="it-IT" sz="2400" i="1">
-                        <a:latin typeface="Cambria Math" panose="02040503050406030204" pitchFamily="18" charset="0"/>
-                      </a:rPr>
-                      <m:t>𝑖𝑛𝑑𝑖𝑝𝑒𝑛𝑑𝑒𝑛𝑡𝑒</m:t>
-                    </m:r>
-                    <m:r>
-                      <a:rPr lang="it-IT" sz="2400" i="1">
-                        <a:latin typeface="Cambria Math" panose="02040503050406030204" pitchFamily="18" charset="0"/>
-                      </a:rPr>
-                      <m:t> </m:t>
-                    </m:r>
-                    <m:r>
-                      <a:rPr lang="it-IT" sz="2400" i="1">
-                        <a:latin typeface="Cambria Math" panose="02040503050406030204" pitchFamily="18" charset="0"/>
-                      </a:rPr>
-                      <m:t>𝑑𝑎</m:t>
-                    </m:r>
-                    <m:r>
-                      <a:rPr lang="it-IT" sz="2400" i="1">
-                        <a:latin typeface="Cambria Math" panose="02040503050406030204" pitchFamily="18" charset="0"/>
-                      </a:rPr>
-                      <m:t> </m:t>
-                    </m:r>
-                    <m:r>
-                      <a:rPr lang="it-IT" sz="2400" i="1">
-                        <a:latin typeface="Cambria Math" panose="02040503050406030204" pitchFamily="18" charset="0"/>
-                      </a:rPr>
-                      <m:t>𝐸</m:t>
-                    </m:r>
-                  </m:oMath>
-                </a14:m>
-                <a:endParaRPr lang="it-IT" sz="2400" dirty="0">
-                  <a:latin typeface="Hiragino Kaku Gothic Pro W3" panose="020B0300000000000000" pitchFamily="34" charset="-128"/>
-                  <a:ea typeface="Hiragino Kaku Gothic Pro W3" panose="020B0300000000000000" pitchFamily="34" charset="-128"/>
-                </a:endParaRPr>
-              </a:p>
-              <a:p>
-                <a:endParaRPr lang="it-IT" sz="2400" dirty="0">
-                  <a:latin typeface="Hiragino Kaku Gothic Pro W3" panose="020B0300000000000000" pitchFamily="34" charset="-128"/>
-                  <a:ea typeface="Hiragino Kaku Gothic Pro W3" panose="020B0300000000000000" pitchFamily="34" charset="-128"/>
-                </a:endParaRPr>
-              </a:p>
-            </p:txBody>
-          </p:sp>
-        </mc:Choice>
-        <mc:Fallback xmlns="">
-          <p:sp>
-            <p:nvSpPr>
-              <p:cNvPr id="3" name="Segnaposto contenuto 2">
-                <a:extLst>
-                  <a:ext uri="{FF2B5EF4-FFF2-40B4-BE49-F238E27FC236}">
-                    <a16:creationId xmlns:a16="http://schemas.microsoft.com/office/drawing/2014/main" id="{6D236978-A43F-264C-8D7A-71D94668DE07}"/>
-                  </a:ext>
-                </a:extLst>
-              </p:cNvPr>
-              <p:cNvSpPr>
-                <a:spLocks noGrp="1" noRot="1" noChangeAspect="1" noMove="1" noResize="1" noEditPoints="1" noAdjustHandles="1" noChangeArrowheads="1" noChangeShapeType="1" noTextEdit="1"/>
-              </p:cNvSpPr>
-              <p:nvPr>
-                <p:ph idx="1"/>
-              </p:nvPr>
-            </p:nvSpPr>
-            <p:spPr>
-              <a:blipFill>
-                <a:blip r:embed="rId2"/>
-                <a:stretch>
-                  <a:fillRect l="-724" t="-4094"/>
-                </a:stretch>
-              </a:blipFill>
-            </p:spPr>
-            <p:txBody>
-              <a:bodyPr/>
-              <a:lstStyle/>
-              <a:p>
-                <a:r>
-                  <a:rPr lang="it-IT">
-                    <a:noFill/>
-                  </a:rPr>
-                  <a:t> </a:t>
-                </a:r>
-              </a:p>
-            </p:txBody>
-          </p:sp>
-        </mc:Fallback>
-      </mc:AlternateContent>
-    </p:spTree>
-    <p:extLst>
-      <p:ext uri="{BB962C8B-B14F-4D97-AF65-F5344CB8AC3E}">
-        <p14:creationId xmlns:p14="http://schemas.microsoft.com/office/powerpoint/2010/main" val="7888003"/>
-      </p:ext>
-    </p:extLst>
-  </p:cSld>
-  <p:clrMapOvr>
-    <a:masterClrMapping/>
-  </p:clrMapOvr>
-  <p:transition spd="med">
-    <p:pull/>
-  </p:transition>
-</p:sld>
-</file>
-
-<file path=ppt/slides/slide16.xml><?xml version="1.0" encoding="utf-8"?>
-<p:sld xmlns:a="http://schemas.openxmlformats.org/drawingml/2006/main" xmlns:r="http://schemas.openxmlformats.org/officeDocument/2006/relationships" xmlns:p="http://schemas.openxmlformats.org/presentationml/2006/main">
-  <p:cSld>
-    <p:spTree>
-      <p:nvGrpSpPr>
-        <p:cNvPr id="1" name=""/>
-        <p:cNvGrpSpPr/>
-        <p:nvPr/>
-      </p:nvGrpSpPr>
-      <p:grpSpPr>
-        <a:xfrm>
-          <a:off x="0" y="0"/>
-          <a:ext cx="0" cy="0"/>
-          <a:chOff x="0" y="0"/>
-          <a:chExt cx="0" cy="0"/>
-        </a:xfrm>
-      </p:grpSpPr>
-      <p:sp>
-        <p:nvSpPr>
-          <p:cNvPr id="2" name="Titolo 1">
-            <a:extLst>
-              <a:ext uri="{FF2B5EF4-FFF2-40B4-BE49-F238E27FC236}">
-                <a16:creationId xmlns:a16="http://schemas.microsoft.com/office/drawing/2014/main" id="{B23CB638-AAB5-3842-9D56-220B40F0FFC3}"/>
-              </a:ext>
-            </a:extLst>
-          </p:cNvPr>
-          <p:cNvSpPr>
-            <a:spLocks noGrp="1"/>
-          </p:cNvSpPr>
-          <p:nvPr>
-            <p:ph type="title"/>
-          </p:nvPr>
-        </p:nvSpPr>
-        <p:spPr/>
-        <p:txBody>
-          <a:bodyPr/>
-          <a:lstStyle/>
-          <a:p>
-            <a:r>
-              <a:rPr lang="it-IT" dirty="0">
-                <a:solidFill>
-                  <a:srgbClr val="E94117"/>
-                </a:solidFill>
-                <a:latin typeface="Hiragino Kaku Gothic StdN W8" panose="020B0800000000000000" pitchFamily="34" charset="-128"/>
-                <a:ea typeface="Hiragino Kaku Gothic StdN W8" panose="020B0800000000000000" pitchFamily="34" charset="-128"/>
-              </a:rPr>
-              <a:t>EFFICIENZA</a:t>
-            </a:r>
-            <a:endParaRPr lang="it-IT" dirty="0"/>
-          </a:p>
-        </p:txBody>
-      </p:sp>
-      <p:pic>
-        <p:nvPicPr>
-          <p:cNvPr id="4" name="Segnaposto contenuto 13" descr="Immagine che contiene testo, mappa, tavolo, sedendo&#10;&#10;Descrizione generata automaticamente">
-            <a:extLst>
-              <a:ext uri="{FF2B5EF4-FFF2-40B4-BE49-F238E27FC236}">
-                <a16:creationId xmlns:a16="http://schemas.microsoft.com/office/drawing/2014/main" id="{C11BF150-E899-454B-B114-305BC1845B90}"/>
-              </a:ext>
-            </a:extLst>
-          </p:cNvPr>
-          <p:cNvPicPr>
-            <a:picLocks noChangeAspect="1"/>
-          </p:cNvPicPr>
-          <p:nvPr/>
-        </p:nvPicPr>
-        <p:blipFill>
-          <a:blip r:embed="rId2">
-            <a:extLst>
-              <a:ext uri="{28A0092B-C50C-407E-A947-70E740481C1C}">
-                <a14:useLocalDpi xmlns:a14="http://schemas.microsoft.com/office/drawing/2010/main" val="0"/>
-              </a:ext>
-            </a:extLst>
-          </a:blip>
-          <a:stretch>
-            <a:fillRect/>
-          </a:stretch>
-        </p:blipFill>
-        <p:spPr>
-          <a:xfrm>
-            <a:off x="6733605" y="2168383"/>
-            <a:ext cx="4620195" cy="3103876"/>
-          </a:xfrm>
-          <a:prstGeom prst="rect">
-            <a:avLst/>
-          </a:prstGeom>
-        </p:spPr>
-      </p:pic>
-      <p:pic>
-        <p:nvPicPr>
-          <p:cNvPr id="5" name="Segnaposto contenuto 10" descr="Immagine che contiene testo&#10;&#10;Descrizione generata automaticamente">
-            <a:extLst>
-              <a:ext uri="{FF2B5EF4-FFF2-40B4-BE49-F238E27FC236}">
-                <a16:creationId xmlns:a16="http://schemas.microsoft.com/office/drawing/2014/main" id="{BE8538DD-A1CC-774C-958C-1E40ED47C35E}"/>
-              </a:ext>
-            </a:extLst>
-          </p:cNvPr>
-          <p:cNvPicPr>
-            <a:picLocks noGrp="1" noChangeAspect="1"/>
-          </p:cNvPicPr>
-          <p:nvPr>
-            <p:ph sz="half" idx="1"/>
-          </p:nvPr>
-        </p:nvPicPr>
-        <p:blipFill>
-          <a:blip r:embed="rId3">
-            <a:extLst>
-              <a:ext uri="{28A0092B-C50C-407E-A947-70E740481C1C}">
-                <a14:useLocalDpi xmlns:a14="http://schemas.microsoft.com/office/drawing/2010/main" val="0"/>
-              </a:ext>
-            </a:extLst>
-          </a:blip>
-          <a:stretch>
-            <a:fillRect/>
-          </a:stretch>
-        </p:blipFill>
-        <p:spPr>
-          <a:xfrm>
-            <a:off x="969327" y="2168383"/>
-            <a:ext cx="4762662" cy="3249816"/>
-          </a:xfrm>
-        </p:spPr>
-      </p:pic>
-      <mc:AlternateContent xmlns:mc="http://schemas.openxmlformats.org/markup-compatibility/2006" xmlns:a14="http://schemas.microsoft.com/office/drawing/2010/main">
-        <mc:Choice Requires="a14">
-          <p:sp>
-            <p:nvSpPr>
-              <p:cNvPr id="6" name="CasellaDiTesto 5">
-                <a:extLst>
-                  <a:ext uri="{FF2B5EF4-FFF2-40B4-BE49-F238E27FC236}">
-                    <a16:creationId xmlns:a16="http://schemas.microsoft.com/office/drawing/2014/main" id="{02C5427E-1A3C-C347-AA1D-FCD4A95737FF}"/>
-                  </a:ext>
-                </a:extLst>
-              </p:cNvPr>
-              <p:cNvSpPr txBox="1"/>
-              <p:nvPr/>
-            </p:nvSpPr>
-            <p:spPr>
-              <a:xfrm>
-                <a:off x="5203286" y="5276600"/>
-                <a:ext cx="2613890" cy="1306320"/>
-              </a:xfrm>
-              <a:prstGeom prst="rect">
-                <a:avLst/>
-              </a:prstGeom>
-              <a:noFill/>
-            </p:spPr>
-            <p:txBody>
-              <a:bodyPr wrap="square" lIns="0" tIns="0" rIns="0" bIns="0" rtlCol="0">
-                <a:spAutoFit/>
-              </a:bodyPr>
-              <a:lstStyle/>
-              <a:p>
-                <a:pPr/>
-                <a14:m>
-                  <m:oMathPara xmlns:m="http://schemas.openxmlformats.org/officeDocument/2006/math">
-                    <m:oMathParaPr>
-                      <m:jc m:val="centerGroup"/>
-                    </m:oMathParaPr>
-                    <m:oMath xmlns:m="http://schemas.openxmlformats.org/officeDocument/2006/math">
-                      <m:func>
-                        <m:funcPr>
-                          <m:ctrlPr>
-                            <a:rPr lang="it-IT" i="1" smtClean="0">
-                              <a:latin typeface="Cambria Math" panose="02040503050406030204" pitchFamily="18" charset="0"/>
-                            </a:rPr>
-                          </m:ctrlPr>
-                        </m:funcPr>
-                        <m:fName>
-                          <m:r>
-                            <m:rPr>
-                              <m:sty m:val="p"/>
-                            </m:rPr>
-                            <a:rPr lang="it-IT" i="1" smtClean="0">
-                              <a:latin typeface="Cambria Math" panose="02040503050406030204" pitchFamily="18" charset="0"/>
-                            </a:rPr>
-                            <m:t>ln</m:t>
-                          </m:r>
-                        </m:fName>
-                        <m:e>
-                          <m:r>
-                            <a:rPr lang="it-IT" i="1" smtClean="0">
-                              <a:latin typeface="Cambria Math" panose="02040503050406030204" pitchFamily="18" charset="0"/>
-                            </a:rPr>
-                            <m:t>𝜀</m:t>
-                          </m:r>
-                        </m:e>
-                      </m:func>
-                      <m:r>
-                        <a:rPr lang="it-IT" i="1" smtClean="0">
-                          <a:latin typeface="Cambria Math" panose="02040503050406030204" pitchFamily="18" charset="0"/>
-                        </a:rPr>
-                        <m:t>=</m:t>
-                      </m:r>
-                      <m:nary>
-                        <m:naryPr>
-                          <m:chr m:val="∑"/>
-                          <m:limLoc m:val="undOvr"/>
-                          <m:grow m:val="on"/>
-                          <m:ctrlPr>
-                            <a:rPr lang="it-IT" i="1" smtClean="0">
-                              <a:latin typeface="Cambria Math" panose="02040503050406030204" pitchFamily="18" charset="0"/>
-                            </a:rPr>
-                          </m:ctrlPr>
-                        </m:naryPr>
-                        <m:sub>
-                          <m:r>
-                            <a:rPr lang="it-IT" i="1" smtClean="0">
-                              <a:latin typeface="Cambria Math" panose="02040503050406030204" pitchFamily="18" charset="0"/>
-                            </a:rPr>
-                            <m:t>𝑖</m:t>
-                          </m:r>
-                          <m:r>
-                            <a:rPr lang="it-IT" i="1" smtClean="0">
-                              <a:latin typeface="Cambria Math" panose="02040503050406030204" pitchFamily="18" charset="0"/>
-                            </a:rPr>
-                            <m:t>=1</m:t>
-                          </m:r>
-                        </m:sub>
-                        <m:sup>
-                          <m:r>
-                            <a:rPr lang="it-IT" i="1" smtClean="0">
-                              <a:latin typeface="Cambria Math" panose="02040503050406030204" pitchFamily="18" charset="0"/>
-                            </a:rPr>
-                            <m:t>𝑁</m:t>
-                          </m:r>
-                        </m:sup>
-                        <m:e>
-                          <m:sSub>
-                            <m:sSubPr>
-                              <m:ctrlPr>
-                                <a:rPr lang="it-IT" i="1" smtClean="0">
-                                  <a:latin typeface="Cambria Math" panose="02040503050406030204" pitchFamily="18" charset="0"/>
-                                </a:rPr>
-                              </m:ctrlPr>
-                            </m:sSubPr>
-                            <m:e>
-                              <m:r>
-                                <a:rPr lang="it-IT" i="1" smtClean="0">
-                                  <a:latin typeface="Cambria Math" panose="02040503050406030204" pitchFamily="18" charset="0"/>
-                                </a:rPr>
-                                <m:t>𝑎</m:t>
-                              </m:r>
-                            </m:e>
-                            <m:sub>
-                              <m:r>
-                                <a:rPr lang="it-IT" i="1" smtClean="0">
-                                  <a:latin typeface="Cambria Math" panose="02040503050406030204" pitchFamily="18" charset="0"/>
-                                </a:rPr>
-                                <m:t>𝑖</m:t>
-                              </m:r>
-                            </m:sub>
-                          </m:sSub>
-                          <m:sSup>
-                            <m:sSupPr>
-                              <m:ctrlPr>
-                                <a:rPr lang="it-IT" i="1" smtClean="0">
-                                  <a:latin typeface="Cambria Math" panose="02040503050406030204" pitchFamily="18" charset="0"/>
-                                </a:rPr>
-                              </m:ctrlPr>
-                            </m:sSupPr>
-                            <m:e>
-                              <m:d>
-                                <m:dPr>
-                                  <m:ctrlPr>
-                                    <a:rPr lang="it-IT" i="1" smtClean="0">
-                                      <a:latin typeface="Cambria Math" panose="02040503050406030204" pitchFamily="18" charset="0"/>
-                                    </a:rPr>
-                                  </m:ctrlPr>
-                                </m:dPr>
-                                <m:e>
-                                  <m:func>
-                                    <m:funcPr>
-                                      <m:ctrlPr>
-                                        <a:rPr lang="it-IT" i="1" smtClean="0">
-                                          <a:latin typeface="Cambria Math" panose="02040503050406030204" pitchFamily="18" charset="0"/>
-                                        </a:rPr>
-                                      </m:ctrlPr>
-                                    </m:funcPr>
-                                    <m:fName>
-                                      <m:r>
-                                        <m:rPr>
-                                          <m:sty m:val="p"/>
-                                        </m:rPr>
-                                        <a:rPr lang="it-IT" i="1" smtClean="0">
-                                          <a:latin typeface="Cambria Math" panose="02040503050406030204" pitchFamily="18" charset="0"/>
-                                        </a:rPr>
-                                        <m:t>ln</m:t>
-                                      </m:r>
-                                    </m:fName>
-                                    <m:e>
-                                      <m:f>
-                                        <m:fPr>
-                                          <m:ctrlPr>
-                                            <a:rPr lang="it-IT" i="1" smtClean="0">
-                                              <a:latin typeface="Cambria Math" panose="02040503050406030204" pitchFamily="18" charset="0"/>
-                                            </a:rPr>
-                                          </m:ctrlPr>
-                                        </m:fPr>
-                                        <m:num>
-                                          <m:r>
-                                            <a:rPr lang="it-IT" i="1" smtClean="0">
-                                              <a:latin typeface="Cambria Math" panose="02040503050406030204" pitchFamily="18" charset="0"/>
-                                            </a:rPr>
-                                            <m:t>𝐸</m:t>
-                                          </m:r>
-                                        </m:num>
-                                        <m:den>
-                                          <m:sSub>
-                                            <m:sSubPr>
-                                              <m:ctrlPr>
-                                                <a:rPr lang="it-IT" i="1" smtClean="0">
-                                                  <a:latin typeface="Cambria Math" panose="02040503050406030204" pitchFamily="18" charset="0"/>
-                                                </a:rPr>
-                                              </m:ctrlPr>
-                                            </m:sSubPr>
-                                            <m:e>
-                                              <m:r>
-                                                <a:rPr lang="it-IT" i="1" smtClean="0">
-                                                  <a:latin typeface="Cambria Math" panose="02040503050406030204" pitchFamily="18" charset="0"/>
-                                                </a:rPr>
-                                                <m:t>𝐸</m:t>
-                                              </m:r>
-                                            </m:e>
-                                            <m:sub>
-                                              <m:r>
-                                                <a:rPr lang="it-IT" i="1" smtClean="0">
-                                                  <a:latin typeface="Cambria Math" panose="02040503050406030204" pitchFamily="18" charset="0"/>
-                                                </a:rPr>
-                                                <m:t>0</m:t>
-                                              </m:r>
-                                            </m:sub>
-                                          </m:sSub>
-                                        </m:den>
-                                      </m:f>
-                                    </m:e>
-                                  </m:func>
-                                </m:e>
-                              </m:d>
-                            </m:e>
-                            <m:sup>
-                              <m:r>
-                                <a:rPr lang="it-IT" i="1" smtClean="0">
-                                  <a:latin typeface="Cambria Math" panose="02040503050406030204" pitchFamily="18" charset="0"/>
-                                </a:rPr>
-                                <m:t>𝑖</m:t>
-                              </m:r>
-                              <m:r>
-                                <a:rPr lang="it-IT" i="1" smtClean="0">
-                                  <a:latin typeface="Cambria Math" panose="02040503050406030204" pitchFamily="18" charset="0"/>
-                                </a:rPr>
-                                <m:t>−1</m:t>
-                              </m:r>
-                            </m:sup>
-                          </m:sSup>
-                        </m:e>
-                      </m:nary>
-                    </m:oMath>
-                  </m:oMathPara>
-                </a14:m>
-                <a:endParaRPr lang="it-IT" dirty="0"/>
-              </a:p>
-            </p:txBody>
-          </p:sp>
-        </mc:Choice>
-        <mc:Fallback xmlns="">
-          <p:sp>
-            <p:nvSpPr>
-              <p:cNvPr id="6" name="CasellaDiTesto 5">
-                <a:extLst>
-                  <a:ext uri="{FF2B5EF4-FFF2-40B4-BE49-F238E27FC236}">
-                    <a16:creationId xmlns:a16="http://schemas.microsoft.com/office/drawing/2014/main" id="{02C5427E-1A3C-C347-AA1D-FCD4A95737FF}"/>
-                  </a:ext>
-                </a:extLst>
-              </p:cNvPr>
-              <p:cNvSpPr txBox="1">
-                <a:spLocks noRot="1" noChangeAspect="1" noMove="1" noResize="1" noEditPoints="1" noAdjustHandles="1" noChangeArrowheads="1" noChangeShapeType="1" noTextEdit="1"/>
-              </p:cNvSpPr>
-              <p:nvPr/>
-            </p:nvSpPr>
-            <p:spPr>
-              <a:xfrm>
-                <a:off x="5203286" y="5276600"/>
-                <a:ext cx="2613890" cy="1306320"/>
-              </a:xfrm>
-              <a:prstGeom prst="rect">
-                <a:avLst/>
-              </a:prstGeom>
-              <a:blipFill>
-                <a:blip r:embed="rId4"/>
-                <a:stretch>
-                  <a:fillRect l="-21256" t="-109615" b="-140385"/>
-                </a:stretch>
-              </a:blipFill>
-            </p:spPr>
-            <p:txBody>
-              <a:bodyPr/>
-              <a:lstStyle/>
-              <a:p>
-                <a:r>
-                  <a:rPr lang="it-IT">
-                    <a:noFill/>
-                  </a:rPr>
-                  <a:t> </a:t>
-                </a:r>
-              </a:p>
-            </p:txBody>
-          </p:sp>
-        </mc:Fallback>
-      </mc:AlternateContent>
-    </p:spTree>
-    <p:extLst>
-      <p:ext uri="{BB962C8B-B14F-4D97-AF65-F5344CB8AC3E}">
-        <p14:creationId xmlns:p14="http://schemas.microsoft.com/office/powerpoint/2010/main" val="1198127751"/>
-      </p:ext>
-    </p:extLst>
-  </p:cSld>
-  <p:clrMapOvr>
-    <a:masterClrMapping/>
-  </p:clrMapOvr>
-  <p:transition spd="med">
-    <p:pull/>
-  </p:transition>
-</p:sld>
-</file>
-
-<file path=ppt/slides/slide17.xml><?xml version="1.0" encoding="utf-8"?>
-<p:sld xmlns:a="http://schemas.openxmlformats.org/drawingml/2006/main" xmlns:r="http://schemas.openxmlformats.org/officeDocument/2006/relationships" xmlns:p="http://schemas.openxmlformats.org/presentationml/2006/main">
-  <p:cSld>
-    <p:spTree>
-      <p:nvGrpSpPr>
-        <p:cNvPr id="1" name=""/>
-        <p:cNvGrpSpPr/>
-        <p:nvPr/>
-      </p:nvGrpSpPr>
-      <p:grpSpPr>
-        <a:xfrm>
-          <a:off x="0" y="0"/>
-          <a:ext cx="0" cy="0"/>
-          <a:chOff x="0" y="0"/>
-          <a:chExt cx="0" cy="0"/>
-        </a:xfrm>
-      </p:grpSpPr>
-      <p:sp>
-        <p:nvSpPr>
-          <p:cNvPr id="2" name="Titolo 1">
-            <a:extLst>
-              <a:ext uri="{FF2B5EF4-FFF2-40B4-BE49-F238E27FC236}">
                 <a16:creationId xmlns:a16="http://schemas.microsoft.com/office/drawing/2014/main" id="{9FA4846E-AE00-F04E-9D8D-48316A77EA72}"/>
               </a:ext>
             </a:extLst>
@@ -6584,6 +7645,9 @@
   <p:clrMapOvr>
     <a:masterClrMapping/>
   </p:clrMapOvr>
+  <p:transition spd="med">
+    <p:pull/>
+  </p:transition>
 </p:sld>
 </file>
 

--- a/Presentazione LAB3.pptx
+++ b/Presentazione LAB3.pptx
@@ -210,7 +210,7 @@
           <a:p>
             <a:fld id="{B9738FAE-5E17-E94C-91A2-F91657C5C946}" type="datetimeFigureOut">
               <a:rPr lang="it-IT" smtClean="0"/>
-              <a:t>08/06/2020</a:t>
+              <a:t>09/06/20</a:t>
             </a:fld>
             <a:endParaRPr lang="it-IT"/>
           </a:p>
@@ -708,7 +708,7 @@
           <a:p>
             <a:fld id="{B02DE177-5E7A-4847-83AB-7872EFFA77AC}" type="datetimeFigureOut">
               <a:rPr lang="it-IT" smtClean="0"/>
-              <a:t>08/06/2020</a:t>
+              <a:t>09/06/20</a:t>
             </a:fld>
             <a:endParaRPr lang="it-IT"/>
           </a:p>
@@ -906,7 +906,7 @@
           <a:p>
             <a:fld id="{B02DE177-5E7A-4847-83AB-7872EFFA77AC}" type="datetimeFigureOut">
               <a:rPr lang="it-IT" smtClean="0"/>
-              <a:t>08/06/2020</a:t>
+              <a:t>09/06/20</a:t>
             </a:fld>
             <a:endParaRPr lang="it-IT"/>
           </a:p>
@@ -1114,7 +1114,7 @@
           <a:p>
             <a:fld id="{B02DE177-5E7A-4847-83AB-7872EFFA77AC}" type="datetimeFigureOut">
               <a:rPr lang="it-IT" smtClean="0"/>
-              <a:t>08/06/2020</a:t>
+              <a:t>09/06/20</a:t>
             </a:fld>
             <a:endParaRPr lang="it-IT"/>
           </a:p>
@@ -1312,7 +1312,7 @@
           <a:p>
             <a:fld id="{B02DE177-5E7A-4847-83AB-7872EFFA77AC}" type="datetimeFigureOut">
               <a:rPr lang="it-IT" smtClean="0"/>
-              <a:t>08/06/2020</a:t>
+              <a:t>09/06/20</a:t>
             </a:fld>
             <a:endParaRPr lang="it-IT"/>
           </a:p>
@@ -1587,7 +1587,7 @@
           <a:p>
             <a:fld id="{B02DE177-5E7A-4847-83AB-7872EFFA77AC}" type="datetimeFigureOut">
               <a:rPr lang="it-IT" smtClean="0"/>
-              <a:t>08/06/2020</a:t>
+              <a:t>09/06/20</a:t>
             </a:fld>
             <a:endParaRPr lang="it-IT"/>
           </a:p>
@@ -1852,7 +1852,7 @@
           <a:p>
             <a:fld id="{B02DE177-5E7A-4847-83AB-7872EFFA77AC}" type="datetimeFigureOut">
               <a:rPr lang="it-IT" smtClean="0"/>
-              <a:t>08/06/2020</a:t>
+              <a:t>09/06/20</a:t>
             </a:fld>
             <a:endParaRPr lang="it-IT"/>
           </a:p>
@@ -2264,7 +2264,7 @@
           <a:p>
             <a:fld id="{B02DE177-5E7A-4847-83AB-7872EFFA77AC}" type="datetimeFigureOut">
               <a:rPr lang="it-IT" smtClean="0"/>
-              <a:t>08/06/2020</a:t>
+              <a:t>09/06/20</a:t>
             </a:fld>
             <a:endParaRPr lang="it-IT"/>
           </a:p>
@@ -2405,7 +2405,7 @@
           <a:p>
             <a:fld id="{B02DE177-5E7A-4847-83AB-7872EFFA77AC}" type="datetimeFigureOut">
               <a:rPr lang="it-IT" smtClean="0"/>
-              <a:t>08/06/2020</a:t>
+              <a:t>09/06/20</a:t>
             </a:fld>
             <a:endParaRPr lang="it-IT"/>
           </a:p>
@@ -2518,7 +2518,7 @@
           <a:p>
             <a:fld id="{B02DE177-5E7A-4847-83AB-7872EFFA77AC}" type="datetimeFigureOut">
               <a:rPr lang="it-IT" smtClean="0"/>
-              <a:t>08/06/2020</a:t>
+              <a:t>09/06/20</a:t>
             </a:fld>
             <a:endParaRPr lang="it-IT"/>
           </a:p>
@@ -2829,7 +2829,7 @@
           <a:p>
             <a:fld id="{B02DE177-5E7A-4847-83AB-7872EFFA77AC}" type="datetimeFigureOut">
               <a:rPr lang="it-IT" smtClean="0"/>
-              <a:t>08/06/2020</a:t>
+              <a:t>09/06/20</a:t>
             </a:fld>
             <a:endParaRPr lang="it-IT"/>
           </a:p>
@@ -3117,7 +3117,7 @@
           <a:p>
             <a:fld id="{B02DE177-5E7A-4847-83AB-7872EFFA77AC}" type="datetimeFigureOut">
               <a:rPr lang="it-IT" smtClean="0"/>
-              <a:t>08/06/2020</a:t>
+              <a:t>09/06/20</a:t>
             </a:fld>
             <a:endParaRPr lang="it-IT"/>
           </a:p>
@@ -3358,7 +3358,7 @@
           <a:p>
             <a:fld id="{B02DE177-5E7A-4847-83AB-7872EFFA77AC}" type="datetimeFigureOut">
               <a:rPr lang="it-IT" smtClean="0"/>
-              <a:t>08/06/2020</a:t>
+              <a:t>09/06/20</a:t>
             </a:fld>
             <a:endParaRPr lang="it-IT"/>
           </a:p>
@@ -4771,21 +4771,34 @@
             <p:ph type="title"/>
           </p:nvPr>
         </p:nvSpPr>
-        <p:spPr/>
+        <p:spPr>
+          <a:xfrm>
+            <a:off x="0" y="365125"/>
+            <a:ext cx="12192000" cy="1325563"/>
+          </a:xfrm>
+        </p:spPr>
         <p:txBody>
           <a:bodyPr>
             <a:normAutofit/>
           </a:bodyPr>
           <a:lstStyle/>
           <a:p>
+            <a:pPr algn="ctr"/>
             <a:r>
-              <a:rPr lang="it-IT" sz="3600" dirty="0">
+              <a:rPr lang="it-IT" sz="2800" dirty="0">
                 <a:solidFill>
                   <a:srgbClr val="E94117"/>
                 </a:solidFill>
+                <a:latin typeface="Hiragino Kaku Gothic StdN W8" panose="020B0800000000000000" pitchFamily="34" charset="-128"/>
+                <a:ea typeface="Hiragino Kaku Gothic StdN W8" panose="020B0800000000000000" pitchFamily="34" charset="-128"/>
               </a:rPr>
-              <a:t>CONDIZIONI DI LAVORO-RIVELATORI AL GERMANIO</a:t>
+              <a:t>CONDIZIONI DI LAVORO - RIVELATORI AL GERMANIO</a:t>
             </a:r>
+            <a:endParaRPr lang="it-IT" sz="2800" dirty="0">
+              <a:solidFill>
+                <a:srgbClr val="E94117"/>
+              </a:solidFill>
+            </a:endParaRPr>
           </a:p>
         </p:txBody>
       </p:sp>
@@ -4942,6 +4955,8 @@
                 <a:solidFill>
                   <a:schemeClr val="bg1"/>
                 </a:solidFill>
+                <a:latin typeface="Hiragino Kaku Gothic Pro W3" panose="020B0300000000000000" pitchFamily="34" charset="-128"/>
+                <a:ea typeface="Hiragino Kaku Gothic Pro W3" panose="020B0300000000000000" pitchFamily="34" charset="-128"/>
               </a:rPr>
               <a:t>Polarizzazione</a:t>
             </a:r>
@@ -4981,6 +4996,8 @@
                 <a:solidFill>
                   <a:schemeClr val="bg1"/>
                 </a:solidFill>
+                <a:latin typeface="Hiragino Kaku Gothic Pro W3" panose="020B0300000000000000" pitchFamily="34" charset="-128"/>
+                <a:ea typeface="Hiragino Kaku Gothic Pro W3" panose="020B0300000000000000" pitchFamily="34" charset="-128"/>
               </a:rPr>
               <a:t>Temperatura</a:t>
             </a:r>
@@ -5065,14 +5082,17 @@
           <a:lstStyle/>
           <a:p>
             <a:r>
-              <a:rPr lang="it-IT" sz="3200" dirty="0"/>
+              <a:rPr lang="it-IT" sz="3200" dirty="0">
+                <a:latin typeface="Hiragino Kaku Gothic Pro W3" panose="020B0300000000000000" pitchFamily="34" charset="-128"/>
+                <a:ea typeface="Hiragino Kaku Gothic Pro W3" panose="020B0300000000000000" pitchFamily="34" charset="-128"/>
+              </a:rPr>
               <a:t>Regione di svuotamento</a:t>
             </a:r>
           </a:p>
         </p:txBody>
       </p:sp>
-      <mc:AlternateContent xmlns:mc="http://schemas.openxmlformats.org/markup-compatibility/2006">
-        <mc:Choice xmlns:a14="http://schemas.microsoft.com/office/drawing/2010/main" Requires="a14">
+      <mc:AlternateContent xmlns:mc="http://schemas.openxmlformats.org/markup-compatibility/2006" xmlns:a14="http://schemas.microsoft.com/office/drawing/2010/main">
+        <mc:Choice Requires="a14">
           <p:sp>
             <p:nvSpPr>
               <p:cNvPr id="21" name="CasellaDiTesto 20">
@@ -5101,6 +5121,7 @@
               </a:bodyPr>
               <a:lstStyle/>
               <a:p>
+                <a:pPr/>
                 <a14:m>
                   <m:oMathPara xmlns:m="http://schemas.openxmlformats.org/officeDocument/2006/math">
                     <m:oMathParaPr>
@@ -5183,7 +5204,7 @@
             </p:txBody>
           </p:sp>
         </mc:Choice>
-        <mc:Fallback>
+        <mc:Fallback xmlns="">
           <p:sp>
             <p:nvSpPr>
               <p:cNvPr id="21" name="CasellaDiTesto 20">
@@ -5277,8 +5298,8 @@
           </a:p>
         </p:txBody>
       </p:sp>
-      <mc:AlternateContent xmlns:mc="http://schemas.openxmlformats.org/markup-compatibility/2006">
-        <mc:Choice xmlns:a14="http://schemas.microsoft.com/office/drawing/2010/main" Requires="a14">
+      <mc:AlternateContent xmlns:mc="http://schemas.openxmlformats.org/markup-compatibility/2006" xmlns:a14="http://schemas.microsoft.com/office/drawing/2010/main">
+        <mc:Choice Requires="a14">
           <p:sp>
             <p:nvSpPr>
               <p:cNvPr id="24" name="CasellaDiTesto 23">
@@ -5307,6 +5328,7 @@
               </a:bodyPr>
               <a:lstStyle/>
               <a:p>
+                <a:pPr/>
                 <a14:m>
                   <m:oMathPara xmlns:m="http://schemas.openxmlformats.org/officeDocument/2006/math">
                     <m:oMathParaPr>
@@ -5531,7 +5553,7 @@
             </p:txBody>
           </p:sp>
         </mc:Choice>
-        <mc:Fallback>
+        <mc:Fallback xmlns="">
           <p:sp>
             <p:nvSpPr>
               <p:cNvPr id="24" name="CasellaDiTesto 23">
@@ -5605,7 +5627,10 @@
           <a:lstStyle/>
           <a:p>
             <a:r>
-              <a:rPr lang="it-IT" sz="2800" dirty="0"/>
+              <a:rPr lang="it-IT" sz="2800" dirty="0">
+                <a:latin typeface="Hiragino Kaku Gothic Pro W3" panose="020B0300000000000000" pitchFamily="34" charset="-128"/>
+                <a:ea typeface="Hiragino Kaku Gothic Pro W3" panose="020B0300000000000000" pitchFamily="34" charset="-128"/>
+              </a:rPr>
               <a:t>Risoluzione</a:t>
             </a:r>
           </a:p>
@@ -5625,7 +5650,7 @@
         </p:nvSpPr>
         <p:spPr>
           <a:xfrm rot="16200000">
-            <a:off x="8464678" y="4604146"/>
+            <a:off x="8588248" y="4604146"/>
             <a:ext cx="558800" cy="545958"/>
           </a:xfrm>
           <a:prstGeom prst="downArrow">
@@ -5660,8 +5685,8 @@
           </a:p>
         </p:txBody>
       </p:sp>
-      <mc:AlternateContent xmlns:mc="http://schemas.openxmlformats.org/markup-compatibility/2006">
-        <mc:Choice xmlns:a14="http://schemas.microsoft.com/office/drawing/2010/main" Requires="a14">
+      <mc:AlternateContent xmlns:mc="http://schemas.openxmlformats.org/markup-compatibility/2006" xmlns:a14="http://schemas.microsoft.com/office/drawing/2010/main">
+        <mc:Choice Requires="a14">
           <p:sp>
             <p:nvSpPr>
               <p:cNvPr id="28" name="Rettangolo 27">
@@ -5689,6 +5714,7 @@
               </a:bodyPr>
               <a:lstStyle/>
               <a:p>
+                <a:pPr/>
                 <a14:m>
                   <m:oMathPara xmlns:m="http://schemas.openxmlformats.org/officeDocument/2006/math">
                     <m:oMathParaPr>
@@ -5744,7 +5770,7 @@
             </p:txBody>
           </p:sp>
         </mc:Choice>
-        <mc:Fallback>
+        <mc:Fallback xmlns="">
           <p:sp>
             <p:nvSpPr>
               <p:cNvPr id="28" name="Rettangolo 27">
@@ -5789,8 +5815,8 @@
           </p:sp>
         </mc:Fallback>
       </mc:AlternateContent>
-      <mc:AlternateContent xmlns:mc="http://schemas.openxmlformats.org/markup-compatibility/2006">
-        <mc:Choice xmlns:a14="http://schemas.microsoft.com/office/drawing/2010/main" Requires="a14">
+      <mc:AlternateContent xmlns:mc="http://schemas.openxmlformats.org/markup-compatibility/2006" xmlns:a14="http://schemas.microsoft.com/office/drawing/2010/main">
+        <mc:Choice Requires="a14">
           <p:sp>
             <p:nvSpPr>
               <p:cNvPr id="29" name="Rettangolo 28">
@@ -6022,7 +6048,7 @@
             </p:txBody>
           </p:sp>
         </mc:Choice>
-        <mc:Fallback>
+        <mc:Fallback xmlns="">
           <p:sp>
             <p:nvSpPr>
               <p:cNvPr id="29" name="Rettangolo 28">
@@ -6198,6 +6224,8 @@
                 <a:solidFill>
                   <a:schemeClr val="bg1"/>
                 </a:solidFill>
+                <a:latin typeface="Hiragino Kaku Gothic Pro W3" panose="020B0300000000000000" pitchFamily="34" charset="-128"/>
+                <a:ea typeface="Hiragino Kaku Gothic Pro W3" panose="020B0300000000000000" pitchFamily="34" charset="-128"/>
               </a:rPr>
               <a:t>Inversa</a:t>
             </a:r>
